--- a/3. CSS/Slides/CSS Grundlagen 2.pptx
+++ b/3. CSS/Slides/CSS Grundlagen 2.pptx
@@ -17,16 +17,31 @@
     <p:sldId id="327" r:id="rId11"/>
     <p:sldId id="325" r:id="rId12"/>
     <p:sldId id="313" r:id="rId13"/>
-    <p:sldId id="314" r:id="rId14"/>
-    <p:sldId id="326" r:id="rId15"/>
-    <p:sldId id="316" r:id="rId16"/>
-    <p:sldId id="317" r:id="rId17"/>
-    <p:sldId id="319" r:id="rId18"/>
-    <p:sldId id="320" r:id="rId19"/>
+    <p:sldId id="341" r:id="rId14"/>
+    <p:sldId id="314" r:id="rId15"/>
+    <p:sldId id="326" r:id="rId16"/>
+    <p:sldId id="316" r:id="rId17"/>
+    <p:sldId id="317" r:id="rId18"/>
+    <p:sldId id="319" r:id="rId19"/>
     <p:sldId id="321" r:id="rId20"/>
-    <p:sldId id="322" r:id="rId21"/>
-    <p:sldId id="315" r:id="rId22"/>
-    <p:sldId id="292" r:id="rId23"/>
+    <p:sldId id="320" r:id="rId21"/>
+    <p:sldId id="322" r:id="rId22"/>
+    <p:sldId id="343" r:id="rId23"/>
+    <p:sldId id="340" r:id="rId24"/>
+    <p:sldId id="337" r:id="rId25"/>
+    <p:sldId id="315" r:id="rId26"/>
+    <p:sldId id="333" r:id="rId27"/>
+    <p:sldId id="328" r:id="rId28"/>
+    <p:sldId id="334" r:id="rId29"/>
+    <p:sldId id="335" r:id="rId30"/>
+    <p:sldId id="338" r:id="rId31"/>
+    <p:sldId id="339" r:id="rId32"/>
+    <p:sldId id="344" r:id="rId33"/>
+    <p:sldId id="345" r:id="rId34"/>
+    <p:sldId id="330" r:id="rId35"/>
+    <p:sldId id="331" r:id="rId36"/>
+    <p:sldId id="346" r:id="rId37"/>
+    <p:sldId id="292" r:id="rId38"/>
   </p:sldIdLst>
   <p:sldSz cx="12192000" cy="6858000"/>
   <p:notesSz cx="6858000" cy="9144000"/>
@@ -284,7 +299,7 @@
           <a:p>
             <a:fld id="{B6D41BCC-AD73-4203-A5A6-E62EB28B0FE6}" type="datetimeFigureOut">
               <a:rPr lang="en-US" smtClean="0"/>
-              <a:t>10/3/2023</a:t>
+              <a:t>10/7/2023</a:t>
             </a:fld>
             <a:endParaRPr lang="en-US"/>
           </a:p>
@@ -492,7 +507,7 @@
           <a:p>
             <a:fld id="{B6D41BCC-AD73-4203-A5A6-E62EB28B0FE6}" type="datetimeFigureOut">
               <a:rPr lang="en-US" smtClean="0"/>
-              <a:t>10/3/2023</a:t>
+              <a:t>10/7/2023</a:t>
             </a:fld>
             <a:endParaRPr lang="en-US"/>
           </a:p>
@@ -700,7 +715,7 @@
           <a:p>
             <a:fld id="{B6D41BCC-AD73-4203-A5A6-E62EB28B0FE6}" type="datetimeFigureOut">
               <a:rPr lang="en-US" smtClean="0"/>
-              <a:t>10/3/2023</a:t>
+              <a:t>10/7/2023</a:t>
             </a:fld>
             <a:endParaRPr lang="en-US"/>
           </a:p>
@@ -898,7 +913,7 @@
           <a:p>
             <a:fld id="{B6D41BCC-AD73-4203-A5A6-E62EB28B0FE6}" type="datetimeFigureOut">
               <a:rPr lang="en-US" smtClean="0"/>
-              <a:t>10/3/2023</a:t>
+              <a:t>10/7/2023</a:t>
             </a:fld>
             <a:endParaRPr lang="en-US"/>
           </a:p>
@@ -1269,7 +1284,7 @@
           <a:p>
             <a:fld id="{B6D41BCC-AD73-4203-A5A6-E62EB28B0FE6}" type="datetimeFigureOut">
               <a:rPr lang="en-US" smtClean="0"/>
-              <a:t>10/3/2023</a:t>
+              <a:t>10/7/2023</a:t>
             </a:fld>
             <a:endParaRPr lang="en-US"/>
           </a:p>
@@ -1539,7 +1554,7 @@
           <a:p>
             <a:fld id="{B6D41BCC-AD73-4203-A5A6-E62EB28B0FE6}" type="datetimeFigureOut">
               <a:rPr lang="en-US" smtClean="0"/>
-              <a:t>10/3/2023</a:t>
+              <a:t>10/7/2023</a:t>
             </a:fld>
             <a:endParaRPr lang="en-US"/>
           </a:p>
@@ -1955,7 +1970,7 @@
           <a:p>
             <a:fld id="{B6D41BCC-AD73-4203-A5A6-E62EB28B0FE6}" type="datetimeFigureOut">
               <a:rPr lang="en-US" smtClean="0"/>
-              <a:t>10/3/2023</a:t>
+              <a:t>10/7/2023</a:t>
             </a:fld>
             <a:endParaRPr lang="en-US"/>
           </a:p>
@@ -2096,7 +2111,7 @@
           <a:p>
             <a:fld id="{B6D41BCC-AD73-4203-A5A6-E62EB28B0FE6}" type="datetimeFigureOut">
               <a:rPr lang="en-US" smtClean="0"/>
-              <a:t>10/3/2023</a:t>
+              <a:t>10/7/2023</a:t>
             </a:fld>
             <a:endParaRPr lang="en-US"/>
           </a:p>
@@ -2209,7 +2224,7 @@
           <a:p>
             <a:fld id="{B6D41BCC-AD73-4203-A5A6-E62EB28B0FE6}" type="datetimeFigureOut">
               <a:rPr lang="en-US" smtClean="0"/>
-              <a:t>10/3/2023</a:t>
+              <a:t>10/7/2023</a:t>
             </a:fld>
             <a:endParaRPr lang="en-US"/>
           </a:p>
@@ -2535,7 +2550,7 @@
           <a:p>
             <a:fld id="{B6D41BCC-AD73-4203-A5A6-E62EB28B0FE6}" type="datetimeFigureOut">
               <a:rPr lang="en-US" smtClean="0"/>
-              <a:t>10/3/2023</a:t>
+              <a:t>10/7/2023</a:t>
             </a:fld>
             <a:endParaRPr lang="en-US"/>
           </a:p>
@@ -2823,7 +2838,7 @@
           <a:p>
             <a:fld id="{B6D41BCC-AD73-4203-A5A6-E62EB28B0FE6}" type="datetimeFigureOut">
               <a:rPr lang="en-US" smtClean="0"/>
-              <a:t>10/3/2023</a:t>
+              <a:t>10/7/2023</a:t>
             </a:fld>
             <a:endParaRPr lang="en-US"/>
           </a:p>
@@ -3063,7 +3078,7 @@
             <a:fld id="{B6D41BCC-AD73-4203-A5A6-E62EB28B0FE6}" type="datetimeFigureOut">
               <a:rPr lang="en-US" smtClean="0"/>
               <a:pPr/>
-              <a:t>10/3/2023</a:t>
+              <a:t>10/7/2023</a:t>
             </a:fld>
             <a:endParaRPr lang="en-US"/>
           </a:p>
@@ -3493,7 +3508,7 @@
                 <a16:creationId xmlns:a16="http://schemas.microsoft.com/office/drawing/2014/main" id="{BE229233-9672-4675-99B7-6CBCEF1CD415}"/>
               </a:ext>
               <a:ext uri="{C183D7F6-B498-43B3-948B-1728B52AA6E4}">
-                <adec:decorative xmlns:adec="http://schemas.microsoft.com/office/drawing/2017/decorative" xmlns="" val="1"/>
+                <adec:decorative xmlns="" xmlns:adec="http://schemas.microsoft.com/office/drawing/2017/decorative" val="1"/>
               </a:ext>
             </a:extLst>
           </p:cNvPr>
@@ -3588,7 +3603,7 @@
                 <a16:creationId xmlns:a16="http://schemas.microsoft.com/office/drawing/2014/main" id="{EC5FF010-B53C-46BE-BEEF-AF926A00F67F}"/>
               </a:ext>
               <a:ext uri="{C183D7F6-B498-43B3-948B-1728B52AA6E4}">
-                <adec:decorative xmlns:adec="http://schemas.microsoft.com/office/drawing/2017/decorative" xmlns="" val="1"/>
+                <adec:decorative xmlns="" xmlns:adec="http://schemas.microsoft.com/office/drawing/2017/decorative" val="1"/>
               </a:ext>
             </a:extLst>
           </p:cNvPr>
@@ -3654,7 +3669,7 @@
                 <a16:creationId xmlns:a16="http://schemas.microsoft.com/office/drawing/2014/main" id="{8509AD9C-1F43-4138-A72B-8CA988EDD475}"/>
               </a:ext>
               <a:ext uri="{C183D7F6-B498-43B3-948B-1728B52AA6E4}">
-                <adec:decorative xmlns:adec="http://schemas.microsoft.com/office/drawing/2017/decorative" xmlns="" val="1"/>
+                <adec:decorative xmlns="" xmlns:adec="http://schemas.microsoft.com/office/drawing/2017/decorative" val="1"/>
               </a:ext>
             </a:extLst>
           </p:cNvPr>
@@ -3960,6 +3975,13 @@
   <p:clrMapOvr>
     <a:masterClrMapping/>
   </p:clrMapOvr>
+  <p:timing>
+    <p:tnLst>
+      <p:par>
+        <p:cTn id="1" dur="indefinite" restart="never" nodeType="tmRoot"/>
+      </p:par>
+    </p:tnLst>
+  </p:timing>
 </p:sld>
 </file>
 
@@ -3996,7 +4018,7 @@
                 <a16:creationId xmlns:a16="http://schemas.microsoft.com/office/drawing/2014/main" id="{BE229233-9672-4675-99B7-6CBCEF1CD415}"/>
               </a:ext>
               <a:ext uri="{C183D7F6-B498-43B3-948B-1728B52AA6E4}">
-                <adec:decorative xmlns:adec="http://schemas.microsoft.com/office/drawing/2017/decorative" xmlns="" val="1"/>
+                <adec:decorative xmlns="" xmlns:adec="http://schemas.microsoft.com/office/drawing/2017/decorative" val="1"/>
               </a:ext>
             </a:extLst>
           </p:cNvPr>
@@ -4091,7 +4113,7 @@
                 <a16:creationId xmlns:a16="http://schemas.microsoft.com/office/drawing/2014/main" id="{EC5FF010-B53C-46BE-BEEF-AF926A00F67F}"/>
               </a:ext>
               <a:ext uri="{C183D7F6-B498-43B3-948B-1728B52AA6E4}">
-                <adec:decorative xmlns:adec="http://schemas.microsoft.com/office/drawing/2017/decorative" xmlns="" val="1"/>
+                <adec:decorative xmlns="" xmlns:adec="http://schemas.microsoft.com/office/drawing/2017/decorative" val="1"/>
               </a:ext>
             </a:extLst>
           </p:cNvPr>
@@ -4157,7 +4179,7 @@
                 <a16:creationId xmlns:a16="http://schemas.microsoft.com/office/drawing/2014/main" id="{8509AD9C-1F43-4138-A72B-8CA988EDD475}"/>
               </a:ext>
               <a:ext uri="{C183D7F6-B498-43B3-948B-1728B52AA6E4}">
-                <adec:decorative xmlns:adec="http://schemas.microsoft.com/office/drawing/2017/decorative" xmlns="" val="1"/>
+                <adec:decorative xmlns="" xmlns:adec="http://schemas.microsoft.com/office/drawing/2017/decorative" val="1"/>
               </a:ext>
             </a:extLst>
           </p:cNvPr>
@@ -4362,178 +4384,30 @@
           </a:p>
         </p:txBody>
       </p:sp>
-      <p:sp>
-        <p:nvSpPr>
-          <p:cNvPr id="3" name="Inhaltsplatzhalter 2"/>
-          <p:cNvSpPr>
-            <a:spLocks noGrp="1"/>
-          </p:cNvSpPr>
-          <p:nvPr>
-            <p:ph idx="1"/>
-          </p:nvPr>
-        </p:nvSpPr>
-        <p:spPr>
-          <a:xfrm>
-            <a:off x="665285" y="2039815"/>
-            <a:ext cx="5430715" cy="4137259"/>
-          </a:xfrm>
-        </p:spPr>
-        <p:txBody>
-          <a:bodyPr>
-            <a:normAutofit fontScale="92500" lnSpcReduction="10000"/>
-          </a:bodyPr>
-          <a:lstStyle/>
-          <a:p>
-            <a:r>
-              <a:rPr lang="de-DE" dirty="0"/>
-              <a:t>Die CSS-Kaskade ist das Konzept, wie CSS-Regeln auf HTML-Elemente angewendet werden, wenn mehrere Regeln konkurrieren</a:t>
-            </a:r>
-            <a:r>
-              <a:rPr lang="de-DE" dirty="0" smtClean="0"/>
-              <a:t>.</a:t>
-            </a:r>
-          </a:p>
-          <a:p>
-            <a:r>
-              <a:rPr lang="de-DE" dirty="0"/>
-              <a:t>Konflikte werden durch die Reihenfolge der Regeln, die Spezifität von </a:t>
-            </a:r>
-            <a:r>
-              <a:rPr lang="de-DE" dirty="0" err="1"/>
-              <a:t>Selektoren</a:t>
-            </a:r>
-            <a:r>
-              <a:rPr lang="de-DE" dirty="0"/>
-              <a:t> und die Verwendung von !</a:t>
-            </a:r>
-            <a:r>
-              <a:rPr lang="de-DE" dirty="0" err="1"/>
-              <a:t>important</a:t>
-            </a:r>
-            <a:r>
-              <a:rPr lang="de-DE" dirty="0"/>
-              <a:t> </a:t>
-            </a:r>
-            <a:r>
-              <a:rPr lang="de-DE" dirty="0" smtClean="0"/>
-              <a:t>gelöst</a:t>
-            </a:r>
-          </a:p>
-          <a:p>
-            <a:r>
-              <a:rPr lang="de-DE" dirty="0"/>
-              <a:t>Es gibt vier Kategorien, die das Spezifitätsniveau eines </a:t>
-            </a:r>
-            <a:r>
-              <a:rPr lang="de-DE" dirty="0" err="1"/>
-              <a:t>Selektors</a:t>
-            </a:r>
-            <a:r>
-              <a:rPr lang="de-DE" dirty="0"/>
-              <a:t> definieren:</a:t>
-            </a:r>
-          </a:p>
-          <a:p>
-            <a:pPr lvl="1"/>
-            <a:r>
-              <a:rPr lang="de-DE" dirty="0"/>
-              <a:t>Inline-Stile - Beispiel: &lt;h1 style="</a:t>
-            </a:r>
-            <a:r>
-              <a:rPr lang="de-DE" dirty="0" err="1"/>
-              <a:t>color</a:t>
-            </a:r>
-            <a:r>
-              <a:rPr lang="de-DE" dirty="0"/>
-              <a:t>: pink;"&gt;</a:t>
-            </a:r>
-          </a:p>
-          <a:p>
-            <a:pPr lvl="1"/>
-            <a:r>
-              <a:rPr lang="de-DE" dirty="0"/>
-              <a:t>IDs - Beispiel: #</a:t>
-            </a:r>
-            <a:r>
-              <a:rPr lang="de-DE" dirty="0" err="1"/>
-              <a:t>navbar</a:t>
-            </a:r>
-            <a:endParaRPr lang="de-DE" dirty="0"/>
-          </a:p>
-          <a:p>
-            <a:pPr lvl="1"/>
-            <a:r>
-              <a:rPr lang="de-DE" dirty="0"/>
-              <a:t>Klassen, Pseudoklassen, </a:t>
-            </a:r>
-            <a:r>
-              <a:rPr lang="de-DE" dirty="0" err="1"/>
-              <a:t>Attributselektoren</a:t>
-            </a:r>
-            <a:r>
-              <a:rPr lang="de-DE" dirty="0"/>
-              <a:t> - Beispiel: .</a:t>
-            </a:r>
-            <a:r>
-              <a:rPr lang="de-DE" dirty="0" err="1"/>
-              <a:t>test</a:t>
-            </a:r>
-            <a:r>
-              <a:rPr lang="de-DE" dirty="0"/>
-              <a:t>, :</a:t>
-            </a:r>
-            <a:r>
-              <a:rPr lang="de-DE" dirty="0" err="1"/>
-              <a:t>hover</a:t>
-            </a:r>
-            <a:r>
-              <a:rPr lang="de-DE" dirty="0"/>
-              <a:t>, [</a:t>
-            </a:r>
-            <a:r>
-              <a:rPr lang="de-DE" dirty="0" err="1"/>
-              <a:t>href</a:t>
-            </a:r>
-            <a:r>
-              <a:rPr lang="de-DE" dirty="0"/>
-              <a:t>]</a:t>
-            </a:r>
-          </a:p>
-          <a:p>
-            <a:pPr lvl="1"/>
-            <a:r>
-              <a:rPr lang="de-DE" dirty="0"/>
-              <a:t>Elemente und Pseudo-Elemente - Beispiel: h1, ::</a:t>
-            </a:r>
-            <a:r>
-              <a:rPr lang="de-DE" dirty="0" err="1"/>
-              <a:t>before</a:t>
-            </a:r>
-            <a:endParaRPr lang="de-DE" dirty="0"/>
-          </a:p>
-          <a:p>
-            <a:endParaRPr lang="de-DE" dirty="0" smtClean="0"/>
-          </a:p>
-        </p:txBody>
-      </p:sp>
       <p:pic>
         <p:nvPicPr>
-          <p:cNvPr id="10" name="Grafik 9"/>
+          <p:cNvPr id="5" name="Grafik 4"/>
           <p:cNvPicPr>
             <a:picLocks noChangeAspect="1"/>
           </p:cNvPicPr>
           <p:nvPr/>
         </p:nvPicPr>
         <p:blipFill>
-          <a:blip r:embed="rId2"/>
+          <a:blip r:embed="rId2">
+            <a:extLst>
+              <a:ext uri="{28A0092B-C50C-407E-A947-70E740481C1C}">
+                <a14:useLocalDpi xmlns:a14="http://schemas.microsoft.com/office/drawing/2010/main" val="0"/>
+              </a:ext>
+            </a:extLst>
+          </a:blip>
           <a:stretch>
             <a:fillRect/>
           </a:stretch>
         </p:blipFill>
         <p:spPr>
           <a:xfrm>
-            <a:off x="6343423" y="2162908"/>
-            <a:ext cx="5698654" cy="3244490"/>
+            <a:off x="1066800" y="1219897"/>
+            <a:ext cx="10058400" cy="5443925"/>
           </a:xfrm>
           <a:prstGeom prst="rect">
             <a:avLst/>
@@ -4594,6 +4468,272 @@
           <a:p>
             <a:r>
               <a:rPr lang="de-AT" dirty="0" smtClean="0"/>
+              <a:t>CSS Kaskade</a:t>
+            </a:r>
+            <a:endParaRPr lang="en-US" dirty="0"/>
+          </a:p>
+        </p:txBody>
+      </p:sp>
+      <p:sp>
+        <p:nvSpPr>
+          <p:cNvPr id="3" name="Inhaltsplatzhalter 2"/>
+          <p:cNvSpPr>
+            <a:spLocks noGrp="1"/>
+          </p:cNvSpPr>
+          <p:nvPr>
+            <p:ph idx="1"/>
+          </p:nvPr>
+        </p:nvSpPr>
+        <p:spPr>
+          <a:xfrm>
+            <a:off x="665285" y="1890345"/>
+            <a:ext cx="5430715" cy="4695093"/>
+          </a:xfrm>
+        </p:spPr>
+        <p:txBody>
+          <a:bodyPr>
+            <a:normAutofit lnSpcReduction="10000"/>
+          </a:bodyPr>
+          <a:lstStyle/>
+          <a:p>
+            <a:r>
+              <a:rPr lang="de-DE" dirty="0"/>
+              <a:t>Die CSS-Kaskade ist das Konzept, wie CSS-Regeln auf HTML-Elemente angewendet werden, wenn mehrere Regeln konkurrieren</a:t>
+            </a:r>
+            <a:r>
+              <a:rPr lang="de-DE" dirty="0" smtClean="0"/>
+              <a:t>.</a:t>
+            </a:r>
+          </a:p>
+          <a:p>
+            <a:r>
+              <a:rPr lang="de-DE" dirty="0"/>
+              <a:t>Konflikte werden durch die </a:t>
+            </a:r>
+            <a:r>
+              <a:rPr lang="de-DE" b="1" dirty="0"/>
+              <a:t>Reihenfolge </a:t>
+            </a:r>
+            <a:r>
+              <a:rPr lang="de-DE" dirty="0"/>
+              <a:t>der Regeln, die </a:t>
+            </a:r>
+            <a:r>
+              <a:rPr lang="de-DE" b="1" dirty="0"/>
+              <a:t>Spezifität</a:t>
+            </a:r>
+            <a:r>
+              <a:rPr lang="de-DE" dirty="0"/>
+              <a:t> von </a:t>
+            </a:r>
+            <a:r>
+              <a:rPr lang="de-DE" dirty="0" err="1"/>
+              <a:t>Selektoren</a:t>
+            </a:r>
+            <a:r>
+              <a:rPr lang="de-DE" dirty="0"/>
+              <a:t> und die Verwendung von </a:t>
+            </a:r>
+            <a:r>
+              <a:rPr lang="de-DE" b="1" dirty="0"/>
+              <a:t>!</a:t>
+            </a:r>
+            <a:r>
+              <a:rPr lang="de-DE" b="1" dirty="0" err="1"/>
+              <a:t>important</a:t>
+            </a:r>
+            <a:r>
+              <a:rPr lang="de-DE" b="1" dirty="0"/>
+              <a:t> </a:t>
+            </a:r>
+            <a:r>
+              <a:rPr lang="de-DE" dirty="0" smtClean="0"/>
+              <a:t>gelöst</a:t>
+            </a:r>
+          </a:p>
+          <a:p>
+            <a:r>
+              <a:rPr lang="de-DE" dirty="0"/>
+              <a:t>Es gibt 4</a:t>
+            </a:r>
+            <a:r>
+              <a:rPr lang="de-DE" dirty="0" smtClean="0"/>
+              <a:t> </a:t>
+            </a:r>
+            <a:r>
+              <a:rPr lang="de-DE" dirty="0"/>
+              <a:t>Kategorien, die das Spezifitätsniveau eines </a:t>
+            </a:r>
+            <a:r>
+              <a:rPr lang="de-DE" dirty="0" err="1"/>
+              <a:t>Selektors</a:t>
+            </a:r>
+            <a:r>
+              <a:rPr lang="de-DE" dirty="0"/>
+              <a:t> definieren:</a:t>
+            </a:r>
+          </a:p>
+          <a:p>
+            <a:pPr lvl="1"/>
+            <a:r>
+              <a:rPr lang="de-DE" dirty="0"/>
+              <a:t>Inline-Stile - Beispiel: &lt;h1 style="</a:t>
+            </a:r>
+            <a:r>
+              <a:rPr lang="de-DE" dirty="0" err="1"/>
+              <a:t>color</a:t>
+            </a:r>
+            <a:r>
+              <a:rPr lang="de-DE" dirty="0"/>
+              <a:t>: pink;"&gt;</a:t>
+            </a:r>
+          </a:p>
+          <a:p>
+            <a:pPr lvl="1"/>
+            <a:r>
+              <a:rPr lang="de-DE" dirty="0"/>
+              <a:t>IDs - Beispiel: #</a:t>
+            </a:r>
+            <a:r>
+              <a:rPr lang="de-DE" dirty="0" err="1"/>
+              <a:t>navbar</a:t>
+            </a:r>
+            <a:endParaRPr lang="de-DE" dirty="0"/>
+          </a:p>
+          <a:p>
+            <a:pPr lvl="1"/>
+            <a:r>
+              <a:rPr lang="de-DE" dirty="0"/>
+              <a:t>Klassen, Pseudoklassen, </a:t>
+            </a:r>
+            <a:r>
+              <a:rPr lang="de-DE" dirty="0" err="1"/>
+              <a:t>Attributselektoren</a:t>
+            </a:r>
+            <a:r>
+              <a:rPr lang="de-DE" dirty="0"/>
+              <a:t> - Beispiel: .</a:t>
+            </a:r>
+            <a:r>
+              <a:rPr lang="de-DE" dirty="0" err="1"/>
+              <a:t>test</a:t>
+            </a:r>
+            <a:r>
+              <a:rPr lang="de-DE" dirty="0"/>
+              <a:t>, :</a:t>
+            </a:r>
+            <a:r>
+              <a:rPr lang="de-DE" dirty="0" err="1"/>
+              <a:t>hover</a:t>
+            </a:r>
+            <a:r>
+              <a:rPr lang="de-DE" dirty="0"/>
+              <a:t>, [</a:t>
+            </a:r>
+            <a:r>
+              <a:rPr lang="de-DE" dirty="0" err="1"/>
+              <a:t>href</a:t>
+            </a:r>
+            <a:r>
+              <a:rPr lang="de-DE" dirty="0"/>
+              <a:t>]</a:t>
+            </a:r>
+          </a:p>
+          <a:p>
+            <a:pPr lvl="1"/>
+            <a:r>
+              <a:rPr lang="de-DE" dirty="0"/>
+              <a:t>Elemente und Pseudo-Elemente - Beispiel: h1, ::</a:t>
+            </a:r>
+            <a:r>
+              <a:rPr lang="de-DE" dirty="0" err="1" smtClean="0"/>
+              <a:t>before</a:t>
+            </a:r>
+            <a:endParaRPr lang="de-DE" dirty="0"/>
+          </a:p>
+          <a:p>
+            <a:endParaRPr lang="de-DE" dirty="0" smtClean="0"/>
+          </a:p>
+        </p:txBody>
+      </p:sp>
+      <p:pic>
+        <p:nvPicPr>
+          <p:cNvPr id="10" name="Grafik 9"/>
+          <p:cNvPicPr>
+            <a:picLocks noChangeAspect="1"/>
+          </p:cNvPicPr>
+          <p:nvPr/>
+        </p:nvPicPr>
+        <p:blipFill>
+          <a:blip r:embed="rId2"/>
+          <a:stretch>
+            <a:fillRect/>
+          </a:stretch>
+        </p:blipFill>
+        <p:spPr>
+          <a:xfrm>
+            <a:off x="6387384" y="2189285"/>
+            <a:ext cx="5698654" cy="3244490"/>
+          </a:xfrm>
+          <a:prstGeom prst="rect">
+            <a:avLst/>
+          </a:prstGeom>
+        </p:spPr>
+      </p:pic>
+    </p:spTree>
+    <p:extLst>
+      <p:ext uri="{BB962C8B-B14F-4D97-AF65-F5344CB8AC3E}">
+        <p14:creationId xmlns:p14="http://schemas.microsoft.com/office/powerpoint/2010/main" val="1149173214"/>
+      </p:ext>
+    </p:extLst>
+  </p:cSld>
+  <p:clrMapOvr>
+    <a:masterClrMapping/>
+  </p:clrMapOvr>
+  <p:timing>
+    <p:tnLst>
+      <p:par>
+        <p:cTn id="1" dur="indefinite" restart="never" nodeType="tmRoot"/>
+      </p:par>
+    </p:tnLst>
+  </p:timing>
+</p:sld>
+</file>
+
+<file path=ppt/slides/slide14.xml><?xml version="1.0" encoding="utf-8"?>
+<p:sld xmlns:a="http://schemas.openxmlformats.org/drawingml/2006/main" xmlns:r="http://schemas.openxmlformats.org/officeDocument/2006/relationships" xmlns:p="http://schemas.openxmlformats.org/presentationml/2006/main">
+  <p:cSld>
+    <p:spTree>
+      <p:nvGrpSpPr>
+        <p:cNvPr id="1" name=""/>
+        <p:cNvGrpSpPr/>
+        <p:nvPr/>
+      </p:nvGrpSpPr>
+      <p:grpSpPr>
+        <a:xfrm>
+          <a:off x="0" y="0"/>
+          <a:ext cx="0" cy="0"/>
+          <a:chOff x="0" y="0"/>
+          <a:chExt cx="0" cy="0"/>
+        </a:xfrm>
+      </p:grpSpPr>
+      <p:sp>
+        <p:nvSpPr>
+          <p:cNvPr id="2" name="Titel 1"/>
+          <p:cNvSpPr>
+            <a:spLocks noGrp="1"/>
+          </p:cNvSpPr>
+          <p:nvPr>
+            <p:ph type="title"/>
+          </p:nvPr>
+        </p:nvSpPr>
+        <p:spPr/>
+        <p:txBody>
+          <a:bodyPr/>
+          <a:lstStyle/>
+          <a:p>
+            <a:r>
+              <a:rPr lang="de-AT" dirty="0" smtClean="0"/>
               <a:t>Berechnung der Spezifität</a:t>
             </a:r>
             <a:endParaRPr lang="en-US" dirty="0"/>
@@ -4687,7 +4827,7 @@
 </p:sld>
 </file>
 
-<file path=ppt/slides/slide14.xml><?xml version="1.0" encoding="utf-8"?>
+<file path=ppt/slides/slide15.xml><?xml version="1.0" encoding="utf-8"?>
 <p:sld xmlns:a="http://schemas.openxmlformats.org/drawingml/2006/main" xmlns:r="http://schemas.openxmlformats.org/officeDocument/2006/relationships" xmlns:p="http://schemas.openxmlformats.org/presentationml/2006/main">
   <p:cSld>
     <p:bg>
@@ -4720,7 +4860,7 @@
                 <a16:creationId xmlns:a16="http://schemas.microsoft.com/office/drawing/2014/main" id="{BE229233-9672-4675-99B7-6CBCEF1CD415}"/>
               </a:ext>
               <a:ext uri="{C183D7F6-B498-43B3-948B-1728B52AA6E4}">
-                <adec:decorative xmlns:adec="http://schemas.microsoft.com/office/drawing/2017/decorative" xmlns="" val="1"/>
+                <adec:decorative xmlns="" xmlns:adec="http://schemas.microsoft.com/office/drawing/2017/decorative" val="1"/>
               </a:ext>
             </a:extLst>
           </p:cNvPr>
@@ -4815,7 +4955,7 @@
                 <a16:creationId xmlns:a16="http://schemas.microsoft.com/office/drawing/2014/main" id="{EC5FF010-B53C-46BE-BEEF-AF926A00F67F}"/>
               </a:ext>
               <a:ext uri="{C183D7F6-B498-43B3-948B-1728B52AA6E4}">
-                <adec:decorative xmlns:adec="http://schemas.microsoft.com/office/drawing/2017/decorative" xmlns="" val="1"/>
+                <adec:decorative xmlns="" xmlns:adec="http://schemas.microsoft.com/office/drawing/2017/decorative" val="1"/>
               </a:ext>
             </a:extLst>
           </p:cNvPr>
@@ -4881,7 +5021,7 @@
                 <a16:creationId xmlns:a16="http://schemas.microsoft.com/office/drawing/2014/main" id="{8509AD9C-1F43-4138-A72B-8CA988EDD475}"/>
               </a:ext>
               <a:ext uri="{C183D7F6-B498-43B3-948B-1728B52AA6E4}">
-                <adec:decorative xmlns:adec="http://schemas.microsoft.com/office/drawing/2017/decorative" xmlns="" val="1"/>
+                <adec:decorative xmlns="" xmlns:adec="http://schemas.microsoft.com/office/drawing/2017/decorative" val="1"/>
               </a:ext>
             </a:extLst>
           </p:cNvPr>
@@ -4973,7 +5113,7 @@
             </a:r>
             <a:r>
               <a:rPr lang="de-AT" sz="3200" dirty="0" smtClean="0"/>
-              <a:t>- Positionierung</a:t>
+              <a:t>- Position</a:t>
             </a:r>
             <a:endParaRPr lang="de-AT" sz="3200" dirty="0"/>
           </a:p>
@@ -5046,7 +5186,7 @@
 </p:sld>
 </file>
 
-<file path=ppt/slides/slide15.xml><?xml version="1.0" encoding="utf-8"?>
+<file path=ppt/slides/slide16.xml><?xml version="1.0" encoding="utf-8"?>
 <p:sld xmlns:a="http://schemas.openxmlformats.org/drawingml/2006/main" xmlns:r="http://schemas.openxmlformats.org/officeDocument/2006/relationships" xmlns:p="http://schemas.openxmlformats.org/presentationml/2006/main">
   <p:cSld>
     <p:spTree>
@@ -5080,11 +5220,7 @@
           <a:p>
             <a:r>
               <a:rPr lang="de-AT" dirty="0" smtClean="0"/>
-              <a:t>CSS </a:t>
-            </a:r>
-            <a:r>
-              <a:rPr lang="de-AT" dirty="0" err="1" smtClean="0"/>
-              <a:t>Positioning</a:t>
+              <a:t>CSS Position</a:t>
             </a:r>
             <a:endParaRPr lang="en-US" dirty="0"/>
           </a:p>
@@ -5108,7 +5244,7 @@
         </p:spPr>
         <p:txBody>
           <a:bodyPr>
-            <a:normAutofit fontScale="92500" lnSpcReduction="20000"/>
+            <a:normAutofit/>
           </a:bodyPr>
           <a:lstStyle/>
           <a:p>
@@ -5205,7 +5341,15 @@
           <a:p>
             <a:r>
               <a:rPr lang="de-DE" dirty="0"/>
-              <a:t>Die Positionierung von Elementen erfolgt dann mithilfe der Eigenschaften </a:t>
+              <a:t>Die Positionierung von Elementen erfolgt </a:t>
+            </a:r>
+            <a:r>
+              <a:rPr lang="de-DE" dirty="0" smtClean="0"/>
+              <a:t>mithilfe </a:t>
+            </a:r>
+            <a:r>
+              <a:rPr lang="de-DE" dirty="0"/>
+              <a:t>der Eigenschaften </a:t>
             </a:r>
             <a:endParaRPr lang="de-DE" dirty="0" smtClean="0"/>
           </a:p>
@@ -5244,32 +5388,6 @@
               <a:t>". </a:t>
             </a:r>
             <a:endParaRPr lang="de-DE" dirty="0" smtClean="0"/>
-          </a:p>
-          <a:p>
-            <a:r>
-              <a:rPr lang="de-DE" dirty="0" smtClean="0"/>
-              <a:t>Diese </a:t>
-            </a:r>
-            <a:r>
-              <a:rPr lang="de-DE" dirty="0"/>
-              <a:t>Eigenschaften funktionieren jedoch nicht, es sei denn, die "</a:t>
-            </a:r>
-            <a:r>
-              <a:rPr lang="de-DE" dirty="0" err="1"/>
-              <a:t>position</a:t>
-            </a:r>
-            <a:r>
-              <a:rPr lang="de-DE" dirty="0"/>
-              <a:t>"-Eigenschaft wurde zuerst festgelegt. Sie verhalten sich auch unterschiedlich, abhängig vom Wert der "</a:t>
-            </a:r>
-            <a:r>
-              <a:rPr lang="de-DE" dirty="0" err="1"/>
-              <a:t>position</a:t>
-            </a:r>
-            <a:r>
-              <a:rPr lang="de-DE" dirty="0"/>
-              <a:t>"-Eigenschaft.</a:t>
-            </a:r>
           </a:p>
           <a:p>
             <a:endParaRPr lang="en-US" dirty="0"/>
@@ -5499,14 +5617,481 @@
   <p:timing>
     <p:tnLst>
       <p:par>
-        <p:cTn id="1" dur="indefinite" restart="never" nodeType="tmRoot"/>
+        <p:cTn id="1" dur="indefinite" restart="never" nodeType="tmRoot">
+          <p:childTnLst>
+            <p:seq concurrent="1" nextAc="seek">
+              <p:cTn id="2" dur="indefinite" nodeType="mainSeq">
+                <p:childTnLst>
+                  <p:par>
+                    <p:cTn id="3" fill="hold">
+                      <p:stCondLst>
+                        <p:cond delay="indefinite"/>
+                      </p:stCondLst>
+                      <p:childTnLst>
+                        <p:par>
+                          <p:cTn id="4" fill="hold">
+                            <p:stCondLst>
+                              <p:cond delay="0"/>
+                            </p:stCondLst>
+                            <p:childTnLst>
+                              <p:par>
+                                <p:cTn id="5" presetID="10" presetClass="entr" presetSubtype="0" fill="hold" grpId="0" nodeType="clickEffect">
+                                  <p:stCondLst>
+                                    <p:cond delay="0"/>
+                                  </p:stCondLst>
+                                  <p:childTnLst>
+                                    <p:set>
+                                      <p:cBhvr>
+                                        <p:cTn id="6" dur="1" fill="hold">
+                                          <p:stCondLst>
+                                            <p:cond delay="0"/>
+                                          </p:stCondLst>
+                                        </p:cTn>
+                                        <p:tgtEl>
+                                          <p:spTgt spid="3">
+                                            <p:txEl>
+                                              <p:pRg st="0" end="0"/>
+                                            </p:txEl>
+                                          </p:spTgt>
+                                        </p:tgtEl>
+                                        <p:attrNameLst>
+                                          <p:attrName>style.visibility</p:attrName>
+                                        </p:attrNameLst>
+                                      </p:cBhvr>
+                                      <p:to>
+                                        <p:strVal val="visible"/>
+                                      </p:to>
+                                    </p:set>
+                                    <p:animEffect transition="in" filter="fade">
+                                      <p:cBhvr>
+                                        <p:cTn id="7" dur="500"/>
+                                        <p:tgtEl>
+                                          <p:spTgt spid="3">
+                                            <p:txEl>
+                                              <p:pRg st="0" end="0"/>
+                                            </p:txEl>
+                                          </p:spTgt>
+                                        </p:tgtEl>
+                                      </p:cBhvr>
+                                    </p:animEffect>
+                                  </p:childTnLst>
+                                </p:cTn>
+                              </p:par>
+                            </p:childTnLst>
+                          </p:cTn>
+                        </p:par>
+                      </p:childTnLst>
+                    </p:cTn>
+                  </p:par>
+                  <p:par>
+                    <p:cTn id="8" fill="hold">
+                      <p:stCondLst>
+                        <p:cond delay="indefinite"/>
+                      </p:stCondLst>
+                      <p:childTnLst>
+                        <p:par>
+                          <p:cTn id="9" fill="hold">
+                            <p:stCondLst>
+                              <p:cond delay="0"/>
+                            </p:stCondLst>
+                            <p:childTnLst>
+                              <p:par>
+                                <p:cTn id="10" presetID="10" presetClass="entr" presetSubtype="0" fill="hold" grpId="0" nodeType="clickEffect">
+                                  <p:stCondLst>
+                                    <p:cond delay="0"/>
+                                  </p:stCondLst>
+                                  <p:childTnLst>
+                                    <p:set>
+                                      <p:cBhvr>
+                                        <p:cTn id="11" dur="1" fill="hold">
+                                          <p:stCondLst>
+                                            <p:cond delay="0"/>
+                                          </p:stCondLst>
+                                        </p:cTn>
+                                        <p:tgtEl>
+                                          <p:spTgt spid="3">
+                                            <p:txEl>
+                                              <p:pRg st="1" end="1"/>
+                                            </p:txEl>
+                                          </p:spTgt>
+                                        </p:tgtEl>
+                                        <p:attrNameLst>
+                                          <p:attrName>style.visibility</p:attrName>
+                                        </p:attrNameLst>
+                                      </p:cBhvr>
+                                      <p:to>
+                                        <p:strVal val="visible"/>
+                                      </p:to>
+                                    </p:set>
+                                    <p:animEffect transition="in" filter="fade">
+                                      <p:cBhvr>
+                                        <p:cTn id="12" dur="500"/>
+                                        <p:tgtEl>
+                                          <p:spTgt spid="3">
+                                            <p:txEl>
+                                              <p:pRg st="1" end="1"/>
+                                            </p:txEl>
+                                          </p:spTgt>
+                                        </p:tgtEl>
+                                      </p:cBhvr>
+                                    </p:animEffect>
+                                  </p:childTnLst>
+                                </p:cTn>
+                              </p:par>
+                              <p:par>
+                                <p:cTn id="13" presetID="10" presetClass="entr" presetSubtype="0" fill="hold" grpId="0" nodeType="withEffect">
+                                  <p:stCondLst>
+                                    <p:cond delay="0"/>
+                                  </p:stCondLst>
+                                  <p:childTnLst>
+                                    <p:set>
+                                      <p:cBhvr>
+                                        <p:cTn id="14" dur="1" fill="hold">
+                                          <p:stCondLst>
+                                            <p:cond delay="0"/>
+                                          </p:stCondLst>
+                                        </p:cTn>
+                                        <p:tgtEl>
+                                          <p:spTgt spid="3">
+                                            <p:txEl>
+                                              <p:pRg st="2" end="2"/>
+                                            </p:txEl>
+                                          </p:spTgt>
+                                        </p:tgtEl>
+                                        <p:attrNameLst>
+                                          <p:attrName>style.visibility</p:attrName>
+                                        </p:attrNameLst>
+                                      </p:cBhvr>
+                                      <p:to>
+                                        <p:strVal val="visible"/>
+                                      </p:to>
+                                    </p:set>
+                                    <p:animEffect transition="in" filter="fade">
+                                      <p:cBhvr>
+                                        <p:cTn id="15" dur="500"/>
+                                        <p:tgtEl>
+                                          <p:spTgt spid="3">
+                                            <p:txEl>
+                                              <p:pRg st="2" end="2"/>
+                                            </p:txEl>
+                                          </p:spTgt>
+                                        </p:tgtEl>
+                                      </p:cBhvr>
+                                    </p:animEffect>
+                                  </p:childTnLst>
+                                </p:cTn>
+                              </p:par>
+                              <p:par>
+                                <p:cTn id="16" presetID="10" presetClass="entr" presetSubtype="0" fill="hold" grpId="0" nodeType="withEffect">
+                                  <p:stCondLst>
+                                    <p:cond delay="0"/>
+                                  </p:stCondLst>
+                                  <p:childTnLst>
+                                    <p:set>
+                                      <p:cBhvr>
+                                        <p:cTn id="17" dur="1" fill="hold">
+                                          <p:stCondLst>
+                                            <p:cond delay="0"/>
+                                          </p:stCondLst>
+                                        </p:cTn>
+                                        <p:tgtEl>
+                                          <p:spTgt spid="3">
+                                            <p:txEl>
+                                              <p:pRg st="3" end="3"/>
+                                            </p:txEl>
+                                          </p:spTgt>
+                                        </p:tgtEl>
+                                        <p:attrNameLst>
+                                          <p:attrName>style.visibility</p:attrName>
+                                        </p:attrNameLst>
+                                      </p:cBhvr>
+                                      <p:to>
+                                        <p:strVal val="visible"/>
+                                      </p:to>
+                                    </p:set>
+                                    <p:animEffect transition="in" filter="fade">
+                                      <p:cBhvr>
+                                        <p:cTn id="18" dur="500"/>
+                                        <p:tgtEl>
+                                          <p:spTgt spid="3">
+                                            <p:txEl>
+                                              <p:pRg st="3" end="3"/>
+                                            </p:txEl>
+                                          </p:spTgt>
+                                        </p:tgtEl>
+                                      </p:cBhvr>
+                                    </p:animEffect>
+                                  </p:childTnLst>
+                                </p:cTn>
+                              </p:par>
+                              <p:par>
+                                <p:cTn id="19" presetID="10" presetClass="entr" presetSubtype="0" fill="hold" grpId="0" nodeType="withEffect">
+                                  <p:stCondLst>
+                                    <p:cond delay="0"/>
+                                  </p:stCondLst>
+                                  <p:childTnLst>
+                                    <p:set>
+                                      <p:cBhvr>
+                                        <p:cTn id="20" dur="1" fill="hold">
+                                          <p:stCondLst>
+                                            <p:cond delay="0"/>
+                                          </p:stCondLst>
+                                        </p:cTn>
+                                        <p:tgtEl>
+                                          <p:spTgt spid="3">
+                                            <p:txEl>
+                                              <p:pRg st="4" end="4"/>
+                                            </p:txEl>
+                                          </p:spTgt>
+                                        </p:tgtEl>
+                                        <p:attrNameLst>
+                                          <p:attrName>style.visibility</p:attrName>
+                                        </p:attrNameLst>
+                                      </p:cBhvr>
+                                      <p:to>
+                                        <p:strVal val="visible"/>
+                                      </p:to>
+                                    </p:set>
+                                    <p:animEffect transition="in" filter="fade">
+                                      <p:cBhvr>
+                                        <p:cTn id="21" dur="500"/>
+                                        <p:tgtEl>
+                                          <p:spTgt spid="3">
+                                            <p:txEl>
+                                              <p:pRg st="4" end="4"/>
+                                            </p:txEl>
+                                          </p:spTgt>
+                                        </p:tgtEl>
+                                      </p:cBhvr>
+                                    </p:animEffect>
+                                  </p:childTnLst>
+                                </p:cTn>
+                              </p:par>
+                              <p:par>
+                                <p:cTn id="22" presetID="10" presetClass="entr" presetSubtype="0" fill="hold" grpId="0" nodeType="withEffect">
+                                  <p:stCondLst>
+                                    <p:cond delay="0"/>
+                                  </p:stCondLst>
+                                  <p:childTnLst>
+                                    <p:set>
+                                      <p:cBhvr>
+                                        <p:cTn id="23" dur="1" fill="hold">
+                                          <p:stCondLst>
+                                            <p:cond delay="0"/>
+                                          </p:stCondLst>
+                                        </p:cTn>
+                                        <p:tgtEl>
+                                          <p:spTgt spid="3">
+                                            <p:txEl>
+                                              <p:pRg st="5" end="5"/>
+                                            </p:txEl>
+                                          </p:spTgt>
+                                        </p:tgtEl>
+                                        <p:attrNameLst>
+                                          <p:attrName>style.visibility</p:attrName>
+                                        </p:attrNameLst>
+                                      </p:cBhvr>
+                                      <p:to>
+                                        <p:strVal val="visible"/>
+                                      </p:to>
+                                    </p:set>
+                                    <p:animEffect transition="in" filter="fade">
+                                      <p:cBhvr>
+                                        <p:cTn id="24" dur="500"/>
+                                        <p:tgtEl>
+                                          <p:spTgt spid="3">
+                                            <p:txEl>
+                                              <p:pRg st="5" end="5"/>
+                                            </p:txEl>
+                                          </p:spTgt>
+                                        </p:tgtEl>
+                                      </p:cBhvr>
+                                    </p:animEffect>
+                                  </p:childTnLst>
+                                </p:cTn>
+                              </p:par>
+                              <p:par>
+                                <p:cTn id="25" presetID="10" presetClass="entr" presetSubtype="0" fill="hold" grpId="0" nodeType="withEffect">
+                                  <p:stCondLst>
+                                    <p:cond delay="0"/>
+                                  </p:stCondLst>
+                                  <p:childTnLst>
+                                    <p:set>
+                                      <p:cBhvr>
+                                        <p:cTn id="26" dur="1" fill="hold">
+                                          <p:stCondLst>
+                                            <p:cond delay="0"/>
+                                          </p:stCondLst>
+                                        </p:cTn>
+                                        <p:tgtEl>
+                                          <p:spTgt spid="3">
+                                            <p:txEl>
+                                              <p:pRg st="6" end="6"/>
+                                            </p:txEl>
+                                          </p:spTgt>
+                                        </p:tgtEl>
+                                        <p:attrNameLst>
+                                          <p:attrName>style.visibility</p:attrName>
+                                        </p:attrNameLst>
+                                      </p:cBhvr>
+                                      <p:to>
+                                        <p:strVal val="visible"/>
+                                      </p:to>
+                                    </p:set>
+                                    <p:animEffect transition="in" filter="fade">
+                                      <p:cBhvr>
+                                        <p:cTn id="27" dur="500"/>
+                                        <p:tgtEl>
+                                          <p:spTgt spid="3">
+                                            <p:txEl>
+                                              <p:pRg st="6" end="6"/>
+                                            </p:txEl>
+                                          </p:spTgt>
+                                        </p:tgtEl>
+                                      </p:cBhvr>
+                                    </p:animEffect>
+                                  </p:childTnLst>
+                                </p:cTn>
+                              </p:par>
+                            </p:childTnLst>
+                          </p:cTn>
+                        </p:par>
+                      </p:childTnLst>
+                    </p:cTn>
+                  </p:par>
+                  <p:par>
+                    <p:cTn id="28" fill="hold">
+                      <p:stCondLst>
+                        <p:cond delay="indefinite"/>
+                      </p:stCondLst>
+                      <p:childTnLst>
+                        <p:par>
+                          <p:cTn id="29" fill="hold">
+                            <p:stCondLst>
+                              <p:cond delay="0"/>
+                            </p:stCondLst>
+                            <p:childTnLst>
+                              <p:par>
+                                <p:cTn id="30" presetID="10" presetClass="entr" presetSubtype="0" fill="hold" grpId="0" nodeType="clickEffect">
+                                  <p:stCondLst>
+                                    <p:cond delay="0"/>
+                                  </p:stCondLst>
+                                  <p:childTnLst>
+                                    <p:set>
+                                      <p:cBhvr>
+                                        <p:cTn id="31" dur="1" fill="hold">
+                                          <p:stCondLst>
+                                            <p:cond delay="0"/>
+                                          </p:stCondLst>
+                                        </p:cTn>
+                                        <p:tgtEl>
+                                          <p:spTgt spid="3">
+                                            <p:txEl>
+                                              <p:pRg st="7" end="7"/>
+                                            </p:txEl>
+                                          </p:spTgt>
+                                        </p:tgtEl>
+                                        <p:attrNameLst>
+                                          <p:attrName>style.visibility</p:attrName>
+                                        </p:attrNameLst>
+                                      </p:cBhvr>
+                                      <p:to>
+                                        <p:strVal val="visible"/>
+                                      </p:to>
+                                    </p:set>
+                                    <p:animEffect transition="in" filter="fade">
+                                      <p:cBhvr>
+                                        <p:cTn id="32" dur="500"/>
+                                        <p:tgtEl>
+                                          <p:spTgt spid="3">
+                                            <p:txEl>
+                                              <p:pRg st="7" end="7"/>
+                                            </p:txEl>
+                                          </p:spTgt>
+                                        </p:tgtEl>
+                                      </p:cBhvr>
+                                    </p:animEffect>
+                                  </p:childTnLst>
+                                </p:cTn>
+                              </p:par>
+                              <p:par>
+                                <p:cTn id="33" presetID="10" presetClass="entr" presetSubtype="0" fill="hold" grpId="0" nodeType="withEffect">
+                                  <p:stCondLst>
+                                    <p:cond delay="0"/>
+                                  </p:stCondLst>
+                                  <p:childTnLst>
+                                    <p:set>
+                                      <p:cBhvr>
+                                        <p:cTn id="34" dur="1" fill="hold">
+                                          <p:stCondLst>
+                                            <p:cond delay="0"/>
+                                          </p:stCondLst>
+                                        </p:cTn>
+                                        <p:tgtEl>
+                                          <p:spTgt spid="3">
+                                            <p:txEl>
+                                              <p:pRg st="8" end="8"/>
+                                            </p:txEl>
+                                          </p:spTgt>
+                                        </p:tgtEl>
+                                        <p:attrNameLst>
+                                          <p:attrName>style.visibility</p:attrName>
+                                        </p:attrNameLst>
+                                      </p:cBhvr>
+                                      <p:to>
+                                        <p:strVal val="visible"/>
+                                      </p:to>
+                                    </p:set>
+                                    <p:animEffect transition="in" filter="fade">
+                                      <p:cBhvr>
+                                        <p:cTn id="35" dur="500"/>
+                                        <p:tgtEl>
+                                          <p:spTgt spid="3">
+                                            <p:txEl>
+                                              <p:pRg st="8" end="8"/>
+                                            </p:txEl>
+                                          </p:spTgt>
+                                        </p:tgtEl>
+                                      </p:cBhvr>
+                                    </p:animEffect>
+                                  </p:childTnLst>
+                                </p:cTn>
+                              </p:par>
+                            </p:childTnLst>
+                          </p:cTn>
+                        </p:par>
+                      </p:childTnLst>
+                    </p:cTn>
+                  </p:par>
+                </p:childTnLst>
+              </p:cTn>
+              <p:prevCondLst>
+                <p:cond evt="onPrev" delay="0">
+                  <p:tgtEl>
+                    <p:sldTgt/>
+                  </p:tgtEl>
+                </p:cond>
+              </p:prevCondLst>
+              <p:nextCondLst>
+                <p:cond evt="onNext" delay="0">
+                  <p:tgtEl>
+                    <p:sldTgt/>
+                  </p:tgtEl>
+                </p:cond>
+              </p:nextCondLst>
+            </p:seq>
+          </p:childTnLst>
+        </p:cTn>
       </p:par>
     </p:tnLst>
+    <p:bldLst>
+      <p:bldP spid="3" grpId="0" build="p"/>
+    </p:bldLst>
   </p:timing>
 </p:sld>
 </file>
 
-<file path=ppt/slides/slide16.xml><?xml version="1.0" encoding="utf-8"?>
+<file path=ppt/slides/slide17.xml><?xml version="1.0" encoding="utf-8"?>
 <p:sld xmlns:a="http://schemas.openxmlformats.org/drawingml/2006/main" xmlns:r="http://schemas.openxmlformats.org/officeDocument/2006/relationships" xmlns:p="http://schemas.openxmlformats.org/presentationml/2006/main">
   <p:cSld>
     <p:spTree>
@@ -5888,14 +6473,223 @@
   <p:timing>
     <p:tnLst>
       <p:par>
-        <p:cTn id="1" dur="indefinite" restart="never" nodeType="tmRoot"/>
+        <p:cTn id="1" dur="indefinite" restart="never" nodeType="tmRoot">
+          <p:childTnLst>
+            <p:seq concurrent="1" nextAc="seek">
+              <p:cTn id="2" dur="indefinite" nodeType="mainSeq">
+                <p:childTnLst>
+                  <p:par>
+                    <p:cTn id="3" fill="hold">
+                      <p:stCondLst>
+                        <p:cond delay="indefinite"/>
+                      </p:stCondLst>
+                      <p:childTnLst>
+                        <p:par>
+                          <p:cTn id="4" fill="hold">
+                            <p:stCondLst>
+                              <p:cond delay="0"/>
+                            </p:stCondLst>
+                            <p:childTnLst>
+                              <p:par>
+                                <p:cTn id="5" presetID="10" presetClass="entr" presetSubtype="0" fill="hold" grpId="0" nodeType="clickEffect">
+                                  <p:stCondLst>
+                                    <p:cond delay="0"/>
+                                  </p:stCondLst>
+                                  <p:childTnLst>
+                                    <p:set>
+                                      <p:cBhvr>
+                                        <p:cTn id="6" dur="1" fill="hold">
+                                          <p:stCondLst>
+                                            <p:cond delay="0"/>
+                                          </p:stCondLst>
+                                        </p:cTn>
+                                        <p:tgtEl>
+                                          <p:spTgt spid="3">
+                                            <p:txEl>
+                                              <p:pRg st="0" end="0"/>
+                                            </p:txEl>
+                                          </p:spTgt>
+                                        </p:tgtEl>
+                                        <p:attrNameLst>
+                                          <p:attrName>style.visibility</p:attrName>
+                                        </p:attrNameLst>
+                                      </p:cBhvr>
+                                      <p:to>
+                                        <p:strVal val="visible"/>
+                                      </p:to>
+                                    </p:set>
+                                    <p:animEffect transition="in" filter="fade">
+                                      <p:cBhvr>
+                                        <p:cTn id="7" dur="500"/>
+                                        <p:tgtEl>
+                                          <p:spTgt spid="3">
+                                            <p:txEl>
+                                              <p:pRg st="0" end="0"/>
+                                            </p:txEl>
+                                          </p:spTgt>
+                                        </p:tgtEl>
+                                      </p:cBhvr>
+                                    </p:animEffect>
+                                  </p:childTnLst>
+                                </p:cTn>
+                              </p:par>
+                            </p:childTnLst>
+                          </p:cTn>
+                        </p:par>
+                      </p:childTnLst>
+                    </p:cTn>
+                  </p:par>
+                  <p:par>
+                    <p:cTn id="8" fill="hold">
+                      <p:stCondLst>
+                        <p:cond delay="indefinite"/>
+                      </p:stCondLst>
+                      <p:childTnLst>
+                        <p:par>
+                          <p:cTn id="9" fill="hold">
+                            <p:stCondLst>
+                              <p:cond delay="0"/>
+                            </p:stCondLst>
+                            <p:childTnLst>
+                              <p:par>
+                                <p:cTn id="10" presetID="10" presetClass="entr" presetSubtype="0" fill="hold" grpId="0" nodeType="clickEffect">
+                                  <p:stCondLst>
+                                    <p:cond delay="0"/>
+                                  </p:stCondLst>
+                                  <p:childTnLst>
+                                    <p:set>
+                                      <p:cBhvr>
+                                        <p:cTn id="11" dur="1" fill="hold">
+                                          <p:stCondLst>
+                                            <p:cond delay="0"/>
+                                          </p:stCondLst>
+                                        </p:cTn>
+                                        <p:tgtEl>
+                                          <p:spTgt spid="3">
+                                            <p:txEl>
+                                              <p:pRg st="1" end="1"/>
+                                            </p:txEl>
+                                          </p:spTgt>
+                                        </p:tgtEl>
+                                        <p:attrNameLst>
+                                          <p:attrName>style.visibility</p:attrName>
+                                        </p:attrNameLst>
+                                      </p:cBhvr>
+                                      <p:to>
+                                        <p:strVal val="visible"/>
+                                      </p:to>
+                                    </p:set>
+                                    <p:animEffect transition="in" filter="fade">
+                                      <p:cBhvr>
+                                        <p:cTn id="12" dur="500"/>
+                                        <p:tgtEl>
+                                          <p:spTgt spid="3">
+                                            <p:txEl>
+                                              <p:pRg st="1" end="1"/>
+                                            </p:txEl>
+                                          </p:spTgt>
+                                        </p:tgtEl>
+                                      </p:cBhvr>
+                                    </p:animEffect>
+                                  </p:childTnLst>
+                                </p:cTn>
+                              </p:par>
+                            </p:childTnLst>
+                          </p:cTn>
+                        </p:par>
+                      </p:childTnLst>
+                    </p:cTn>
+                  </p:par>
+                  <p:par>
+                    <p:cTn id="13" fill="hold">
+                      <p:stCondLst>
+                        <p:cond delay="indefinite"/>
+                      </p:stCondLst>
+                      <p:childTnLst>
+                        <p:par>
+                          <p:cTn id="14" fill="hold">
+                            <p:stCondLst>
+                              <p:cond delay="0"/>
+                            </p:stCondLst>
+                            <p:childTnLst>
+                              <p:par>
+                                <p:cTn id="15" presetID="10" presetClass="entr" presetSubtype="0" fill="hold" grpId="0" nodeType="clickEffect">
+                                  <p:stCondLst>
+                                    <p:cond delay="0"/>
+                                  </p:stCondLst>
+                                  <p:childTnLst>
+                                    <p:set>
+                                      <p:cBhvr>
+                                        <p:cTn id="16" dur="1" fill="hold">
+                                          <p:stCondLst>
+                                            <p:cond delay="0"/>
+                                          </p:stCondLst>
+                                        </p:cTn>
+                                        <p:tgtEl>
+                                          <p:spTgt spid="3">
+                                            <p:txEl>
+                                              <p:pRg st="2" end="2"/>
+                                            </p:txEl>
+                                          </p:spTgt>
+                                        </p:tgtEl>
+                                        <p:attrNameLst>
+                                          <p:attrName>style.visibility</p:attrName>
+                                        </p:attrNameLst>
+                                      </p:cBhvr>
+                                      <p:to>
+                                        <p:strVal val="visible"/>
+                                      </p:to>
+                                    </p:set>
+                                    <p:animEffect transition="in" filter="fade">
+                                      <p:cBhvr>
+                                        <p:cTn id="17" dur="500"/>
+                                        <p:tgtEl>
+                                          <p:spTgt spid="3">
+                                            <p:txEl>
+                                              <p:pRg st="2" end="2"/>
+                                            </p:txEl>
+                                          </p:spTgt>
+                                        </p:tgtEl>
+                                      </p:cBhvr>
+                                    </p:animEffect>
+                                  </p:childTnLst>
+                                </p:cTn>
+                              </p:par>
+                            </p:childTnLst>
+                          </p:cTn>
+                        </p:par>
+                      </p:childTnLst>
+                    </p:cTn>
+                  </p:par>
+                </p:childTnLst>
+              </p:cTn>
+              <p:prevCondLst>
+                <p:cond evt="onPrev" delay="0">
+                  <p:tgtEl>
+                    <p:sldTgt/>
+                  </p:tgtEl>
+                </p:cond>
+              </p:prevCondLst>
+              <p:nextCondLst>
+                <p:cond evt="onNext" delay="0">
+                  <p:tgtEl>
+                    <p:sldTgt/>
+                  </p:tgtEl>
+                </p:cond>
+              </p:nextCondLst>
+            </p:seq>
+          </p:childTnLst>
+        </p:cTn>
       </p:par>
     </p:tnLst>
+    <p:bldLst>
+      <p:bldP spid="3" grpId="0" build="p"/>
+    </p:bldLst>
   </p:timing>
 </p:sld>
 </file>
 
-<file path=ppt/slides/slide17.xml><?xml version="1.0" encoding="utf-8"?>
+<file path=ppt/slides/slide18.xml><?xml version="1.0" encoding="utf-8"?>
 <p:sld xmlns:a="http://schemas.openxmlformats.org/drawingml/2006/main" xmlns:r="http://schemas.openxmlformats.org/officeDocument/2006/relationships" xmlns:p="http://schemas.openxmlformats.org/presentationml/2006/main">
   <p:cSld>
     <p:spTree>
@@ -5947,7 +6741,7 @@
         </p:nvSpPr>
         <p:spPr>
           <a:xfrm>
-            <a:off x="1638300" y="2057400"/>
+            <a:off x="1304193" y="2166457"/>
             <a:ext cx="9738946" cy="4137259"/>
           </a:xfrm>
         </p:spPr>
@@ -6269,14 +7063,223 @@
   <p:timing>
     <p:tnLst>
       <p:par>
-        <p:cTn id="1" dur="indefinite" restart="never" nodeType="tmRoot"/>
+        <p:cTn id="1" dur="indefinite" restart="never" nodeType="tmRoot">
+          <p:childTnLst>
+            <p:seq concurrent="1" nextAc="seek">
+              <p:cTn id="2" dur="indefinite" nodeType="mainSeq">
+                <p:childTnLst>
+                  <p:par>
+                    <p:cTn id="3" fill="hold">
+                      <p:stCondLst>
+                        <p:cond delay="indefinite"/>
+                      </p:stCondLst>
+                      <p:childTnLst>
+                        <p:par>
+                          <p:cTn id="4" fill="hold">
+                            <p:stCondLst>
+                              <p:cond delay="0"/>
+                            </p:stCondLst>
+                            <p:childTnLst>
+                              <p:par>
+                                <p:cTn id="5" presetID="10" presetClass="entr" presetSubtype="0" fill="hold" grpId="0" nodeType="clickEffect">
+                                  <p:stCondLst>
+                                    <p:cond delay="0"/>
+                                  </p:stCondLst>
+                                  <p:childTnLst>
+                                    <p:set>
+                                      <p:cBhvr>
+                                        <p:cTn id="6" dur="1" fill="hold">
+                                          <p:stCondLst>
+                                            <p:cond delay="0"/>
+                                          </p:stCondLst>
+                                        </p:cTn>
+                                        <p:tgtEl>
+                                          <p:spTgt spid="3">
+                                            <p:txEl>
+                                              <p:pRg st="0" end="0"/>
+                                            </p:txEl>
+                                          </p:spTgt>
+                                        </p:tgtEl>
+                                        <p:attrNameLst>
+                                          <p:attrName>style.visibility</p:attrName>
+                                        </p:attrNameLst>
+                                      </p:cBhvr>
+                                      <p:to>
+                                        <p:strVal val="visible"/>
+                                      </p:to>
+                                    </p:set>
+                                    <p:animEffect transition="in" filter="fade">
+                                      <p:cBhvr>
+                                        <p:cTn id="7" dur="500"/>
+                                        <p:tgtEl>
+                                          <p:spTgt spid="3">
+                                            <p:txEl>
+                                              <p:pRg st="0" end="0"/>
+                                            </p:txEl>
+                                          </p:spTgt>
+                                        </p:tgtEl>
+                                      </p:cBhvr>
+                                    </p:animEffect>
+                                  </p:childTnLst>
+                                </p:cTn>
+                              </p:par>
+                            </p:childTnLst>
+                          </p:cTn>
+                        </p:par>
+                      </p:childTnLst>
+                    </p:cTn>
+                  </p:par>
+                  <p:par>
+                    <p:cTn id="8" fill="hold">
+                      <p:stCondLst>
+                        <p:cond delay="indefinite"/>
+                      </p:stCondLst>
+                      <p:childTnLst>
+                        <p:par>
+                          <p:cTn id="9" fill="hold">
+                            <p:stCondLst>
+                              <p:cond delay="0"/>
+                            </p:stCondLst>
+                            <p:childTnLst>
+                              <p:par>
+                                <p:cTn id="10" presetID="10" presetClass="entr" presetSubtype="0" fill="hold" grpId="0" nodeType="clickEffect">
+                                  <p:stCondLst>
+                                    <p:cond delay="0"/>
+                                  </p:stCondLst>
+                                  <p:childTnLst>
+                                    <p:set>
+                                      <p:cBhvr>
+                                        <p:cTn id="11" dur="1" fill="hold">
+                                          <p:stCondLst>
+                                            <p:cond delay="0"/>
+                                          </p:stCondLst>
+                                        </p:cTn>
+                                        <p:tgtEl>
+                                          <p:spTgt spid="3">
+                                            <p:txEl>
+                                              <p:pRg st="1" end="1"/>
+                                            </p:txEl>
+                                          </p:spTgt>
+                                        </p:tgtEl>
+                                        <p:attrNameLst>
+                                          <p:attrName>style.visibility</p:attrName>
+                                        </p:attrNameLst>
+                                      </p:cBhvr>
+                                      <p:to>
+                                        <p:strVal val="visible"/>
+                                      </p:to>
+                                    </p:set>
+                                    <p:animEffect transition="in" filter="fade">
+                                      <p:cBhvr>
+                                        <p:cTn id="12" dur="500"/>
+                                        <p:tgtEl>
+                                          <p:spTgt spid="3">
+                                            <p:txEl>
+                                              <p:pRg st="1" end="1"/>
+                                            </p:txEl>
+                                          </p:spTgt>
+                                        </p:tgtEl>
+                                      </p:cBhvr>
+                                    </p:animEffect>
+                                  </p:childTnLst>
+                                </p:cTn>
+                              </p:par>
+                            </p:childTnLst>
+                          </p:cTn>
+                        </p:par>
+                      </p:childTnLst>
+                    </p:cTn>
+                  </p:par>
+                  <p:par>
+                    <p:cTn id="13" fill="hold">
+                      <p:stCondLst>
+                        <p:cond delay="indefinite"/>
+                      </p:stCondLst>
+                      <p:childTnLst>
+                        <p:par>
+                          <p:cTn id="14" fill="hold">
+                            <p:stCondLst>
+                              <p:cond delay="0"/>
+                            </p:stCondLst>
+                            <p:childTnLst>
+                              <p:par>
+                                <p:cTn id="15" presetID="10" presetClass="entr" presetSubtype="0" fill="hold" grpId="0" nodeType="clickEffect">
+                                  <p:stCondLst>
+                                    <p:cond delay="0"/>
+                                  </p:stCondLst>
+                                  <p:childTnLst>
+                                    <p:set>
+                                      <p:cBhvr>
+                                        <p:cTn id="16" dur="1" fill="hold">
+                                          <p:stCondLst>
+                                            <p:cond delay="0"/>
+                                          </p:stCondLst>
+                                        </p:cTn>
+                                        <p:tgtEl>
+                                          <p:spTgt spid="3">
+                                            <p:txEl>
+                                              <p:pRg st="2" end="2"/>
+                                            </p:txEl>
+                                          </p:spTgt>
+                                        </p:tgtEl>
+                                        <p:attrNameLst>
+                                          <p:attrName>style.visibility</p:attrName>
+                                        </p:attrNameLst>
+                                      </p:cBhvr>
+                                      <p:to>
+                                        <p:strVal val="visible"/>
+                                      </p:to>
+                                    </p:set>
+                                    <p:animEffect transition="in" filter="fade">
+                                      <p:cBhvr>
+                                        <p:cTn id="17" dur="500"/>
+                                        <p:tgtEl>
+                                          <p:spTgt spid="3">
+                                            <p:txEl>
+                                              <p:pRg st="2" end="2"/>
+                                            </p:txEl>
+                                          </p:spTgt>
+                                        </p:tgtEl>
+                                      </p:cBhvr>
+                                    </p:animEffect>
+                                  </p:childTnLst>
+                                </p:cTn>
+                              </p:par>
+                            </p:childTnLst>
+                          </p:cTn>
+                        </p:par>
+                      </p:childTnLst>
+                    </p:cTn>
+                  </p:par>
+                </p:childTnLst>
+              </p:cTn>
+              <p:prevCondLst>
+                <p:cond evt="onPrev" delay="0">
+                  <p:tgtEl>
+                    <p:sldTgt/>
+                  </p:tgtEl>
+                </p:cond>
+              </p:prevCondLst>
+              <p:nextCondLst>
+                <p:cond evt="onNext" delay="0">
+                  <p:tgtEl>
+                    <p:sldTgt/>
+                  </p:tgtEl>
+                </p:cond>
+              </p:nextCondLst>
+            </p:seq>
+          </p:childTnLst>
+        </p:cTn>
       </p:par>
     </p:tnLst>
+    <p:bldLst>
+      <p:bldP spid="3" grpId="0" build="p"/>
+    </p:bldLst>
   </p:timing>
 </p:sld>
 </file>
 
-<file path=ppt/slides/slide18.xml><?xml version="1.0" encoding="utf-8"?>
+<file path=ppt/slides/slide19.xml><?xml version="1.0" encoding="utf-8"?>
 <p:sld xmlns:a="http://schemas.openxmlformats.org/drawingml/2006/main" xmlns:r="http://schemas.openxmlformats.org/officeDocument/2006/relationships" xmlns:p="http://schemas.openxmlformats.org/presentationml/2006/main">
   <p:cSld>
     <p:spTree>
@@ -6310,11 +7313,7 @@
           <a:p>
             <a:r>
               <a:rPr lang="de-AT" dirty="0" smtClean="0"/>
-              <a:t>CSS Position: </a:t>
-            </a:r>
-            <a:r>
-              <a:rPr lang="de-AT" dirty="0" err="1" smtClean="0"/>
-              <a:t>fixed</a:t>
+              <a:t>CSS Position: absolute</a:t>
             </a:r>
             <a:endParaRPr lang="en-US" dirty="0"/>
           </a:p>
@@ -6332,8 +7331,8 @@
         </p:nvSpPr>
         <p:spPr>
           <a:xfrm>
-            <a:off x="1638300" y="2057400"/>
-            <a:ext cx="9738946" cy="4137259"/>
+            <a:off x="1339361" y="2280041"/>
+            <a:ext cx="6591300" cy="4137259"/>
           </a:xfrm>
         </p:spPr>
         <p:txBody>
@@ -6352,47 +7351,30 @@
             </a:r>
             <a:r>
               <a:rPr lang="de-DE" dirty="0"/>
-              <a:t>: </a:t>
+              <a:t>: absolute;" wird relativ zum nächstgelegenen positionierten Elternelement positioniert (statt relativ zum </a:t>
+            </a:r>
+            <a:r>
+              <a:rPr lang="de-DE" dirty="0" err="1"/>
+              <a:t>Viewport</a:t>
+            </a:r>
+            <a:r>
+              <a:rPr lang="de-DE" dirty="0"/>
+              <a:t> wie bei "</a:t>
             </a:r>
             <a:r>
               <a:rPr lang="de-DE" dirty="0" err="1"/>
               <a:t>fixed</a:t>
             </a:r>
             <a:r>
+              <a:rPr lang="de-DE" dirty="0" smtClean="0"/>
+              <a:t>").</a:t>
+            </a:r>
+            <a:endParaRPr lang="de-DE" dirty="0"/>
+          </a:p>
+          <a:p>
+            <a:r>
               <a:rPr lang="de-DE" dirty="0"/>
-              <a:t>;" wird relativ zum </a:t>
-            </a:r>
-            <a:r>
-              <a:rPr lang="de-DE" dirty="0" err="1"/>
-              <a:t>Viewport</a:t>
-            </a:r>
-            <a:r>
-              <a:rPr lang="de-DE" dirty="0"/>
-              <a:t> positioniert, was bedeutet, dass es immer an derselben Stelle bleibt, auch wenn die Seite gescrollt wird. Die Eigenschaften "top", "</a:t>
-            </a:r>
-            <a:r>
-              <a:rPr lang="de-DE" dirty="0" err="1"/>
-              <a:t>right</a:t>
-            </a:r>
-            <a:r>
-              <a:rPr lang="de-DE" dirty="0"/>
-              <a:t>", "</a:t>
-            </a:r>
-            <a:r>
-              <a:rPr lang="de-DE" dirty="0" err="1"/>
-              <a:t>bottom</a:t>
-            </a:r>
-            <a:r>
-              <a:rPr lang="de-DE" dirty="0"/>
-              <a:t>" und "</a:t>
-            </a:r>
-            <a:r>
-              <a:rPr lang="de-DE" dirty="0" err="1"/>
-              <a:t>left</a:t>
-            </a:r>
-            <a:r>
-              <a:rPr lang="de-DE" dirty="0"/>
-              <a:t>" werden verwendet, um das Element zu positionieren</a:t>
+              <a:t>Wenn ein absolut positioniertes Element jedoch keine positionierten Vorelemente hat, wird das Dokumentbody verwendet, und es bewegt sich beim Scrollen der Seite mit</a:t>
             </a:r>
             <a:r>
               <a:rPr lang="de-DE" dirty="0" smtClean="0"/>
@@ -6403,8 +7385,13 @@
           <a:p>
             <a:r>
               <a:rPr lang="de-DE" dirty="0"/>
-              <a:t>Ein fixiertes Element hinterlässt keine Lücke auf der Seite, an der es normalerweise positioniert gewesen wäre.</a:t>
-            </a:r>
+              <a:t>Hinweis: Absolut positionierte Elemente werden aus dem normalen Fluss genommen und können sich überlappen</a:t>
+            </a:r>
+            <a:r>
+              <a:rPr lang="de-DE" dirty="0" smtClean="0"/>
+              <a:t>.</a:t>
+            </a:r>
+            <a:endParaRPr lang="de-DE" dirty="0"/>
           </a:p>
           <a:p>
             <a:endParaRPr lang="en-US" dirty="0"/>
@@ -6623,7 +7610,7 @@
       </p:sp>
       <p:pic>
         <p:nvPicPr>
-          <p:cNvPr id="5" name="Grafik 4"/>
+          <p:cNvPr id="6" name="Grafik 5"/>
           <p:cNvPicPr>
             <a:picLocks noChangeAspect="1"/>
           </p:cNvPicPr>
@@ -6637,8 +7624,8 @@
         </p:blipFill>
         <p:spPr>
           <a:xfrm>
-            <a:off x="4703885" y="4099211"/>
-            <a:ext cx="4534928" cy="2574150"/>
+            <a:off x="7930661" y="2359172"/>
+            <a:ext cx="3676448" cy="2678819"/>
           </a:xfrm>
           <a:prstGeom prst="rect">
             <a:avLst/>
@@ -6648,7 +7635,493 @@
     </p:spTree>
     <p:extLst>
       <p:ext uri="{BB962C8B-B14F-4D97-AF65-F5344CB8AC3E}">
-        <p14:creationId xmlns:p14="http://schemas.microsoft.com/office/powerpoint/2010/main" val="4172924827"/>
+        <p14:creationId xmlns:p14="http://schemas.microsoft.com/office/powerpoint/2010/main" val="1590670453"/>
+      </p:ext>
+    </p:extLst>
+  </p:cSld>
+  <p:clrMapOvr>
+    <a:masterClrMapping/>
+  </p:clrMapOvr>
+  <p:timing>
+    <p:tnLst>
+      <p:par>
+        <p:cTn id="1" dur="indefinite" restart="never" nodeType="tmRoot">
+          <p:childTnLst>
+            <p:seq concurrent="1" nextAc="seek">
+              <p:cTn id="2" dur="indefinite" nodeType="mainSeq">
+                <p:childTnLst>
+                  <p:par>
+                    <p:cTn id="3" fill="hold">
+                      <p:stCondLst>
+                        <p:cond delay="indefinite"/>
+                      </p:stCondLst>
+                      <p:childTnLst>
+                        <p:par>
+                          <p:cTn id="4" fill="hold">
+                            <p:stCondLst>
+                              <p:cond delay="0"/>
+                            </p:stCondLst>
+                            <p:childTnLst>
+                              <p:par>
+                                <p:cTn id="5" presetID="10" presetClass="entr" presetSubtype="0" fill="hold" grpId="0" nodeType="clickEffect">
+                                  <p:stCondLst>
+                                    <p:cond delay="0"/>
+                                  </p:stCondLst>
+                                  <p:childTnLst>
+                                    <p:set>
+                                      <p:cBhvr>
+                                        <p:cTn id="6" dur="1" fill="hold">
+                                          <p:stCondLst>
+                                            <p:cond delay="0"/>
+                                          </p:stCondLst>
+                                        </p:cTn>
+                                        <p:tgtEl>
+                                          <p:spTgt spid="3">
+                                            <p:txEl>
+                                              <p:pRg st="0" end="0"/>
+                                            </p:txEl>
+                                          </p:spTgt>
+                                        </p:tgtEl>
+                                        <p:attrNameLst>
+                                          <p:attrName>style.visibility</p:attrName>
+                                        </p:attrNameLst>
+                                      </p:cBhvr>
+                                      <p:to>
+                                        <p:strVal val="visible"/>
+                                      </p:to>
+                                    </p:set>
+                                    <p:animEffect transition="in" filter="fade">
+                                      <p:cBhvr>
+                                        <p:cTn id="7" dur="500"/>
+                                        <p:tgtEl>
+                                          <p:spTgt spid="3">
+                                            <p:txEl>
+                                              <p:pRg st="0" end="0"/>
+                                            </p:txEl>
+                                          </p:spTgt>
+                                        </p:tgtEl>
+                                      </p:cBhvr>
+                                    </p:animEffect>
+                                  </p:childTnLst>
+                                </p:cTn>
+                              </p:par>
+                            </p:childTnLst>
+                          </p:cTn>
+                        </p:par>
+                      </p:childTnLst>
+                    </p:cTn>
+                  </p:par>
+                  <p:par>
+                    <p:cTn id="8" fill="hold">
+                      <p:stCondLst>
+                        <p:cond delay="indefinite"/>
+                      </p:stCondLst>
+                      <p:childTnLst>
+                        <p:par>
+                          <p:cTn id="9" fill="hold">
+                            <p:stCondLst>
+                              <p:cond delay="0"/>
+                            </p:stCondLst>
+                            <p:childTnLst>
+                              <p:par>
+                                <p:cTn id="10" presetID="10" presetClass="entr" presetSubtype="0" fill="hold" grpId="0" nodeType="clickEffect">
+                                  <p:stCondLst>
+                                    <p:cond delay="0"/>
+                                  </p:stCondLst>
+                                  <p:childTnLst>
+                                    <p:set>
+                                      <p:cBhvr>
+                                        <p:cTn id="11" dur="1" fill="hold">
+                                          <p:stCondLst>
+                                            <p:cond delay="0"/>
+                                          </p:stCondLst>
+                                        </p:cTn>
+                                        <p:tgtEl>
+                                          <p:spTgt spid="3">
+                                            <p:txEl>
+                                              <p:pRg st="1" end="1"/>
+                                            </p:txEl>
+                                          </p:spTgt>
+                                        </p:tgtEl>
+                                        <p:attrNameLst>
+                                          <p:attrName>style.visibility</p:attrName>
+                                        </p:attrNameLst>
+                                      </p:cBhvr>
+                                      <p:to>
+                                        <p:strVal val="visible"/>
+                                      </p:to>
+                                    </p:set>
+                                    <p:animEffect transition="in" filter="fade">
+                                      <p:cBhvr>
+                                        <p:cTn id="12" dur="500"/>
+                                        <p:tgtEl>
+                                          <p:spTgt spid="3">
+                                            <p:txEl>
+                                              <p:pRg st="1" end="1"/>
+                                            </p:txEl>
+                                          </p:spTgt>
+                                        </p:tgtEl>
+                                      </p:cBhvr>
+                                    </p:animEffect>
+                                  </p:childTnLst>
+                                </p:cTn>
+                              </p:par>
+                            </p:childTnLst>
+                          </p:cTn>
+                        </p:par>
+                      </p:childTnLst>
+                    </p:cTn>
+                  </p:par>
+                  <p:par>
+                    <p:cTn id="13" fill="hold">
+                      <p:stCondLst>
+                        <p:cond delay="indefinite"/>
+                      </p:stCondLst>
+                      <p:childTnLst>
+                        <p:par>
+                          <p:cTn id="14" fill="hold">
+                            <p:stCondLst>
+                              <p:cond delay="0"/>
+                            </p:stCondLst>
+                            <p:childTnLst>
+                              <p:par>
+                                <p:cTn id="15" presetID="10" presetClass="entr" presetSubtype="0" fill="hold" grpId="0" nodeType="clickEffect">
+                                  <p:stCondLst>
+                                    <p:cond delay="0"/>
+                                  </p:stCondLst>
+                                  <p:childTnLst>
+                                    <p:set>
+                                      <p:cBhvr>
+                                        <p:cTn id="16" dur="1" fill="hold">
+                                          <p:stCondLst>
+                                            <p:cond delay="0"/>
+                                          </p:stCondLst>
+                                        </p:cTn>
+                                        <p:tgtEl>
+                                          <p:spTgt spid="3">
+                                            <p:txEl>
+                                              <p:pRg st="2" end="2"/>
+                                            </p:txEl>
+                                          </p:spTgt>
+                                        </p:tgtEl>
+                                        <p:attrNameLst>
+                                          <p:attrName>style.visibility</p:attrName>
+                                        </p:attrNameLst>
+                                      </p:cBhvr>
+                                      <p:to>
+                                        <p:strVal val="visible"/>
+                                      </p:to>
+                                    </p:set>
+                                    <p:animEffect transition="in" filter="fade">
+                                      <p:cBhvr>
+                                        <p:cTn id="17" dur="500"/>
+                                        <p:tgtEl>
+                                          <p:spTgt spid="3">
+                                            <p:txEl>
+                                              <p:pRg st="2" end="2"/>
+                                            </p:txEl>
+                                          </p:spTgt>
+                                        </p:tgtEl>
+                                      </p:cBhvr>
+                                    </p:animEffect>
+                                  </p:childTnLst>
+                                </p:cTn>
+                              </p:par>
+                            </p:childTnLst>
+                          </p:cTn>
+                        </p:par>
+                      </p:childTnLst>
+                    </p:cTn>
+                  </p:par>
+                </p:childTnLst>
+              </p:cTn>
+              <p:prevCondLst>
+                <p:cond evt="onPrev" delay="0">
+                  <p:tgtEl>
+                    <p:sldTgt/>
+                  </p:tgtEl>
+                </p:cond>
+              </p:prevCondLst>
+              <p:nextCondLst>
+                <p:cond evt="onNext" delay="0">
+                  <p:tgtEl>
+                    <p:sldTgt/>
+                  </p:tgtEl>
+                </p:cond>
+              </p:nextCondLst>
+            </p:seq>
+          </p:childTnLst>
+        </p:cTn>
+      </p:par>
+    </p:tnLst>
+    <p:bldLst>
+      <p:bldP spid="3" grpId="0" build="p"/>
+    </p:bldLst>
+  </p:timing>
+</p:sld>
+</file>
+
+<file path=ppt/slides/slide2.xml><?xml version="1.0" encoding="utf-8"?>
+<p:sld xmlns:a="http://schemas.openxmlformats.org/drawingml/2006/main" xmlns:r="http://schemas.openxmlformats.org/officeDocument/2006/relationships" xmlns:p="http://schemas.openxmlformats.org/presentationml/2006/main">
+  <p:cSld>
+    <p:spTree>
+      <p:nvGrpSpPr>
+        <p:cNvPr id="1" name=""/>
+        <p:cNvGrpSpPr/>
+        <p:nvPr/>
+      </p:nvGrpSpPr>
+      <p:grpSpPr>
+        <a:xfrm>
+          <a:off x="0" y="0"/>
+          <a:ext cx="0" cy="0"/>
+          <a:chOff x="0" y="0"/>
+          <a:chExt cx="0" cy="0"/>
+        </a:xfrm>
+      </p:grpSpPr>
+      <p:sp>
+        <p:nvSpPr>
+          <p:cNvPr id="2" name="Titel 1">
+            <a:extLst>
+              <a:ext uri="{FF2B5EF4-FFF2-40B4-BE49-F238E27FC236}">
+                <a16:creationId xmlns:a16="http://schemas.microsoft.com/office/drawing/2014/main" id="{F456F2BD-014F-4CE8-F0A5-D27F59C9E63B}"/>
+              </a:ext>
+            </a:extLst>
+          </p:cNvPr>
+          <p:cNvSpPr>
+            <a:spLocks noGrp="1"/>
+          </p:cNvSpPr>
+          <p:nvPr>
+            <p:ph type="title"/>
+          </p:nvPr>
+        </p:nvSpPr>
+        <p:spPr/>
+        <p:txBody>
+          <a:bodyPr/>
+          <a:lstStyle/>
+          <a:p>
+            <a:r>
+              <a:rPr lang="de-AT" dirty="0"/>
+              <a:t>Übersicht</a:t>
+            </a:r>
+          </a:p>
+        </p:txBody>
+      </p:sp>
+      <p:sp>
+        <p:nvSpPr>
+          <p:cNvPr id="3" name="Inhaltsplatzhalter 2">
+            <a:extLst>
+              <a:ext uri="{FF2B5EF4-FFF2-40B4-BE49-F238E27FC236}">
+                <a16:creationId xmlns:a16="http://schemas.microsoft.com/office/drawing/2014/main" id="{58EE4AEB-AC98-AED7-8380-7DB99A4C304C}"/>
+              </a:ext>
+            </a:extLst>
+          </p:cNvPr>
+          <p:cNvSpPr>
+            <a:spLocks noGrp="1"/>
+          </p:cNvSpPr>
+          <p:nvPr>
+            <p:ph idx="1"/>
+          </p:nvPr>
+        </p:nvSpPr>
+        <p:spPr>
+          <a:xfrm>
+            <a:off x="1513405" y="1688284"/>
+            <a:ext cx="4913503" cy="5006131"/>
+          </a:xfrm>
+        </p:spPr>
+        <p:txBody>
+          <a:bodyPr>
+            <a:normAutofit/>
+          </a:bodyPr>
+          <a:lstStyle/>
+          <a:p>
+            <a:r>
+              <a:rPr lang="de-AT" dirty="0" smtClean="0"/>
+              <a:t>Kombination von </a:t>
+            </a:r>
+            <a:r>
+              <a:rPr lang="de-AT" dirty="0" err="1" smtClean="0"/>
+              <a:t>Selektoren</a:t>
+            </a:r>
+            <a:endParaRPr lang="de-AT" dirty="0"/>
+          </a:p>
+          <a:p>
+            <a:r>
+              <a:rPr lang="de-AT" dirty="0" smtClean="0"/>
+              <a:t>CSS Kaskade</a:t>
+            </a:r>
+            <a:endParaRPr lang="de-AT" dirty="0"/>
+          </a:p>
+          <a:p>
+            <a:r>
+              <a:rPr lang="de-AT" dirty="0" smtClean="0"/>
+              <a:t>Position</a:t>
+            </a:r>
+            <a:endParaRPr lang="de-AT" dirty="0"/>
+          </a:p>
+          <a:p>
+            <a:pPr lvl="2"/>
+            <a:r>
+              <a:rPr lang="de-AT" dirty="0" smtClean="0"/>
+              <a:t>Absolute</a:t>
+            </a:r>
+          </a:p>
+          <a:p>
+            <a:pPr lvl="2"/>
+            <a:r>
+              <a:rPr lang="de-AT" dirty="0" smtClean="0"/>
+              <a:t>Relative</a:t>
+            </a:r>
+          </a:p>
+          <a:p>
+            <a:pPr lvl="2"/>
+            <a:r>
+              <a:rPr lang="de-AT" dirty="0" smtClean="0"/>
+              <a:t>Fixed</a:t>
+            </a:r>
+          </a:p>
+          <a:p>
+            <a:pPr lvl="2"/>
+            <a:r>
+              <a:rPr lang="de-AT" dirty="0" err="1" smtClean="0"/>
+              <a:t>Inherit</a:t>
+            </a:r>
+            <a:r>
+              <a:rPr lang="de-AT" dirty="0" smtClean="0"/>
+              <a:t> </a:t>
+            </a:r>
+          </a:p>
+          <a:p>
+            <a:pPr lvl="2"/>
+            <a:r>
+              <a:rPr lang="de-AT" dirty="0" err="1" smtClean="0"/>
+              <a:t>Static</a:t>
+            </a:r>
+            <a:endParaRPr lang="de-AT" dirty="0" smtClean="0"/>
+          </a:p>
+          <a:p>
+            <a:r>
+              <a:rPr lang="de-AT" dirty="0" smtClean="0"/>
+              <a:t>Layout</a:t>
+            </a:r>
+          </a:p>
+          <a:p>
+            <a:pPr lvl="2"/>
+            <a:r>
+              <a:rPr lang="de-AT" dirty="0" smtClean="0"/>
+              <a:t>Display</a:t>
+            </a:r>
+          </a:p>
+          <a:p>
+            <a:pPr lvl="2"/>
+            <a:r>
+              <a:rPr lang="de-AT" dirty="0" err="1" smtClean="0"/>
+              <a:t>Float</a:t>
+            </a:r>
+            <a:r>
+              <a:rPr lang="de-AT" dirty="0" smtClean="0"/>
+              <a:t> &amp; Clear</a:t>
+            </a:r>
+          </a:p>
+          <a:p>
+            <a:pPr lvl="2"/>
+            <a:r>
+              <a:rPr lang="de-AT" dirty="0" smtClean="0"/>
+              <a:t>Media </a:t>
+            </a:r>
+            <a:r>
+              <a:rPr lang="de-AT" dirty="0" err="1" smtClean="0"/>
+              <a:t>Queries</a:t>
+            </a:r>
+            <a:endParaRPr lang="de-AT" dirty="0" smtClean="0"/>
+          </a:p>
+          <a:p>
+            <a:pPr lvl="2"/>
+            <a:r>
+              <a:rPr lang="de-AT" dirty="0" err="1" smtClean="0"/>
+              <a:t>Flexbox</a:t>
+            </a:r>
+            <a:endParaRPr lang="de-AT" dirty="0" smtClean="0"/>
+          </a:p>
+          <a:p>
+            <a:pPr lvl="2"/>
+            <a:r>
+              <a:rPr lang="de-AT" dirty="0" err="1" smtClean="0"/>
+              <a:t>Grid</a:t>
+            </a:r>
+            <a:endParaRPr lang="de-AT" dirty="0"/>
+          </a:p>
+          <a:p>
+            <a:endParaRPr lang="de-AT" dirty="0"/>
+          </a:p>
+          <a:p>
+            <a:endParaRPr lang="de-AT" dirty="0"/>
+          </a:p>
+          <a:p>
+            <a:pPr marL="0" indent="0">
+              <a:buNone/>
+            </a:pPr>
+            <a:endParaRPr lang="de-AT" dirty="0"/>
+          </a:p>
+          <a:p>
+            <a:pPr lvl="2"/>
+            <a:endParaRPr lang="de-AT" dirty="0"/>
+          </a:p>
+          <a:p>
+            <a:endParaRPr lang="de-AT" dirty="0"/>
+          </a:p>
+        </p:txBody>
+      </p:sp>
+      <p:pic>
+        <p:nvPicPr>
+          <p:cNvPr id="2050" name="Picture 2" descr="Cascading Style Sheets – Wikipedia">
+            <a:extLst>
+              <a:ext uri="{FF2B5EF4-FFF2-40B4-BE49-F238E27FC236}">
+                <a16:creationId xmlns:a16="http://schemas.microsoft.com/office/drawing/2014/main" id="{FC755AA9-7E63-D273-FEA8-38DBDB4FBA66}"/>
+              </a:ext>
+            </a:extLst>
+          </p:cNvPr>
+          <p:cNvPicPr>
+            <a:picLocks noChangeAspect="1" noChangeArrowheads="1"/>
+          </p:cNvPicPr>
+          <p:nvPr/>
+        </p:nvPicPr>
+        <p:blipFill>
+          <a:blip r:embed="rId2" cstate="hqprint">
+            <a:extLst>
+              <a:ext uri="{28A0092B-C50C-407E-A947-70E740481C1C}">
+                <a14:useLocalDpi xmlns:a14="http://schemas.microsoft.com/office/drawing/2010/main" val="0"/>
+              </a:ext>
+            </a:extLst>
+          </a:blip>
+          <a:srcRect/>
+          <a:stretch>
+            <a:fillRect/>
+          </a:stretch>
+        </p:blipFill>
+        <p:spPr bwMode="auto">
+          <a:xfrm>
+            <a:off x="9773701" y="2681655"/>
+            <a:ext cx="1747872" cy="2465972"/>
+          </a:xfrm>
+          <a:prstGeom prst="rect">
+            <a:avLst/>
+          </a:prstGeom>
+          <a:noFill/>
+          <a:extLst>
+            <a:ext uri="{909E8E84-426E-40DD-AFC4-6F175D3DCCD1}">
+              <a14:hiddenFill xmlns:a14="http://schemas.microsoft.com/office/drawing/2010/main">
+                <a:solidFill>
+                  <a:srgbClr val="FFFFFF"/>
+                </a:solidFill>
+              </a14:hiddenFill>
+            </a:ext>
+          </a:extLst>
+        </p:spPr>
+      </p:pic>
+    </p:spTree>
+    <p:extLst>
+      <p:ext uri="{BB962C8B-B14F-4D97-AF65-F5344CB8AC3E}">
+        <p14:creationId xmlns:p14="http://schemas.microsoft.com/office/powerpoint/2010/main" val="2711513053"/>
       </p:ext>
     </p:extLst>
   </p:cSld>
@@ -6665,7 +8138,7 @@
 </p:sld>
 </file>
 
-<file path=ppt/slides/slide19.xml><?xml version="1.0" encoding="utf-8"?>
+<file path=ppt/slides/slide20.xml><?xml version="1.0" encoding="utf-8"?>
 <p:sld xmlns:a="http://schemas.openxmlformats.org/drawingml/2006/main" xmlns:r="http://schemas.openxmlformats.org/officeDocument/2006/relationships" xmlns:p="http://schemas.openxmlformats.org/presentationml/2006/main">
   <p:cSld>
     <p:spTree>
@@ -6699,7 +8172,11 @@
           <a:p>
             <a:r>
               <a:rPr lang="de-AT" dirty="0" smtClean="0"/>
-              <a:t>CSS Position: absolute</a:t>
+              <a:t>CSS Position: </a:t>
+            </a:r>
+            <a:r>
+              <a:rPr lang="de-AT" dirty="0" err="1" smtClean="0"/>
+              <a:t>fixed</a:t>
             </a:r>
             <a:endParaRPr lang="en-US" dirty="0"/>
           </a:p>
@@ -6717,8 +8194,8 @@
         </p:nvSpPr>
         <p:spPr>
           <a:xfrm>
-            <a:off x="1339361" y="2280041"/>
-            <a:ext cx="6591300" cy="4137259"/>
+            <a:off x="1348154" y="2057400"/>
+            <a:ext cx="9738946" cy="4137259"/>
           </a:xfrm>
         </p:spPr>
         <p:txBody>
@@ -6737,7 +8214,15 @@
             </a:r>
             <a:r>
               <a:rPr lang="de-DE" dirty="0"/>
-              <a:t>: absolute;" wird relativ zum nächstgelegenen positionierten Elternelement positioniert (statt relativ zum </a:t>
+              <a:t>: </a:t>
+            </a:r>
+            <a:r>
+              <a:rPr lang="de-DE" dirty="0" err="1"/>
+              <a:t>fixed</a:t>
+            </a:r>
+            <a:r>
+              <a:rPr lang="de-DE" dirty="0"/>
+              <a:t>;" wird relativ zum </a:t>
             </a:r>
             <a:r>
               <a:rPr lang="de-DE" dirty="0" err="1"/>
@@ -6745,22 +8230,31 @@
             </a:r>
             <a:r>
               <a:rPr lang="de-DE" dirty="0"/>
-              <a:t> wie bei "</a:t>
+              <a:t> positioniert, was bedeutet, dass es immer an derselben Stelle bleibt, auch wenn die Seite gescrollt wird. Die Eigenschaften "top", "</a:t>
             </a:r>
             <a:r>
               <a:rPr lang="de-DE" dirty="0" err="1"/>
-              <a:t>fixed</a:t>
-            </a:r>
-            <a:r>
-              <a:rPr lang="de-DE" dirty="0" smtClean="0"/>
-              <a:t>").</a:t>
-            </a:r>
-            <a:endParaRPr lang="de-DE" dirty="0"/>
-          </a:p>
-          <a:p>
+              <a:t>right</a:t>
+            </a:r>
             <a:r>
               <a:rPr lang="de-DE" dirty="0"/>
-              <a:t>Wenn ein absolut positioniertes Element jedoch keine positionierten Vorelemente hat, wird das Dokumentbody verwendet, und es bewegt sich beim Scrollen der Seite mit</a:t>
+              <a:t>", "</a:t>
+            </a:r>
+            <a:r>
+              <a:rPr lang="de-DE" dirty="0" err="1"/>
+              <a:t>bottom</a:t>
+            </a:r>
+            <a:r>
+              <a:rPr lang="de-DE" dirty="0"/>
+              <a:t>" und "</a:t>
+            </a:r>
+            <a:r>
+              <a:rPr lang="de-DE" dirty="0" err="1"/>
+              <a:t>left</a:t>
+            </a:r>
+            <a:r>
+              <a:rPr lang="de-DE" dirty="0"/>
+              <a:t>" werden verwendet, um das Element zu positionieren</a:t>
             </a:r>
             <a:r>
               <a:rPr lang="de-DE" dirty="0" smtClean="0"/>
@@ -6771,13 +8265,8 @@
           <a:p>
             <a:r>
               <a:rPr lang="de-DE" dirty="0"/>
-              <a:t>Hinweis: Absolut positionierte Elemente werden aus dem normalen Fluss genommen und können sich überlappen</a:t>
-            </a:r>
-            <a:r>
-              <a:rPr lang="de-DE" dirty="0" smtClean="0"/>
-              <a:t>.</a:t>
-            </a:r>
-            <a:endParaRPr lang="de-DE" dirty="0"/>
+              <a:t>Ein fixiertes Element hinterlässt keine Lücke auf der Seite, an der es normalerweise positioniert gewesen wäre.</a:t>
+            </a:r>
           </a:p>
           <a:p>
             <a:endParaRPr lang="en-US" dirty="0"/>
@@ -6996,7 +8485,7 @@
       </p:sp>
       <p:pic>
         <p:nvPicPr>
-          <p:cNvPr id="6" name="Grafik 5"/>
+          <p:cNvPr id="5" name="Grafik 4"/>
           <p:cNvPicPr>
             <a:picLocks noChangeAspect="1"/>
           </p:cNvPicPr>
@@ -7010,8 +8499,8 @@
         </p:blipFill>
         <p:spPr>
           <a:xfrm>
-            <a:off x="7930661" y="2359172"/>
-            <a:ext cx="3676448" cy="2678819"/>
+            <a:off x="4703885" y="4099211"/>
+            <a:ext cx="4534928" cy="2574150"/>
           </a:xfrm>
           <a:prstGeom prst="rect">
             <a:avLst/>
@@ -7021,7 +8510,7 @@
     </p:spTree>
     <p:extLst>
       <p:ext uri="{BB962C8B-B14F-4D97-AF65-F5344CB8AC3E}">
-        <p14:creationId xmlns:p14="http://schemas.microsoft.com/office/powerpoint/2010/main" val="1590670453"/>
+        <p14:creationId xmlns:p14="http://schemas.microsoft.com/office/powerpoint/2010/main" val="4172924827"/>
       </p:ext>
     </p:extLst>
   </p:cSld>
@@ -7031,243 +8520,162 @@
   <p:timing>
     <p:tnLst>
       <p:par>
-        <p:cTn id="1" dur="indefinite" restart="never" nodeType="tmRoot"/>
+        <p:cTn id="1" dur="indefinite" restart="never" nodeType="tmRoot">
+          <p:childTnLst>
+            <p:seq concurrent="1" nextAc="seek">
+              <p:cTn id="2" dur="indefinite" nodeType="mainSeq">
+                <p:childTnLst>
+                  <p:par>
+                    <p:cTn id="3" fill="hold">
+                      <p:stCondLst>
+                        <p:cond delay="indefinite"/>
+                      </p:stCondLst>
+                      <p:childTnLst>
+                        <p:par>
+                          <p:cTn id="4" fill="hold">
+                            <p:stCondLst>
+                              <p:cond delay="0"/>
+                            </p:stCondLst>
+                            <p:childTnLst>
+                              <p:par>
+                                <p:cTn id="5" presetID="10" presetClass="entr" presetSubtype="0" fill="hold" grpId="0" nodeType="clickEffect">
+                                  <p:stCondLst>
+                                    <p:cond delay="0"/>
+                                  </p:stCondLst>
+                                  <p:childTnLst>
+                                    <p:set>
+                                      <p:cBhvr>
+                                        <p:cTn id="6" dur="1" fill="hold">
+                                          <p:stCondLst>
+                                            <p:cond delay="0"/>
+                                          </p:stCondLst>
+                                        </p:cTn>
+                                        <p:tgtEl>
+                                          <p:spTgt spid="3">
+                                            <p:txEl>
+                                              <p:pRg st="0" end="0"/>
+                                            </p:txEl>
+                                          </p:spTgt>
+                                        </p:tgtEl>
+                                        <p:attrNameLst>
+                                          <p:attrName>style.visibility</p:attrName>
+                                        </p:attrNameLst>
+                                      </p:cBhvr>
+                                      <p:to>
+                                        <p:strVal val="visible"/>
+                                      </p:to>
+                                    </p:set>
+                                    <p:animEffect transition="in" filter="fade">
+                                      <p:cBhvr>
+                                        <p:cTn id="7" dur="500"/>
+                                        <p:tgtEl>
+                                          <p:spTgt spid="3">
+                                            <p:txEl>
+                                              <p:pRg st="0" end="0"/>
+                                            </p:txEl>
+                                          </p:spTgt>
+                                        </p:tgtEl>
+                                      </p:cBhvr>
+                                    </p:animEffect>
+                                  </p:childTnLst>
+                                </p:cTn>
+                              </p:par>
+                            </p:childTnLst>
+                          </p:cTn>
+                        </p:par>
+                      </p:childTnLst>
+                    </p:cTn>
+                  </p:par>
+                  <p:par>
+                    <p:cTn id="8" fill="hold">
+                      <p:stCondLst>
+                        <p:cond delay="indefinite"/>
+                      </p:stCondLst>
+                      <p:childTnLst>
+                        <p:par>
+                          <p:cTn id="9" fill="hold">
+                            <p:stCondLst>
+                              <p:cond delay="0"/>
+                            </p:stCondLst>
+                            <p:childTnLst>
+                              <p:par>
+                                <p:cTn id="10" presetID="10" presetClass="entr" presetSubtype="0" fill="hold" grpId="0" nodeType="clickEffect">
+                                  <p:stCondLst>
+                                    <p:cond delay="0"/>
+                                  </p:stCondLst>
+                                  <p:childTnLst>
+                                    <p:set>
+                                      <p:cBhvr>
+                                        <p:cTn id="11" dur="1" fill="hold">
+                                          <p:stCondLst>
+                                            <p:cond delay="0"/>
+                                          </p:stCondLst>
+                                        </p:cTn>
+                                        <p:tgtEl>
+                                          <p:spTgt spid="3">
+                                            <p:txEl>
+                                              <p:pRg st="1" end="1"/>
+                                            </p:txEl>
+                                          </p:spTgt>
+                                        </p:tgtEl>
+                                        <p:attrNameLst>
+                                          <p:attrName>style.visibility</p:attrName>
+                                        </p:attrNameLst>
+                                      </p:cBhvr>
+                                      <p:to>
+                                        <p:strVal val="visible"/>
+                                      </p:to>
+                                    </p:set>
+                                    <p:animEffect transition="in" filter="fade">
+                                      <p:cBhvr>
+                                        <p:cTn id="12" dur="500"/>
+                                        <p:tgtEl>
+                                          <p:spTgt spid="3">
+                                            <p:txEl>
+                                              <p:pRg st="1" end="1"/>
+                                            </p:txEl>
+                                          </p:spTgt>
+                                        </p:tgtEl>
+                                      </p:cBhvr>
+                                    </p:animEffect>
+                                  </p:childTnLst>
+                                </p:cTn>
+                              </p:par>
+                            </p:childTnLst>
+                          </p:cTn>
+                        </p:par>
+                      </p:childTnLst>
+                    </p:cTn>
+                  </p:par>
+                </p:childTnLst>
+              </p:cTn>
+              <p:prevCondLst>
+                <p:cond evt="onPrev" delay="0">
+                  <p:tgtEl>
+                    <p:sldTgt/>
+                  </p:tgtEl>
+                </p:cond>
+              </p:prevCondLst>
+              <p:nextCondLst>
+                <p:cond evt="onNext" delay="0">
+                  <p:tgtEl>
+                    <p:sldTgt/>
+                  </p:tgtEl>
+                </p:cond>
+              </p:nextCondLst>
+            </p:seq>
+          </p:childTnLst>
+        </p:cTn>
       </p:par>
     </p:tnLst>
+    <p:bldLst>
+      <p:bldP spid="3" grpId="0" build="p"/>
+    </p:bldLst>
   </p:timing>
 </p:sld>
 </file>
 
-<file path=ppt/slides/slide2.xml><?xml version="1.0" encoding="utf-8"?>
-<p:sld xmlns:a="http://schemas.openxmlformats.org/drawingml/2006/main" xmlns:r="http://schemas.openxmlformats.org/officeDocument/2006/relationships" xmlns:p="http://schemas.openxmlformats.org/presentationml/2006/main">
-  <p:cSld>
-    <p:spTree>
-      <p:nvGrpSpPr>
-        <p:cNvPr id="1" name=""/>
-        <p:cNvGrpSpPr/>
-        <p:nvPr/>
-      </p:nvGrpSpPr>
-      <p:grpSpPr>
-        <a:xfrm>
-          <a:off x="0" y="0"/>
-          <a:ext cx="0" cy="0"/>
-          <a:chOff x="0" y="0"/>
-          <a:chExt cx="0" cy="0"/>
-        </a:xfrm>
-      </p:grpSpPr>
-      <p:sp>
-        <p:nvSpPr>
-          <p:cNvPr id="2" name="Titel 1">
-            <a:extLst>
-              <a:ext uri="{FF2B5EF4-FFF2-40B4-BE49-F238E27FC236}">
-                <a16:creationId xmlns:a16="http://schemas.microsoft.com/office/drawing/2014/main" id="{F456F2BD-014F-4CE8-F0A5-D27F59C9E63B}"/>
-              </a:ext>
-            </a:extLst>
-          </p:cNvPr>
-          <p:cNvSpPr>
-            <a:spLocks noGrp="1"/>
-          </p:cNvSpPr>
-          <p:nvPr>
-            <p:ph type="title"/>
-          </p:nvPr>
-        </p:nvSpPr>
-        <p:spPr/>
-        <p:txBody>
-          <a:bodyPr/>
-          <a:lstStyle/>
-          <a:p>
-            <a:r>
-              <a:rPr lang="de-AT" dirty="0"/>
-              <a:t>Übersicht</a:t>
-            </a:r>
-          </a:p>
-        </p:txBody>
-      </p:sp>
-      <p:sp>
-        <p:nvSpPr>
-          <p:cNvPr id="3" name="Inhaltsplatzhalter 2">
-            <a:extLst>
-              <a:ext uri="{FF2B5EF4-FFF2-40B4-BE49-F238E27FC236}">
-                <a16:creationId xmlns:a16="http://schemas.microsoft.com/office/drawing/2014/main" id="{58EE4AEB-AC98-AED7-8380-7DB99A4C304C}"/>
-              </a:ext>
-            </a:extLst>
-          </p:cNvPr>
-          <p:cNvSpPr>
-            <a:spLocks noGrp="1"/>
-          </p:cNvSpPr>
-          <p:nvPr>
-            <p:ph idx="1"/>
-          </p:nvPr>
-        </p:nvSpPr>
-        <p:spPr>
-          <a:xfrm>
-            <a:off x="1513405" y="1688284"/>
-            <a:ext cx="4913503" cy="5006131"/>
-          </a:xfrm>
-        </p:spPr>
-        <p:txBody>
-          <a:bodyPr>
-            <a:normAutofit/>
-          </a:bodyPr>
-          <a:lstStyle/>
-          <a:p>
-            <a:r>
-              <a:rPr lang="de-AT" dirty="0" smtClean="0"/>
-              <a:t>Kombination von </a:t>
-            </a:r>
-            <a:r>
-              <a:rPr lang="de-AT" dirty="0" err="1" smtClean="0"/>
-              <a:t>Selektoren</a:t>
-            </a:r>
-            <a:endParaRPr lang="de-AT" dirty="0"/>
-          </a:p>
-          <a:p>
-            <a:r>
-              <a:rPr lang="de-AT" dirty="0" smtClean="0"/>
-              <a:t>CSS Kaskade</a:t>
-            </a:r>
-            <a:endParaRPr lang="de-AT" dirty="0"/>
-          </a:p>
-          <a:p>
-            <a:r>
-              <a:rPr lang="de-AT" dirty="0" smtClean="0"/>
-              <a:t>Positionierung</a:t>
-            </a:r>
-            <a:endParaRPr lang="de-AT" dirty="0"/>
-          </a:p>
-          <a:p>
-            <a:pPr lvl="2"/>
-            <a:r>
-              <a:rPr lang="de-AT" dirty="0" smtClean="0"/>
-              <a:t>Absolute</a:t>
-            </a:r>
-          </a:p>
-          <a:p>
-            <a:pPr lvl="2"/>
-            <a:r>
-              <a:rPr lang="de-AT" dirty="0" smtClean="0"/>
-              <a:t>Relative</a:t>
-            </a:r>
-          </a:p>
-          <a:p>
-            <a:pPr lvl="2"/>
-            <a:r>
-              <a:rPr lang="de-AT" dirty="0" smtClean="0"/>
-              <a:t>Fixed</a:t>
-            </a:r>
-          </a:p>
-          <a:p>
-            <a:pPr lvl="2"/>
-            <a:r>
-              <a:rPr lang="de-AT" dirty="0" err="1" smtClean="0"/>
-              <a:t>Inherit</a:t>
-            </a:r>
-            <a:r>
-              <a:rPr lang="de-AT" dirty="0" smtClean="0"/>
-              <a:t> </a:t>
-            </a:r>
-          </a:p>
-          <a:p>
-            <a:pPr lvl="2"/>
-            <a:r>
-              <a:rPr lang="de-AT" dirty="0" err="1"/>
-              <a:t>S</a:t>
-            </a:r>
-            <a:r>
-              <a:rPr lang="de-AT" dirty="0" err="1" smtClean="0"/>
-              <a:t>tatic</a:t>
-            </a:r>
-            <a:endParaRPr lang="de-AT" dirty="0"/>
-          </a:p>
-          <a:p>
-            <a:endParaRPr lang="de-AT" dirty="0"/>
-          </a:p>
-          <a:p>
-            <a:endParaRPr lang="de-AT" dirty="0"/>
-          </a:p>
-          <a:p>
-            <a:pPr marL="0" indent="0">
-              <a:buNone/>
-            </a:pPr>
-            <a:endParaRPr lang="de-AT" dirty="0"/>
-          </a:p>
-          <a:p>
-            <a:pPr lvl="2"/>
-            <a:endParaRPr lang="de-AT" dirty="0"/>
-          </a:p>
-          <a:p>
-            <a:endParaRPr lang="de-AT" dirty="0"/>
-          </a:p>
-        </p:txBody>
-      </p:sp>
-      <p:pic>
-        <p:nvPicPr>
-          <p:cNvPr id="2050" name="Picture 2" descr="Cascading Style Sheets – Wikipedia">
-            <a:extLst>
-              <a:ext uri="{FF2B5EF4-FFF2-40B4-BE49-F238E27FC236}">
-                <a16:creationId xmlns:a16="http://schemas.microsoft.com/office/drawing/2014/main" id="{FC755AA9-7E63-D273-FEA8-38DBDB4FBA66}"/>
-              </a:ext>
-            </a:extLst>
-          </p:cNvPr>
-          <p:cNvPicPr>
-            <a:picLocks noChangeAspect="1" noChangeArrowheads="1"/>
-          </p:cNvPicPr>
-          <p:nvPr/>
-        </p:nvPicPr>
-        <p:blipFill>
-          <a:blip r:embed="rId2" cstate="hqprint">
-            <a:extLst>
-              <a:ext uri="{28A0092B-C50C-407E-A947-70E740481C1C}">
-                <a14:useLocalDpi xmlns:a14="http://schemas.microsoft.com/office/drawing/2010/main" val="0"/>
-              </a:ext>
-            </a:extLst>
-          </a:blip>
-          <a:srcRect/>
-          <a:stretch>
-            <a:fillRect/>
-          </a:stretch>
-        </p:blipFill>
-        <p:spPr bwMode="auto">
-          <a:xfrm>
-            <a:off x="9773701" y="2681655"/>
-            <a:ext cx="1747872" cy="2465972"/>
-          </a:xfrm>
-          <a:prstGeom prst="rect">
-            <a:avLst/>
-          </a:prstGeom>
-          <a:noFill/>
-          <a:extLst>
-            <a:ext uri="{909E8E84-426E-40DD-AFC4-6F175D3DCCD1}">
-              <a14:hiddenFill xmlns:a14="http://schemas.microsoft.com/office/drawing/2010/main">
-                <a:solidFill>
-                  <a:srgbClr val="FFFFFF"/>
-                </a:solidFill>
-              </a14:hiddenFill>
-            </a:ext>
-          </a:extLst>
-        </p:spPr>
-      </p:pic>
-    </p:spTree>
-    <p:extLst>
-      <p:ext uri="{BB962C8B-B14F-4D97-AF65-F5344CB8AC3E}">
-        <p14:creationId xmlns:p14="http://schemas.microsoft.com/office/powerpoint/2010/main" val="2711513053"/>
-      </p:ext>
-    </p:extLst>
-  </p:cSld>
-  <p:clrMapOvr>
-    <a:masterClrMapping/>
-  </p:clrMapOvr>
-  <p:timing>
-    <p:tnLst>
-      <p:par>
-        <p:cTn id="1" dur="indefinite" restart="never" nodeType="tmRoot"/>
-      </p:par>
-    </p:tnLst>
-  </p:timing>
-</p:sld>
-</file>
-
-<file path=ppt/slides/slide20.xml><?xml version="1.0" encoding="utf-8"?>
+<file path=ppt/slides/slide21.xml><?xml version="1.0" encoding="utf-8"?>
 <p:sld xmlns:a="http://schemas.openxmlformats.org/drawingml/2006/main" xmlns:r="http://schemas.openxmlformats.org/officeDocument/2006/relationships" xmlns:p="http://schemas.openxmlformats.org/presentationml/2006/main">
   <p:cSld>
     <p:spTree>
@@ -7359,10 +8767,12 @@
             </a:r>
             <a:r>
               <a:rPr lang="de-DE" dirty="0"/>
-              <a:t> des Benutzers positioniert.</a:t>
-            </a:r>
-          </a:p>
-          <a:p>
+              <a:t> des Benutzers positioniert</a:t>
+            </a:r>
+            <a:r>
+              <a:rPr lang="de-DE" dirty="0" smtClean="0"/>
+              <a:t>.</a:t>
+            </a:r>
             <a:endParaRPr lang="de-DE" dirty="0"/>
           </a:p>
           <a:p>
@@ -7672,14 +9082,223 @@
   <p:timing>
     <p:tnLst>
       <p:par>
-        <p:cTn id="1" dur="indefinite" restart="never" nodeType="tmRoot"/>
+        <p:cTn id="1" dur="indefinite" restart="never" nodeType="tmRoot">
+          <p:childTnLst>
+            <p:seq concurrent="1" nextAc="seek">
+              <p:cTn id="2" dur="indefinite" nodeType="mainSeq">
+                <p:childTnLst>
+                  <p:par>
+                    <p:cTn id="3" fill="hold">
+                      <p:stCondLst>
+                        <p:cond delay="indefinite"/>
+                      </p:stCondLst>
+                      <p:childTnLst>
+                        <p:par>
+                          <p:cTn id="4" fill="hold">
+                            <p:stCondLst>
+                              <p:cond delay="0"/>
+                            </p:stCondLst>
+                            <p:childTnLst>
+                              <p:par>
+                                <p:cTn id="5" presetID="10" presetClass="entr" presetSubtype="0" fill="hold" grpId="0" nodeType="clickEffect">
+                                  <p:stCondLst>
+                                    <p:cond delay="0"/>
+                                  </p:stCondLst>
+                                  <p:childTnLst>
+                                    <p:set>
+                                      <p:cBhvr>
+                                        <p:cTn id="6" dur="1" fill="hold">
+                                          <p:stCondLst>
+                                            <p:cond delay="0"/>
+                                          </p:stCondLst>
+                                        </p:cTn>
+                                        <p:tgtEl>
+                                          <p:spTgt spid="3">
+                                            <p:txEl>
+                                              <p:pRg st="0" end="0"/>
+                                            </p:txEl>
+                                          </p:spTgt>
+                                        </p:tgtEl>
+                                        <p:attrNameLst>
+                                          <p:attrName>style.visibility</p:attrName>
+                                        </p:attrNameLst>
+                                      </p:cBhvr>
+                                      <p:to>
+                                        <p:strVal val="visible"/>
+                                      </p:to>
+                                    </p:set>
+                                    <p:animEffect transition="in" filter="fade">
+                                      <p:cBhvr>
+                                        <p:cTn id="7" dur="500"/>
+                                        <p:tgtEl>
+                                          <p:spTgt spid="3">
+                                            <p:txEl>
+                                              <p:pRg st="0" end="0"/>
+                                            </p:txEl>
+                                          </p:spTgt>
+                                        </p:tgtEl>
+                                      </p:cBhvr>
+                                    </p:animEffect>
+                                  </p:childTnLst>
+                                </p:cTn>
+                              </p:par>
+                            </p:childTnLst>
+                          </p:cTn>
+                        </p:par>
+                      </p:childTnLst>
+                    </p:cTn>
+                  </p:par>
+                  <p:par>
+                    <p:cTn id="8" fill="hold">
+                      <p:stCondLst>
+                        <p:cond delay="indefinite"/>
+                      </p:stCondLst>
+                      <p:childTnLst>
+                        <p:par>
+                          <p:cTn id="9" fill="hold">
+                            <p:stCondLst>
+                              <p:cond delay="0"/>
+                            </p:stCondLst>
+                            <p:childTnLst>
+                              <p:par>
+                                <p:cTn id="10" presetID="10" presetClass="entr" presetSubtype="0" fill="hold" grpId="0" nodeType="clickEffect">
+                                  <p:stCondLst>
+                                    <p:cond delay="0"/>
+                                  </p:stCondLst>
+                                  <p:childTnLst>
+                                    <p:set>
+                                      <p:cBhvr>
+                                        <p:cTn id="11" dur="1" fill="hold">
+                                          <p:stCondLst>
+                                            <p:cond delay="0"/>
+                                          </p:stCondLst>
+                                        </p:cTn>
+                                        <p:tgtEl>
+                                          <p:spTgt spid="3">
+                                            <p:txEl>
+                                              <p:pRg st="1" end="1"/>
+                                            </p:txEl>
+                                          </p:spTgt>
+                                        </p:tgtEl>
+                                        <p:attrNameLst>
+                                          <p:attrName>style.visibility</p:attrName>
+                                        </p:attrNameLst>
+                                      </p:cBhvr>
+                                      <p:to>
+                                        <p:strVal val="visible"/>
+                                      </p:to>
+                                    </p:set>
+                                    <p:animEffect transition="in" filter="fade">
+                                      <p:cBhvr>
+                                        <p:cTn id="12" dur="500"/>
+                                        <p:tgtEl>
+                                          <p:spTgt spid="3">
+                                            <p:txEl>
+                                              <p:pRg st="1" end="1"/>
+                                            </p:txEl>
+                                          </p:spTgt>
+                                        </p:tgtEl>
+                                      </p:cBhvr>
+                                    </p:animEffect>
+                                  </p:childTnLst>
+                                </p:cTn>
+                              </p:par>
+                            </p:childTnLst>
+                          </p:cTn>
+                        </p:par>
+                      </p:childTnLst>
+                    </p:cTn>
+                  </p:par>
+                  <p:par>
+                    <p:cTn id="13" fill="hold">
+                      <p:stCondLst>
+                        <p:cond delay="indefinite"/>
+                      </p:stCondLst>
+                      <p:childTnLst>
+                        <p:par>
+                          <p:cTn id="14" fill="hold">
+                            <p:stCondLst>
+                              <p:cond delay="0"/>
+                            </p:stCondLst>
+                            <p:childTnLst>
+                              <p:par>
+                                <p:cTn id="15" presetID="10" presetClass="entr" presetSubtype="0" fill="hold" grpId="0" nodeType="clickEffect">
+                                  <p:stCondLst>
+                                    <p:cond delay="0"/>
+                                  </p:stCondLst>
+                                  <p:childTnLst>
+                                    <p:set>
+                                      <p:cBhvr>
+                                        <p:cTn id="16" dur="1" fill="hold">
+                                          <p:stCondLst>
+                                            <p:cond delay="0"/>
+                                          </p:stCondLst>
+                                        </p:cTn>
+                                        <p:tgtEl>
+                                          <p:spTgt spid="3">
+                                            <p:txEl>
+                                              <p:pRg st="2" end="2"/>
+                                            </p:txEl>
+                                          </p:spTgt>
+                                        </p:tgtEl>
+                                        <p:attrNameLst>
+                                          <p:attrName>style.visibility</p:attrName>
+                                        </p:attrNameLst>
+                                      </p:cBhvr>
+                                      <p:to>
+                                        <p:strVal val="visible"/>
+                                      </p:to>
+                                    </p:set>
+                                    <p:animEffect transition="in" filter="fade">
+                                      <p:cBhvr>
+                                        <p:cTn id="17" dur="500"/>
+                                        <p:tgtEl>
+                                          <p:spTgt spid="3">
+                                            <p:txEl>
+                                              <p:pRg st="2" end="2"/>
+                                            </p:txEl>
+                                          </p:spTgt>
+                                        </p:tgtEl>
+                                      </p:cBhvr>
+                                    </p:animEffect>
+                                  </p:childTnLst>
+                                </p:cTn>
+                              </p:par>
+                            </p:childTnLst>
+                          </p:cTn>
+                        </p:par>
+                      </p:childTnLst>
+                    </p:cTn>
+                  </p:par>
+                </p:childTnLst>
+              </p:cTn>
+              <p:prevCondLst>
+                <p:cond evt="onPrev" delay="0">
+                  <p:tgtEl>
+                    <p:sldTgt/>
+                  </p:tgtEl>
+                </p:cond>
+              </p:prevCondLst>
+              <p:nextCondLst>
+                <p:cond evt="onNext" delay="0">
+                  <p:tgtEl>
+                    <p:sldTgt/>
+                  </p:tgtEl>
+                </p:cond>
+              </p:nextCondLst>
+            </p:seq>
+          </p:childTnLst>
+        </p:cTn>
       </p:par>
     </p:tnLst>
+    <p:bldLst>
+      <p:bldP spid="3" grpId="0" build="p"/>
+    </p:bldLst>
   </p:timing>
 </p:sld>
 </file>
 
-<file path=ppt/slides/slide21.xml><?xml version="1.0" encoding="utf-8"?>
+<file path=ppt/slides/slide22.xml><?xml version="1.0" encoding="utf-8"?>
 <p:sld xmlns:a="http://schemas.openxmlformats.org/drawingml/2006/main" xmlns:r="http://schemas.openxmlformats.org/officeDocument/2006/relationships" xmlns:p="http://schemas.openxmlformats.org/presentationml/2006/main">
   <p:cSld>
     <p:spTree>
@@ -7713,6 +9332,1020 @@
           <a:p>
             <a:r>
               <a:rPr lang="de-AT" dirty="0" smtClean="0"/>
+              <a:t>CSS Position Demo</a:t>
+            </a:r>
+            <a:endParaRPr lang="en-US" dirty="0"/>
+          </a:p>
+        </p:txBody>
+      </p:sp>
+      <p:sp>
+        <p:nvSpPr>
+          <p:cNvPr id="4" name="Rectangle 1"/>
+          <p:cNvSpPr>
+            <a:spLocks noChangeArrowheads="1"/>
+          </p:cNvSpPr>
+          <p:nvPr/>
+        </p:nvSpPr>
+        <p:spPr bwMode="auto">
+          <a:xfrm>
+            <a:off x="0" y="-338811"/>
+            <a:ext cx="65" cy="677623"/>
+          </a:xfrm>
+          <a:prstGeom prst="rect">
+            <a:avLst/>
+          </a:prstGeom>
+          <a:solidFill>
+            <a:srgbClr val="F7F7F8"/>
+          </a:solidFill>
+          <a:ln>
+            <a:noFill/>
+          </a:ln>
+          <a:effectLst/>
+          <a:extLst>
+            <a:ext uri="{91240B29-F687-4F45-9708-019B960494DF}">
+              <a14:hiddenLine xmlns:a14="http://schemas.microsoft.com/office/drawing/2010/main" w="9525">
+                <a:solidFill>
+                  <a:schemeClr val="tx1"/>
+                </a:solidFill>
+                <a:miter lim="800000"/>
+                <a:headEnd/>
+                <a:tailEnd/>
+              </a14:hiddenLine>
+            </a:ext>
+            <a:ext uri="{AF507438-7753-43E0-B8FC-AC1667EBCBE1}">
+              <a14:hiddenEffects xmlns:a14="http://schemas.microsoft.com/office/drawing/2010/main">
+                <a:effectLst>
+                  <a:outerShdw dist="35921" dir="2700000" algn="ctr" rotWithShape="0">
+                    <a:schemeClr val="bg2"/>
+                  </a:outerShdw>
+                </a:effectLst>
+              </a14:hiddenEffects>
+            </a:ext>
+          </a:extLst>
+        </p:spPr>
+        <p:txBody>
+          <a:bodyPr vert="horz" wrap="none" lIns="0" tIns="198375" rIns="0" bIns="198375" numCol="1" anchor="ctr" anchorCtr="0" compatLnSpc="1">
+            <a:prstTxWarp prst="textNoShape">
+              <a:avLst/>
+            </a:prstTxWarp>
+            <a:spAutoFit/>
+          </a:bodyPr>
+          <a:lstStyle>
+            <a:lvl1pPr eaLnBrk="0" fontAlgn="base" hangingPunct="0">
+              <a:spcBef>
+                <a:spcPct val="0"/>
+              </a:spcBef>
+              <a:spcAft>
+                <a:spcPct val="0"/>
+              </a:spcAft>
+              <a:defRPr>
+                <a:solidFill>
+                  <a:schemeClr val="tx1"/>
+                </a:solidFill>
+                <a:latin typeface="Arial" panose="020B0604020202020204" pitchFamily="34" charset="0"/>
+              </a:defRPr>
+            </a:lvl1pPr>
+            <a:lvl2pPr eaLnBrk="0" fontAlgn="base" hangingPunct="0">
+              <a:spcBef>
+                <a:spcPct val="0"/>
+              </a:spcBef>
+              <a:spcAft>
+                <a:spcPct val="0"/>
+              </a:spcAft>
+              <a:defRPr>
+                <a:solidFill>
+                  <a:schemeClr val="tx1"/>
+                </a:solidFill>
+                <a:latin typeface="Arial" panose="020B0604020202020204" pitchFamily="34" charset="0"/>
+              </a:defRPr>
+            </a:lvl2pPr>
+            <a:lvl3pPr eaLnBrk="0" fontAlgn="base" hangingPunct="0">
+              <a:spcBef>
+                <a:spcPct val="0"/>
+              </a:spcBef>
+              <a:spcAft>
+                <a:spcPct val="0"/>
+              </a:spcAft>
+              <a:defRPr>
+                <a:solidFill>
+                  <a:schemeClr val="tx1"/>
+                </a:solidFill>
+                <a:latin typeface="Arial" panose="020B0604020202020204" pitchFamily="34" charset="0"/>
+              </a:defRPr>
+            </a:lvl3pPr>
+            <a:lvl4pPr eaLnBrk="0" fontAlgn="base" hangingPunct="0">
+              <a:spcBef>
+                <a:spcPct val="0"/>
+              </a:spcBef>
+              <a:spcAft>
+                <a:spcPct val="0"/>
+              </a:spcAft>
+              <a:defRPr>
+                <a:solidFill>
+                  <a:schemeClr val="tx1"/>
+                </a:solidFill>
+                <a:latin typeface="Arial" panose="020B0604020202020204" pitchFamily="34" charset="0"/>
+              </a:defRPr>
+            </a:lvl4pPr>
+            <a:lvl5pPr eaLnBrk="0" fontAlgn="base" hangingPunct="0">
+              <a:spcBef>
+                <a:spcPct val="0"/>
+              </a:spcBef>
+              <a:spcAft>
+                <a:spcPct val="0"/>
+              </a:spcAft>
+              <a:defRPr>
+                <a:solidFill>
+                  <a:schemeClr val="tx1"/>
+                </a:solidFill>
+                <a:latin typeface="Arial" panose="020B0604020202020204" pitchFamily="34" charset="0"/>
+              </a:defRPr>
+            </a:lvl5pPr>
+            <a:lvl6pPr eaLnBrk="0" fontAlgn="base" hangingPunct="0">
+              <a:spcBef>
+                <a:spcPct val="0"/>
+              </a:spcBef>
+              <a:spcAft>
+                <a:spcPct val="0"/>
+              </a:spcAft>
+              <a:defRPr>
+                <a:solidFill>
+                  <a:schemeClr val="tx1"/>
+                </a:solidFill>
+                <a:latin typeface="Arial" panose="020B0604020202020204" pitchFamily="34" charset="0"/>
+              </a:defRPr>
+            </a:lvl6pPr>
+            <a:lvl7pPr eaLnBrk="0" fontAlgn="base" hangingPunct="0">
+              <a:spcBef>
+                <a:spcPct val="0"/>
+              </a:spcBef>
+              <a:spcAft>
+                <a:spcPct val="0"/>
+              </a:spcAft>
+              <a:defRPr>
+                <a:solidFill>
+                  <a:schemeClr val="tx1"/>
+                </a:solidFill>
+                <a:latin typeface="Arial" panose="020B0604020202020204" pitchFamily="34" charset="0"/>
+              </a:defRPr>
+            </a:lvl7pPr>
+            <a:lvl8pPr eaLnBrk="0" fontAlgn="base" hangingPunct="0">
+              <a:spcBef>
+                <a:spcPct val="0"/>
+              </a:spcBef>
+              <a:spcAft>
+                <a:spcPct val="0"/>
+              </a:spcAft>
+              <a:defRPr>
+                <a:solidFill>
+                  <a:schemeClr val="tx1"/>
+                </a:solidFill>
+                <a:latin typeface="Arial" panose="020B0604020202020204" pitchFamily="34" charset="0"/>
+              </a:defRPr>
+            </a:lvl8pPr>
+            <a:lvl9pPr eaLnBrk="0" fontAlgn="base" hangingPunct="0">
+              <a:spcBef>
+                <a:spcPct val="0"/>
+              </a:spcBef>
+              <a:spcAft>
+                <a:spcPct val="0"/>
+              </a:spcAft>
+              <a:defRPr>
+                <a:solidFill>
+                  <a:schemeClr val="tx1"/>
+                </a:solidFill>
+                <a:latin typeface="Arial" panose="020B0604020202020204" pitchFamily="34" charset="0"/>
+              </a:defRPr>
+            </a:lvl9pPr>
+          </a:lstStyle>
+          <a:p>
+            <a:pPr marL="0" marR="0" lvl="0" indent="0" algn="l" defTabSz="914400" rtl="0" eaLnBrk="0" fontAlgn="base" latinLnBrk="0" hangingPunct="0">
+              <a:lnSpc>
+                <a:spcPct val="100000"/>
+              </a:lnSpc>
+              <a:spcBef>
+                <a:spcPct val="0"/>
+              </a:spcBef>
+              <a:spcAft>
+                <a:spcPct val="0"/>
+              </a:spcAft>
+              <a:buClrTx/>
+              <a:buSzTx/>
+              <a:buFontTx/>
+              <a:buNone/>
+              <a:tabLst/>
+            </a:pPr>
+            <a:endParaRPr kumimoji="0" lang="en-US" altLang="en-US" sz="1800" b="0" i="0" u="none" strike="noStrike" cap="none" normalizeH="0" baseline="0" dirty="0" smtClean="0">
+              <a:ln>
+                <a:noFill/>
+              </a:ln>
+              <a:solidFill>
+                <a:schemeClr val="tx1"/>
+              </a:solidFill>
+              <a:effectLst/>
+              <a:latin typeface="Arial" panose="020B0604020202020204" pitchFamily="34" charset="0"/>
+            </a:endParaRPr>
+          </a:p>
+        </p:txBody>
+      </p:sp>
+      <p:pic>
+        <p:nvPicPr>
+          <p:cNvPr id="6" name="Grafik 5"/>
+          <p:cNvPicPr>
+            <a:picLocks noChangeAspect="1"/>
+          </p:cNvPicPr>
+          <p:nvPr/>
+        </p:nvPicPr>
+        <p:blipFill>
+          <a:blip r:embed="rId2"/>
+          <a:stretch>
+            <a:fillRect/>
+          </a:stretch>
+        </p:blipFill>
+        <p:spPr>
+          <a:xfrm>
+            <a:off x="3344941" y="1842693"/>
+            <a:ext cx="5502117" cy="4305673"/>
+          </a:xfrm>
+          <a:prstGeom prst="rect">
+            <a:avLst/>
+          </a:prstGeom>
+        </p:spPr>
+      </p:pic>
+      <p:sp>
+        <p:nvSpPr>
+          <p:cNvPr id="7" name="Rechteck 6"/>
+          <p:cNvSpPr/>
+          <p:nvPr/>
+        </p:nvSpPr>
+        <p:spPr>
+          <a:xfrm>
+            <a:off x="3735961" y="6236012"/>
+            <a:ext cx="4720075" cy="369332"/>
+          </a:xfrm>
+          <a:prstGeom prst="rect">
+            <a:avLst/>
+          </a:prstGeom>
+        </p:spPr>
+        <p:txBody>
+          <a:bodyPr wrap="none">
+            <a:spAutoFit/>
+          </a:bodyPr>
+          <a:lstStyle/>
+          <a:p>
+            <a:r>
+              <a:rPr lang="en-US" dirty="0">
+                <a:hlinkClick r:id="rId3"/>
+              </a:rPr>
+              <a:t>https://appbrewery.github.io/css-positioning</a:t>
+            </a:r>
+            <a:r>
+              <a:rPr lang="en-US" dirty="0" smtClean="0">
+                <a:hlinkClick r:id="rId3"/>
+              </a:rPr>
+              <a:t>/</a:t>
+            </a:r>
+            <a:r>
+              <a:rPr lang="en-US" dirty="0" smtClean="0"/>
+              <a:t> </a:t>
+            </a:r>
+            <a:endParaRPr lang="en-US" dirty="0"/>
+          </a:p>
+        </p:txBody>
+      </p:sp>
+    </p:spTree>
+    <p:extLst>
+      <p:ext uri="{BB962C8B-B14F-4D97-AF65-F5344CB8AC3E}">
+        <p14:creationId xmlns:p14="http://schemas.microsoft.com/office/powerpoint/2010/main" val="96237558"/>
+      </p:ext>
+    </p:extLst>
+  </p:cSld>
+  <p:clrMapOvr>
+    <a:masterClrMapping/>
+  </p:clrMapOvr>
+  <p:timing>
+    <p:tnLst>
+      <p:par>
+        <p:cTn id="1" dur="indefinite" restart="never" nodeType="tmRoot"/>
+      </p:par>
+    </p:tnLst>
+  </p:timing>
+</p:sld>
+</file>
+
+<file path=ppt/slides/slide23.xml><?xml version="1.0" encoding="utf-8"?>
+<p:sld xmlns:a="http://schemas.openxmlformats.org/drawingml/2006/main" xmlns:r="http://schemas.openxmlformats.org/officeDocument/2006/relationships" xmlns:p="http://schemas.openxmlformats.org/presentationml/2006/main">
+  <p:cSld>
+    <p:spTree>
+      <p:nvGrpSpPr>
+        <p:cNvPr id="1" name=""/>
+        <p:cNvGrpSpPr/>
+        <p:nvPr/>
+      </p:nvGrpSpPr>
+      <p:grpSpPr>
+        <a:xfrm>
+          <a:off x="0" y="0"/>
+          <a:ext cx="0" cy="0"/>
+          <a:chOff x="0" y="0"/>
+          <a:chExt cx="0" cy="0"/>
+        </a:xfrm>
+      </p:grpSpPr>
+      <p:sp>
+        <p:nvSpPr>
+          <p:cNvPr id="2" name="Titel 1"/>
+          <p:cNvSpPr>
+            <a:spLocks noGrp="1"/>
+          </p:cNvSpPr>
+          <p:nvPr>
+            <p:ph type="title"/>
+          </p:nvPr>
+        </p:nvSpPr>
+        <p:spPr/>
+        <p:txBody>
+          <a:bodyPr/>
+          <a:lstStyle/>
+          <a:p>
+            <a:r>
+              <a:rPr lang="de-AT" dirty="0" smtClean="0"/>
+              <a:t>CSS Position: z-Index</a:t>
+            </a:r>
+            <a:endParaRPr lang="en-US" dirty="0"/>
+          </a:p>
+        </p:txBody>
+      </p:sp>
+      <p:sp>
+        <p:nvSpPr>
+          <p:cNvPr id="3" name="Inhaltsplatzhalter 2"/>
+          <p:cNvSpPr>
+            <a:spLocks noGrp="1"/>
+          </p:cNvSpPr>
+          <p:nvPr>
+            <p:ph idx="1"/>
+          </p:nvPr>
+        </p:nvSpPr>
+        <p:spPr>
+          <a:xfrm>
+            <a:off x="1339361" y="2280041"/>
+            <a:ext cx="5773616" cy="4137259"/>
+          </a:xfrm>
+        </p:spPr>
+        <p:txBody>
+          <a:bodyPr>
+            <a:normAutofit/>
+          </a:bodyPr>
+          <a:lstStyle/>
+          <a:p>
+            <a:r>
+              <a:rPr lang="de-DE" dirty="0"/>
+              <a:t>Wenn Elemente positioniert werden, können sie sich überlappen.</a:t>
+            </a:r>
+          </a:p>
+          <a:p>
+            <a:r>
+              <a:rPr lang="de-DE" dirty="0"/>
+              <a:t>Die Eigenschaft "z-index" legt die Stapelreihenfolge eines Elements fest (welches Element vor oder hinter den anderen platziert werden soll).</a:t>
+            </a:r>
+          </a:p>
+          <a:p>
+            <a:r>
+              <a:rPr lang="de-DE" dirty="0"/>
+              <a:t>Ein Element kann eine positive oder negative Stapelreihenfolge haben.</a:t>
+            </a:r>
+          </a:p>
+        </p:txBody>
+      </p:sp>
+      <p:sp>
+        <p:nvSpPr>
+          <p:cNvPr id="4" name="Rectangle 1"/>
+          <p:cNvSpPr>
+            <a:spLocks noChangeArrowheads="1"/>
+          </p:cNvSpPr>
+          <p:nvPr/>
+        </p:nvSpPr>
+        <p:spPr bwMode="auto">
+          <a:xfrm>
+            <a:off x="0" y="-338811"/>
+            <a:ext cx="65" cy="677623"/>
+          </a:xfrm>
+          <a:prstGeom prst="rect">
+            <a:avLst/>
+          </a:prstGeom>
+          <a:solidFill>
+            <a:srgbClr val="F7F7F8"/>
+          </a:solidFill>
+          <a:ln>
+            <a:noFill/>
+          </a:ln>
+          <a:effectLst/>
+          <a:extLst>
+            <a:ext uri="{91240B29-F687-4F45-9708-019B960494DF}">
+              <a14:hiddenLine xmlns:a14="http://schemas.microsoft.com/office/drawing/2010/main" w="9525">
+                <a:solidFill>
+                  <a:schemeClr val="tx1"/>
+                </a:solidFill>
+                <a:miter lim="800000"/>
+                <a:headEnd/>
+                <a:tailEnd/>
+              </a14:hiddenLine>
+            </a:ext>
+            <a:ext uri="{AF507438-7753-43E0-B8FC-AC1667EBCBE1}">
+              <a14:hiddenEffects xmlns:a14="http://schemas.microsoft.com/office/drawing/2010/main">
+                <a:effectLst>
+                  <a:outerShdw dist="35921" dir="2700000" algn="ctr" rotWithShape="0">
+                    <a:schemeClr val="bg2"/>
+                  </a:outerShdw>
+                </a:effectLst>
+              </a14:hiddenEffects>
+            </a:ext>
+          </a:extLst>
+        </p:spPr>
+        <p:txBody>
+          <a:bodyPr vert="horz" wrap="none" lIns="0" tIns="198375" rIns="0" bIns="198375" numCol="1" anchor="ctr" anchorCtr="0" compatLnSpc="1">
+            <a:prstTxWarp prst="textNoShape">
+              <a:avLst/>
+            </a:prstTxWarp>
+            <a:spAutoFit/>
+          </a:bodyPr>
+          <a:lstStyle>
+            <a:lvl1pPr eaLnBrk="0" fontAlgn="base" hangingPunct="0">
+              <a:spcBef>
+                <a:spcPct val="0"/>
+              </a:spcBef>
+              <a:spcAft>
+                <a:spcPct val="0"/>
+              </a:spcAft>
+              <a:defRPr>
+                <a:solidFill>
+                  <a:schemeClr val="tx1"/>
+                </a:solidFill>
+                <a:latin typeface="Arial" panose="020B0604020202020204" pitchFamily="34" charset="0"/>
+              </a:defRPr>
+            </a:lvl1pPr>
+            <a:lvl2pPr eaLnBrk="0" fontAlgn="base" hangingPunct="0">
+              <a:spcBef>
+                <a:spcPct val="0"/>
+              </a:spcBef>
+              <a:spcAft>
+                <a:spcPct val="0"/>
+              </a:spcAft>
+              <a:defRPr>
+                <a:solidFill>
+                  <a:schemeClr val="tx1"/>
+                </a:solidFill>
+                <a:latin typeface="Arial" panose="020B0604020202020204" pitchFamily="34" charset="0"/>
+              </a:defRPr>
+            </a:lvl2pPr>
+            <a:lvl3pPr eaLnBrk="0" fontAlgn="base" hangingPunct="0">
+              <a:spcBef>
+                <a:spcPct val="0"/>
+              </a:spcBef>
+              <a:spcAft>
+                <a:spcPct val="0"/>
+              </a:spcAft>
+              <a:defRPr>
+                <a:solidFill>
+                  <a:schemeClr val="tx1"/>
+                </a:solidFill>
+                <a:latin typeface="Arial" panose="020B0604020202020204" pitchFamily="34" charset="0"/>
+              </a:defRPr>
+            </a:lvl3pPr>
+            <a:lvl4pPr eaLnBrk="0" fontAlgn="base" hangingPunct="0">
+              <a:spcBef>
+                <a:spcPct val="0"/>
+              </a:spcBef>
+              <a:spcAft>
+                <a:spcPct val="0"/>
+              </a:spcAft>
+              <a:defRPr>
+                <a:solidFill>
+                  <a:schemeClr val="tx1"/>
+                </a:solidFill>
+                <a:latin typeface="Arial" panose="020B0604020202020204" pitchFamily="34" charset="0"/>
+              </a:defRPr>
+            </a:lvl4pPr>
+            <a:lvl5pPr eaLnBrk="0" fontAlgn="base" hangingPunct="0">
+              <a:spcBef>
+                <a:spcPct val="0"/>
+              </a:spcBef>
+              <a:spcAft>
+                <a:spcPct val="0"/>
+              </a:spcAft>
+              <a:defRPr>
+                <a:solidFill>
+                  <a:schemeClr val="tx1"/>
+                </a:solidFill>
+                <a:latin typeface="Arial" panose="020B0604020202020204" pitchFamily="34" charset="0"/>
+              </a:defRPr>
+            </a:lvl5pPr>
+            <a:lvl6pPr eaLnBrk="0" fontAlgn="base" hangingPunct="0">
+              <a:spcBef>
+                <a:spcPct val="0"/>
+              </a:spcBef>
+              <a:spcAft>
+                <a:spcPct val="0"/>
+              </a:spcAft>
+              <a:defRPr>
+                <a:solidFill>
+                  <a:schemeClr val="tx1"/>
+                </a:solidFill>
+                <a:latin typeface="Arial" panose="020B0604020202020204" pitchFamily="34" charset="0"/>
+              </a:defRPr>
+            </a:lvl6pPr>
+            <a:lvl7pPr eaLnBrk="0" fontAlgn="base" hangingPunct="0">
+              <a:spcBef>
+                <a:spcPct val="0"/>
+              </a:spcBef>
+              <a:spcAft>
+                <a:spcPct val="0"/>
+              </a:spcAft>
+              <a:defRPr>
+                <a:solidFill>
+                  <a:schemeClr val="tx1"/>
+                </a:solidFill>
+                <a:latin typeface="Arial" panose="020B0604020202020204" pitchFamily="34" charset="0"/>
+              </a:defRPr>
+            </a:lvl7pPr>
+            <a:lvl8pPr eaLnBrk="0" fontAlgn="base" hangingPunct="0">
+              <a:spcBef>
+                <a:spcPct val="0"/>
+              </a:spcBef>
+              <a:spcAft>
+                <a:spcPct val="0"/>
+              </a:spcAft>
+              <a:defRPr>
+                <a:solidFill>
+                  <a:schemeClr val="tx1"/>
+                </a:solidFill>
+                <a:latin typeface="Arial" panose="020B0604020202020204" pitchFamily="34" charset="0"/>
+              </a:defRPr>
+            </a:lvl8pPr>
+            <a:lvl9pPr eaLnBrk="0" fontAlgn="base" hangingPunct="0">
+              <a:spcBef>
+                <a:spcPct val="0"/>
+              </a:spcBef>
+              <a:spcAft>
+                <a:spcPct val="0"/>
+              </a:spcAft>
+              <a:defRPr>
+                <a:solidFill>
+                  <a:schemeClr val="tx1"/>
+                </a:solidFill>
+                <a:latin typeface="Arial" panose="020B0604020202020204" pitchFamily="34" charset="0"/>
+              </a:defRPr>
+            </a:lvl9pPr>
+          </a:lstStyle>
+          <a:p>
+            <a:pPr marL="0" marR="0" lvl="0" indent="0" algn="l" defTabSz="914400" rtl="0" eaLnBrk="0" fontAlgn="base" latinLnBrk="0" hangingPunct="0">
+              <a:lnSpc>
+                <a:spcPct val="100000"/>
+              </a:lnSpc>
+              <a:spcBef>
+                <a:spcPct val="0"/>
+              </a:spcBef>
+              <a:spcAft>
+                <a:spcPct val="0"/>
+              </a:spcAft>
+              <a:buClrTx/>
+              <a:buSzTx/>
+              <a:buFontTx/>
+              <a:buNone/>
+              <a:tabLst/>
+            </a:pPr>
+            <a:endParaRPr kumimoji="0" lang="en-US" altLang="en-US" sz="1800" b="0" i="0" u="none" strike="noStrike" cap="none" normalizeH="0" baseline="0" dirty="0" smtClean="0">
+              <a:ln>
+                <a:noFill/>
+              </a:ln>
+              <a:solidFill>
+                <a:schemeClr val="tx1"/>
+              </a:solidFill>
+              <a:effectLst/>
+              <a:latin typeface="Arial" panose="020B0604020202020204" pitchFamily="34" charset="0"/>
+            </a:endParaRPr>
+          </a:p>
+        </p:txBody>
+      </p:sp>
+      <p:pic>
+        <p:nvPicPr>
+          <p:cNvPr id="6" name="Grafik 5"/>
+          <p:cNvPicPr>
+            <a:picLocks noChangeAspect="1"/>
+          </p:cNvPicPr>
+          <p:nvPr/>
+        </p:nvPicPr>
+        <p:blipFill>
+          <a:blip r:embed="rId2"/>
+          <a:stretch>
+            <a:fillRect/>
+          </a:stretch>
+        </p:blipFill>
+        <p:spPr>
+          <a:xfrm>
+            <a:off x="7774925" y="1776046"/>
+            <a:ext cx="3241836" cy="2991723"/>
+          </a:xfrm>
+          <a:prstGeom prst="rect">
+            <a:avLst/>
+          </a:prstGeom>
+        </p:spPr>
+      </p:pic>
+      <p:pic>
+        <p:nvPicPr>
+          <p:cNvPr id="7" name="Grafik 6"/>
+          <p:cNvPicPr>
+            <a:picLocks noChangeAspect="1"/>
+          </p:cNvPicPr>
+          <p:nvPr/>
+        </p:nvPicPr>
+        <p:blipFill>
+          <a:blip r:embed="rId3"/>
+          <a:stretch>
+            <a:fillRect/>
+          </a:stretch>
+        </p:blipFill>
+        <p:spPr>
+          <a:xfrm>
+            <a:off x="7901130" y="5092138"/>
+            <a:ext cx="2591025" cy="1531753"/>
+          </a:xfrm>
+          <a:prstGeom prst="rect">
+            <a:avLst/>
+          </a:prstGeom>
+        </p:spPr>
+      </p:pic>
+    </p:spTree>
+    <p:extLst>
+      <p:ext uri="{BB962C8B-B14F-4D97-AF65-F5344CB8AC3E}">
+        <p14:creationId xmlns:p14="http://schemas.microsoft.com/office/powerpoint/2010/main" val="2169704151"/>
+      </p:ext>
+    </p:extLst>
+  </p:cSld>
+  <p:clrMapOvr>
+    <a:masterClrMapping/>
+  </p:clrMapOvr>
+  <p:timing>
+    <p:tnLst>
+      <p:par>
+        <p:cTn id="1" dur="indefinite" restart="never" nodeType="tmRoot">
+          <p:childTnLst>
+            <p:seq concurrent="1" nextAc="seek">
+              <p:cTn id="2" dur="indefinite" nodeType="mainSeq">
+                <p:childTnLst>
+                  <p:par>
+                    <p:cTn id="3" fill="hold">
+                      <p:stCondLst>
+                        <p:cond delay="indefinite"/>
+                      </p:stCondLst>
+                      <p:childTnLst>
+                        <p:par>
+                          <p:cTn id="4" fill="hold">
+                            <p:stCondLst>
+                              <p:cond delay="0"/>
+                            </p:stCondLst>
+                            <p:childTnLst>
+                              <p:par>
+                                <p:cTn id="5" presetID="10" presetClass="entr" presetSubtype="0" fill="hold" grpId="0" nodeType="clickEffect">
+                                  <p:stCondLst>
+                                    <p:cond delay="0"/>
+                                  </p:stCondLst>
+                                  <p:childTnLst>
+                                    <p:set>
+                                      <p:cBhvr>
+                                        <p:cTn id="6" dur="1" fill="hold">
+                                          <p:stCondLst>
+                                            <p:cond delay="0"/>
+                                          </p:stCondLst>
+                                        </p:cTn>
+                                        <p:tgtEl>
+                                          <p:spTgt spid="3">
+                                            <p:txEl>
+                                              <p:pRg st="0" end="0"/>
+                                            </p:txEl>
+                                          </p:spTgt>
+                                        </p:tgtEl>
+                                        <p:attrNameLst>
+                                          <p:attrName>style.visibility</p:attrName>
+                                        </p:attrNameLst>
+                                      </p:cBhvr>
+                                      <p:to>
+                                        <p:strVal val="visible"/>
+                                      </p:to>
+                                    </p:set>
+                                    <p:animEffect transition="in" filter="fade">
+                                      <p:cBhvr>
+                                        <p:cTn id="7" dur="500"/>
+                                        <p:tgtEl>
+                                          <p:spTgt spid="3">
+                                            <p:txEl>
+                                              <p:pRg st="0" end="0"/>
+                                            </p:txEl>
+                                          </p:spTgt>
+                                        </p:tgtEl>
+                                      </p:cBhvr>
+                                    </p:animEffect>
+                                  </p:childTnLst>
+                                </p:cTn>
+                              </p:par>
+                            </p:childTnLst>
+                          </p:cTn>
+                        </p:par>
+                      </p:childTnLst>
+                    </p:cTn>
+                  </p:par>
+                  <p:par>
+                    <p:cTn id="8" fill="hold">
+                      <p:stCondLst>
+                        <p:cond delay="indefinite"/>
+                      </p:stCondLst>
+                      <p:childTnLst>
+                        <p:par>
+                          <p:cTn id="9" fill="hold">
+                            <p:stCondLst>
+                              <p:cond delay="0"/>
+                            </p:stCondLst>
+                            <p:childTnLst>
+                              <p:par>
+                                <p:cTn id="10" presetID="10" presetClass="entr" presetSubtype="0" fill="hold" grpId="0" nodeType="clickEffect">
+                                  <p:stCondLst>
+                                    <p:cond delay="0"/>
+                                  </p:stCondLst>
+                                  <p:childTnLst>
+                                    <p:set>
+                                      <p:cBhvr>
+                                        <p:cTn id="11" dur="1" fill="hold">
+                                          <p:stCondLst>
+                                            <p:cond delay="0"/>
+                                          </p:stCondLst>
+                                        </p:cTn>
+                                        <p:tgtEl>
+                                          <p:spTgt spid="3">
+                                            <p:txEl>
+                                              <p:pRg st="1" end="1"/>
+                                            </p:txEl>
+                                          </p:spTgt>
+                                        </p:tgtEl>
+                                        <p:attrNameLst>
+                                          <p:attrName>style.visibility</p:attrName>
+                                        </p:attrNameLst>
+                                      </p:cBhvr>
+                                      <p:to>
+                                        <p:strVal val="visible"/>
+                                      </p:to>
+                                    </p:set>
+                                    <p:animEffect transition="in" filter="fade">
+                                      <p:cBhvr>
+                                        <p:cTn id="12" dur="500"/>
+                                        <p:tgtEl>
+                                          <p:spTgt spid="3">
+                                            <p:txEl>
+                                              <p:pRg st="1" end="1"/>
+                                            </p:txEl>
+                                          </p:spTgt>
+                                        </p:tgtEl>
+                                      </p:cBhvr>
+                                    </p:animEffect>
+                                  </p:childTnLst>
+                                </p:cTn>
+                              </p:par>
+                            </p:childTnLst>
+                          </p:cTn>
+                        </p:par>
+                      </p:childTnLst>
+                    </p:cTn>
+                  </p:par>
+                  <p:par>
+                    <p:cTn id="13" fill="hold">
+                      <p:stCondLst>
+                        <p:cond delay="indefinite"/>
+                      </p:stCondLst>
+                      <p:childTnLst>
+                        <p:par>
+                          <p:cTn id="14" fill="hold">
+                            <p:stCondLst>
+                              <p:cond delay="0"/>
+                            </p:stCondLst>
+                            <p:childTnLst>
+                              <p:par>
+                                <p:cTn id="15" presetID="10" presetClass="entr" presetSubtype="0" fill="hold" grpId="0" nodeType="clickEffect">
+                                  <p:stCondLst>
+                                    <p:cond delay="0"/>
+                                  </p:stCondLst>
+                                  <p:childTnLst>
+                                    <p:set>
+                                      <p:cBhvr>
+                                        <p:cTn id="16" dur="1" fill="hold">
+                                          <p:stCondLst>
+                                            <p:cond delay="0"/>
+                                          </p:stCondLst>
+                                        </p:cTn>
+                                        <p:tgtEl>
+                                          <p:spTgt spid="3">
+                                            <p:txEl>
+                                              <p:pRg st="2" end="2"/>
+                                            </p:txEl>
+                                          </p:spTgt>
+                                        </p:tgtEl>
+                                        <p:attrNameLst>
+                                          <p:attrName>style.visibility</p:attrName>
+                                        </p:attrNameLst>
+                                      </p:cBhvr>
+                                      <p:to>
+                                        <p:strVal val="visible"/>
+                                      </p:to>
+                                    </p:set>
+                                    <p:animEffect transition="in" filter="fade">
+                                      <p:cBhvr>
+                                        <p:cTn id="17" dur="500"/>
+                                        <p:tgtEl>
+                                          <p:spTgt spid="3">
+                                            <p:txEl>
+                                              <p:pRg st="2" end="2"/>
+                                            </p:txEl>
+                                          </p:spTgt>
+                                        </p:tgtEl>
+                                      </p:cBhvr>
+                                    </p:animEffect>
+                                  </p:childTnLst>
+                                </p:cTn>
+                              </p:par>
+                            </p:childTnLst>
+                          </p:cTn>
+                        </p:par>
+                      </p:childTnLst>
+                    </p:cTn>
+                  </p:par>
+                </p:childTnLst>
+              </p:cTn>
+              <p:prevCondLst>
+                <p:cond evt="onPrev" delay="0">
+                  <p:tgtEl>
+                    <p:sldTgt/>
+                  </p:tgtEl>
+                </p:cond>
+              </p:prevCondLst>
+              <p:nextCondLst>
+                <p:cond evt="onNext" delay="0">
+                  <p:tgtEl>
+                    <p:sldTgt/>
+                  </p:tgtEl>
+                </p:cond>
+              </p:nextCondLst>
+            </p:seq>
+          </p:childTnLst>
+        </p:cTn>
+      </p:par>
+    </p:tnLst>
+    <p:bldLst>
+      <p:bldP spid="3" grpId="0" build="p"/>
+    </p:bldLst>
+  </p:timing>
+</p:sld>
+</file>
+
+<file path=ppt/slides/slide24.xml><?xml version="1.0" encoding="utf-8"?>
+<p:sld xmlns:a="http://schemas.openxmlformats.org/drawingml/2006/main" xmlns:r="http://schemas.openxmlformats.org/officeDocument/2006/relationships" xmlns:p="http://schemas.openxmlformats.org/presentationml/2006/main">
+  <p:cSld>
+    <p:spTree>
+      <p:nvGrpSpPr>
+        <p:cNvPr id="1" name=""/>
+        <p:cNvGrpSpPr/>
+        <p:nvPr/>
+      </p:nvGrpSpPr>
+      <p:grpSpPr>
+        <a:xfrm>
+          <a:off x="0" y="0"/>
+          <a:ext cx="0" cy="0"/>
+          <a:chOff x="0" y="0"/>
+          <a:chExt cx="0" cy="0"/>
+        </a:xfrm>
+      </p:grpSpPr>
+      <p:sp>
+        <p:nvSpPr>
+          <p:cNvPr id="2" name="Titel 1"/>
+          <p:cNvSpPr>
+            <a:spLocks noGrp="1"/>
+          </p:cNvSpPr>
+          <p:nvPr>
+            <p:ph type="title"/>
+          </p:nvPr>
+        </p:nvSpPr>
+        <p:spPr/>
+        <p:txBody>
+          <a:bodyPr/>
+          <a:lstStyle/>
+          <a:p>
+            <a:r>
+              <a:rPr lang="de-AT" dirty="0" smtClean="0"/>
+              <a:t>CSS Position Übung Positionierung (gemeinsam)</a:t>
+            </a:r>
+            <a:endParaRPr lang="en-US" dirty="0"/>
+          </a:p>
+        </p:txBody>
+      </p:sp>
+      <p:sp>
+        <p:nvSpPr>
+          <p:cNvPr id="3" name="Inhaltsplatzhalter 2"/>
+          <p:cNvSpPr>
+            <a:spLocks noGrp="1"/>
+          </p:cNvSpPr>
+          <p:nvPr>
+            <p:ph idx="1"/>
+          </p:nvPr>
+        </p:nvSpPr>
+        <p:spPr/>
+        <p:txBody>
+          <a:bodyPr/>
+          <a:lstStyle/>
+          <a:p>
+            <a:r>
+              <a:rPr lang="de-AT" dirty="0" smtClean="0"/>
+              <a:t>Übungsunterlagen CSS/Positionierung/</a:t>
+            </a:r>
+          </a:p>
+          <a:p>
+            <a:r>
+              <a:rPr lang="de-AT" dirty="0" smtClean="0"/>
+              <a:t>Schreibe CSS Code um das Bild unterhalb zu erzielen</a:t>
+            </a:r>
+          </a:p>
+        </p:txBody>
+      </p:sp>
+      <p:pic>
+        <p:nvPicPr>
+          <p:cNvPr id="4" name="Grafik 3"/>
+          <p:cNvPicPr>
+            <a:picLocks noChangeAspect="1"/>
+          </p:cNvPicPr>
+          <p:nvPr/>
+        </p:nvPicPr>
+        <p:blipFill rotWithShape="1">
+          <a:blip r:embed="rId2"/>
+          <a:srcRect l="733" t="1044" b="-1"/>
+          <a:stretch/>
+        </p:blipFill>
+        <p:spPr>
+          <a:xfrm>
+            <a:off x="3249331" y="3156796"/>
+            <a:ext cx="5143500" cy="3701204"/>
+          </a:xfrm>
+          <a:prstGeom prst="rect">
+            <a:avLst/>
+          </a:prstGeom>
+        </p:spPr>
+      </p:pic>
+    </p:spTree>
+    <p:extLst>
+      <p:ext uri="{BB962C8B-B14F-4D97-AF65-F5344CB8AC3E}">
+        <p14:creationId xmlns:p14="http://schemas.microsoft.com/office/powerpoint/2010/main" val="1512133754"/>
+      </p:ext>
+    </p:extLst>
+  </p:cSld>
+  <p:clrMapOvr>
+    <a:masterClrMapping/>
+  </p:clrMapOvr>
+  <p:timing>
+    <p:tnLst>
+      <p:par>
+        <p:cTn id="1" dur="indefinite" restart="never" nodeType="tmRoot"/>
+      </p:par>
+    </p:tnLst>
+  </p:timing>
+</p:sld>
+</file>
+
+<file path=ppt/slides/slide25.xml><?xml version="1.0" encoding="utf-8"?>
+<p:sld xmlns:a="http://schemas.openxmlformats.org/drawingml/2006/main" xmlns:r="http://schemas.openxmlformats.org/officeDocument/2006/relationships" xmlns:p="http://schemas.openxmlformats.org/presentationml/2006/main">
+  <p:cSld>
+    <p:spTree>
+      <p:nvGrpSpPr>
+        <p:cNvPr id="1" name=""/>
+        <p:cNvGrpSpPr/>
+        <p:nvPr/>
+      </p:nvGrpSpPr>
+      <p:grpSpPr>
+        <a:xfrm>
+          <a:off x="0" y="0"/>
+          <a:ext cx="0" cy="0"/>
+          <a:chOff x="0" y="0"/>
+          <a:chExt cx="0" cy="0"/>
+        </a:xfrm>
+      </p:grpSpPr>
+      <p:sp>
+        <p:nvSpPr>
+          <p:cNvPr id="2" name="Titel 1"/>
+          <p:cNvSpPr>
+            <a:spLocks noGrp="1"/>
+          </p:cNvSpPr>
+          <p:nvPr>
+            <p:ph type="title"/>
+          </p:nvPr>
+        </p:nvSpPr>
+        <p:spPr/>
+        <p:txBody>
+          <a:bodyPr/>
+          <a:lstStyle/>
+          <a:p>
+            <a:r>
+              <a:rPr lang="de-AT" dirty="0" smtClean="0"/>
               <a:t>CSS Übung Flagge von Laos</a:t>
             </a:r>
             <a:endParaRPr lang="en-US" dirty="0"/>
@@ -7737,7 +10370,7 @@
         </p:spPr>
         <p:txBody>
           <a:bodyPr>
-            <a:normAutofit fontScale="85000" lnSpcReduction="10000"/>
+            <a:normAutofit/>
           </a:bodyPr>
           <a:lstStyle/>
           <a:p>
@@ -7782,28 +10415,16 @@
               <a:t>WICHTIG! Ändere nicht das HTML. Füge keine Klassen/IDs/Elemente hinzu. Nutze dein Wissen über das Kombinieren von </a:t>
             </a:r>
             <a:r>
-              <a:rPr lang="de-DE" dirty="0" err="1"/>
+              <a:rPr lang="de-DE" dirty="0" err="1" smtClean="0"/>
               <a:t>Selektoren</a:t>
             </a:r>
             <a:r>
+              <a:rPr lang="de-DE" dirty="0" smtClean="0"/>
+              <a:t>, Positionierung </a:t>
+            </a:r>
+            <a:r>
               <a:rPr lang="de-DE" dirty="0"/>
-              <a:t> und die Spezifität von CSS stattdessen.</a:t>
-            </a:r>
-          </a:p>
-          <a:p>
-            <a:r>
-              <a:rPr lang="de-DE" dirty="0" smtClean="0"/>
-              <a:t>Hinweis </a:t>
-            </a:r>
-            <a:r>
-              <a:rPr lang="de-DE" dirty="0"/>
-              <a:t>1: Die Flagge hat Abmessungen von 900px x 600px, und der Kreis ist 200px x 200px groß.</a:t>
-            </a:r>
-          </a:p>
-          <a:p>
-            <a:r>
-              <a:rPr lang="de-DE" dirty="0"/>
-              <a:t>Hinweis 2: Du kannst folgende Farben verwenden #CE1126, #002868</a:t>
+              <a:t>und die Spezifität von CSS stattdessen.</a:t>
             </a:r>
           </a:p>
           <a:p>
@@ -7855,7 +10476,5292 @@
 </p:sld>
 </file>
 
-<file path=ppt/slides/slide22.xml><?xml version="1.0" encoding="utf-8"?>
+<file path=ppt/slides/slide26.xml><?xml version="1.0" encoding="utf-8"?>
+<p:sld xmlns:a="http://schemas.openxmlformats.org/drawingml/2006/main" xmlns:r="http://schemas.openxmlformats.org/officeDocument/2006/relationships" xmlns:p="http://schemas.openxmlformats.org/presentationml/2006/main">
+  <p:cSld>
+    <p:bg>
+      <p:bgPr>
+        <a:solidFill>
+          <a:schemeClr val="bg1"/>
+        </a:solidFill>
+        <a:effectLst/>
+      </p:bgPr>
+    </p:bg>
+    <p:spTree>
+      <p:nvGrpSpPr>
+        <p:cNvPr id="1" name=""/>
+        <p:cNvGrpSpPr/>
+        <p:nvPr/>
+      </p:nvGrpSpPr>
+      <p:grpSpPr>
+        <a:xfrm>
+          <a:off x="0" y="0"/>
+          <a:ext cx="0" cy="0"/>
+          <a:chOff x="0" y="0"/>
+          <a:chExt cx="0" cy="0"/>
+        </a:xfrm>
+      </p:grpSpPr>
+      <p:sp>
+        <p:nvSpPr>
+          <p:cNvPr id="9" name="Rectangle 8">
+            <a:extLst>
+              <a:ext uri="{FF2B5EF4-FFF2-40B4-BE49-F238E27FC236}">
+                <a16:creationId xmlns:a16="http://schemas.microsoft.com/office/drawing/2014/main" id="{BE229233-9672-4675-99B7-6CBCEF1CD415}"/>
+              </a:ext>
+              <a:ext uri="{C183D7F6-B498-43B3-948B-1728B52AA6E4}">
+                <adec:decorative xmlns="" xmlns:adec="http://schemas.microsoft.com/office/drawing/2017/decorative" val="1"/>
+              </a:ext>
+            </a:extLst>
+          </p:cNvPr>
+          <p:cNvSpPr>
+            <a:spLocks noGrp="1" noRot="1" noChangeAspect="1" noMove="1" noResize="1" noEditPoints="1" noAdjustHandles="1" noChangeArrowheads="1" noChangeShapeType="1" noTextEdit="1"/>
+          </p:cNvSpPr>
+          <p:nvPr>
+            <p:extLst>
+              <p:ext uri="{386F3935-93C4-4BCD-93E2-E3B085C9AB24}">
+                <p16:designElem xmlns:p16="http://schemas.microsoft.com/office/powerpoint/2015/main" val="1"/>
+              </p:ext>
+            </p:extLst>
+          </p:nvPr>
+        </p:nvSpPr>
+        <p:spPr>
+          <a:xfrm>
+            <a:off x="0" y="0"/>
+            <a:ext cx="12192000" cy="6858000"/>
+          </a:xfrm>
+          <a:prstGeom prst="rect">
+            <a:avLst/>
+          </a:prstGeom>
+          <a:solidFill>
+            <a:schemeClr val="bg1"/>
+          </a:solidFill>
+          <a:ln w="12700" cap="flat" cmpd="sng" algn="ctr">
+            <a:noFill/>
+            <a:prstDash val="solid"/>
+            <a:miter lim="800000"/>
+          </a:ln>
+          <a:effectLst/>
+        </p:spPr>
+        <p:style>
+          <a:lnRef idx="2">
+            <a:schemeClr val="accent1">
+              <a:shade val="50000"/>
+            </a:schemeClr>
+          </a:lnRef>
+          <a:fillRef idx="1">
+            <a:schemeClr val="accent1"/>
+          </a:fillRef>
+          <a:effectRef idx="0">
+            <a:schemeClr val="accent1"/>
+          </a:effectRef>
+          <a:fontRef idx="minor">
+            <a:schemeClr val="lt1"/>
+          </a:fontRef>
+        </p:style>
+        <p:txBody>
+          <a:bodyPr rtlCol="0" anchor="ctr"/>
+          <a:lstStyle/>
+          <a:p>
+            <a:pPr algn="ctr"/>
+            <a:endParaRPr lang="en-US"/>
+          </a:p>
+        </p:txBody>
+      </p:sp>
+      <p:pic>
+        <p:nvPicPr>
+          <p:cNvPr id="4" name="Picture 3" descr="Ein Bild, das Screenshot, Wasser, Blau, unterwasser enthält.&#10;&#10;Automatisch generierte Beschreibung">
+            <a:extLst>
+              <a:ext uri="{FF2B5EF4-FFF2-40B4-BE49-F238E27FC236}">
+                <a16:creationId xmlns:a16="http://schemas.microsoft.com/office/drawing/2014/main" id="{8888D5D7-5569-BBD7-CF94-2A7F62111266}"/>
+              </a:ext>
+            </a:extLst>
+          </p:cNvPr>
+          <p:cNvPicPr>
+            <a:picLocks noChangeAspect="1"/>
+          </p:cNvPicPr>
+          <p:nvPr/>
+        </p:nvPicPr>
+        <p:blipFill rotWithShape="1">
+          <a:blip r:embed="rId2"/>
+          <a:srcRect l="154" r="33284"/>
+          <a:stretch/>
+        </p:blipFill>
+        <p:spPr>
+          <a:xfrm>
+            <a:off x="20" y="-2"/>
+            <a:ext cx="8115280" cy="6858001"/>
+          </a:xfrm>
+          <a:prstGeom prst="rect">
+            <a:avLst/>
+          </a:prstGeom>
+        </p:spPr>
+      </p:pic>
+      <p:sp>
+        <p:nvSpPr>
+          <p:cNvPr id="11" name="Rectangle 10">
+            <a:extLst>
+              <a:ext uri="{FF2B5EF4-FFF2-40B4-BE49-F238E27FC236}">
+                <a16:creationId xmlns:a16="http://schemas.microsoft.com/office/drawing/2014/main" id="{EC5FF010-B53C-46BE-BEEF-AF926A00F67F}"/>
+              </a:ext>
+              <a:ext uri="{C183D7F6-B498-43B3-948B-1728B52AA6E4}">
+                <adec:decorative xmlns="" xmlns:adec="http://schemas.microsoft.com/office/drawing/2017/decorative" val="1"/>
+              </a:ext>
+            </a:extLst>
+          </p:cNvPr>
+          <p:cNvSpPr>
+            <a:spLocks noGrp="1" noRot="1" noChangeAspect="1" noMove="1" noResize="1" noEditPoints="1" noAdjustHandles="1" noChangeArrowheads="1" noChangeShapeType="1" noTextEdit="1"/>
+          </p:cNvSpPr>
+          <p:nvPr>
+            <p:extLst>
+              <p:ext uri="{386F3935-93C4-4BCD-93E2-E3B085C9AB24}">
+                <p16:designElem xmlns:p16="http://schemas.microsoft.com/office/powerpoint/2015/main" val="1"/>
+              </p:ext>
+            </p:extLst>
+          </p:nvPr>
+        </p:nvSpPr>
+        <p:spPr>
+          <a:xfrm>
+            <a:off x="3238500" y="2057400"/>
+            <a:ext cx="4876800" cy="2743201"/>
+          </a:xfrm>
+          <a:prstGeom prst="rect">
+            <a:avLst/>
+          </a:prstGeom>
+          <a:solidFill>
+            <a:schemeClr val="bg1"/>
+          </a:solidFill>
+          <a:ln w="12700" cap="flat" cmpd="sng" algn="ctr">
+            <a:noFill/>
+            <a:prstDash val="solid"/>
+            <a:miter lim="800000"/>
+          </a:ln>
+          <a:effectLst/>
+        </p:spPr>
+        <p:style>
+          <a:lnRef idx="2">
+            <a:schemeClr val="accent1">
+              <a:shade val="50000"/>
+            </a:schemeClr>
+          </a:lnRef>
+          <a:fillRef idx="1">
+            <a:schemeClr val="accent1"/>
+          </a:fillRef>
+          <a:effectRef idx="0">
+            <a:schemeClr val="accent1"/>
+          </a:effectRef>
+          <a:fontRef idx="minor">
+            <a:schemeClr val="lt1"/>
+          </a:fontRef>
+        </p:style>
+        <p:txBody>
+          <a:bodyPr rtlCol="0" anchor="ctr"/>
+          <a:lstStyle/>
+          <a:p>
+            <a:pPr algn="ctr"/>
+            <a:endParaRPr lang="en-US"/>
+          </a:p>
+        </p:txBody>
+      </p:sp>
+      <p:sp>
+        <p:nvSpPr>
+          <p:cNvPr id="13" name="Rectangle 12">
+            <a:extLst>
+              <a:ext uri="{FF2B5EF4-FFF2-40B4-BE49-F238E27FC236}">
+                <a16:creationId xmlns:a16="http://schemas.microsoft.com/office/drawing/2014/main" id="{8509AD9C-1F43-4138-A72B-8CA988EDD475}"/>
+              </a:ext>
+              <a:ext uri="{C183D7F6-B498-43B3-948B-1728B52AA6E4}">
+                <adec:decorative xmlns="" xmlns:adec="http://schemas.microsoft.com/office/drawing/2017/decorative" val="1"/>
+              </a:ext>
+            </a:extLst>
+          </p:cNvPr>
+          <p:cNvSpPr>
+            <a:spLocks noGrp="1" noRot="1" noChangeAspect="1" noMove="1" noResize="1" noEditPoints="1" noAdjustHandles="1" noChangeArrowheads="1" noChangeShapeType="1" noTextEdit="1"/>
+          </p:cNvSpPr>
+          <p:nvPr>
+            <p:extLst>
+              <p:ext uri="{386F3935-93C4-4BCD-93E2-E3B085C9AB24}">
+                <p16:designElem xmlns:p16="http://schemas.microsoft.com/office/powerpoint/2015/main" val="1"/>
+              </p:ext>
+            </p:extLst>
+          </p:nvPr>
+        </p:nvSpPr>
+        <p:spPr>
+          <a:xfrm>
+            <a:off x="8115300" y="2057400"/>
+            <a:ext cx="3276600" cy="2743201"/>
+          </a:xfrm>
+          <a:prstGeom prst="rect">
+            <a:avLst/>
+          </a:prstGeom>
+          <a:solidFill>
+            <a:schemeClr val="bg2"/>
+          </a:solidFill>
+          <a:ln w="12700" cap="flat" cmpd="sng" algn="ctr">
+            <a:noFill/>
+            <a:prstDash val="solid"/>
+            <a:miter lim="800000"/>
+          </a:ln>
+          <a:effectLst/>
+        </p:spPr>
+        <p:style>
+          <a:lnRef idx="2">
+            <a:schemeClr val="accent1">
+              <a:shade val="50000"/>
+            </a:schemeClr>
+          </a:lnRef>
+          <a:fillRef idx="1">
+            <a:schemeClr val="accent1"/>
+          </a:fillRef>
+          <a:effectRef idx="0">
+            <a:schemeClr val="accent1"/>
+          </a:effectRef>
+          <a:fontRef idx="minor">
+            <a:schemeClr val="lt1"/>
+          </a:fontRef>
+        </p:style>
+        <p:txBody>
+          <a:bodyPr rtlCol="0" anchor="ctr"/>
+          <a:lstStyle/>
+          <a:p>
+            <a:pPr algn="ctr"/>
+            <a:endParaRPr lang="en-US"/>
+          </a:p>
+        </p:txBody>
+      </p:sp>
+      <p:sp>
+        <p:nvSpPr>
+          <p:cNvPr id="2" name="Titel 1">
+            <a:extLst>
+              <a:ext uri="{FF2B5EF4-FFF2-40B4-BE49-F238E27FC236}">
+                <a16:creationId xmlns:a16="http://schemas.microsoft.com/office/drawing/2014/main" id="{C116823A-F0C0-9F76-4B25-AE0CF378C7B1}"/>
+              </a:ext>
+            </a:extLst>
+          </p:cNvPr>
+          <p:cNvSpPr>
+            <a:spLocks noGrp="1"/>
+          </p:cNvSpPr>
+          <p:nvPr>
+            <p:ph type="ctrTitle"/>
+          </p:nvPr>
+        </p:nvSpPr>
+        <p:spPr>
+          <a:xfrm>
+            <a:off x="3415626" y="2505059"/>
+            <a:ext cx="4409527" cy="1853023"/>
+          </a:xfrm>
+        </p:spPr>
+        <p:txBody>
+          <a:bodyPr anchor="ctr">
+            <a:normAutofit/>
+          </a:bodyPr>
+          <a:lstStyle/>
+          <a:p>
+            <a:r>
+              <a:rPr lang="de-AT" sz="3200" dirty="0"/>
+              <a:t>CSS </a:t>
+            </a:r>
+            <a:r>
+              <a:rPr lang="de-AT" sz="3200" dirty="0" smtClean="0"/>
+              <a:t>- Layout</a:t>
+            </a:r>
+            <a:endParaRPr lang="de-AT" sz="3200" dirty="0"/>
+          </a:p>
+        </p:txBody>
+      </p:sp>
+      <p:pic>
+        <p:nvPicPr>
+          <p:cNvPr id="1026" name="Picture 2" descr="Cascading Style Sheets – Wikipedia">
+            <a:extLst>
+              <a:ext uri="{FF2B5EF4-FFF2-40B4-BE49-F238E27FC236}">
+                <a16:creationId xmlns:a16="http://schemas.microsoft.com/office/drawing/2014/main" id="{CAA3119D-4723-2DA8-23B0-07F0A44098C0}"/>
+              </a:ext>
+            </a:extLst>
+          </p:cNvPr>
+          <p:cNvPicPr>
+            <a:picLocks noChangeAspect="1" noChangeArrowheads="1"/>
+          </p:cNvPicPr>
+          <p:nvPr/>
+        </p:nvPicPr>
+        <p:blipFill>
+          <a:blip r:embed="rId3" cstate="hqprint">
+            <a:extLst>
+              <a:ext uri="{28A0092B-C50C-407E-A947-70E740481C1C}">
+                <a14:useLocalDpi xmlns:a14="http://schemas.microsoft.com/office/drawing/2010/main" val="0"/>
+              </a:ext>
+            </a:extLst>
+          </a:blip>
+          <a:srcRect/>
+          <a:stretch>
+            <a:fillRect/>
+          </a:stretch>
+        </p:blipFill>
+        <p:spPr bwMode="auto">
+          <a:xfrm>
+            <a:off x="9167682" y="2602360"/>
+            <a:ext cx="1171835" cy="1653275"/>
+          </a:xfrm>
+          <a:prstGeom prst="rect">
+            <a:avLst/>
+          </a:prstGeom>
+          <a:noFill/>
+          <a:extLst>
+            <a:ext uri="{909E8E84-426E-40DD-AFC4-6F175D3DCCD1}">
+              <a14:hiddenFill xmlns:a14="http://schemas.microsoft.com/office/drawing/2010/main">
+                <a:solidFill>
+                  <a:srgbClr val="FFFFFF"/>
+                </a:solidFill>
+              </a14:hiddenFill>
+            </a:ext>
+          </a:extLst>
+        </p:spPr>
+      </p:pic>
+    </p:spTree>
+    <p:extLst>
+      <p:ext uri="{BB962C8B-B14F-4D97-AF65-F5344CB8AC3E}">
+        <p14:creationId xmlns:p14="http://schemas.microsoft.com/office/powerpoint/2010/main" val="2979519736"/>
+      </p:ext>
+    </p:extLst>
+  </p:cSld>
+  <p:clrMapOvr>
+    <a:masterClrMapping/>
+  </p:clrMapOvr>
+  <p:timing>
+    <p:tnLst>
+      <p:par>
+        <p:cTn id="1" dur="indefinite" restart="never" nodeType="tmRoot"/>
+      </p:par>
+    </p:tnLst>
+  </p:timing>
+</p:sld>
+</file>
+
+<file path=ppt/slides/slide27.xml><?xml version="1.0" encoding="utf-8"?>
+<p:sld xmlns:a="http://schemas.openxmlformats.org/drawingml/2006/main" xmlns:r="http://schemas.openxmlformats.org/officeDocument/2006/relationships" xmlns:p="http://schemas.openxmlformats.org/presentationml/2006/main">
+  <p:cSld>
+    <p:spTree>
+      <p:nvGrpSpPr>
+        <p:cNvPr id="1" name=""/>
+        <p:cNvGrpSpPr/>
+        <p:nvPr/>
+      </p:nvGrpSpPr>
+      <p:grpSpPr>
+        <a:xfrm>
+          <a:off x="0" y="0"/>
+          <a:ext cx="0" cy="0"/>
+          <a:chOff x="0" y="0"/>
+          <a:chExt cx="0" cy="0"/>
+        </a:xfrm>
+      </p:grpSpPr>
+      <p:sp>
+        <p:nvSpPr>
+          <p:cNvPr id="2" name="Titel 1"/>
+          <p:cNvSpPr>
+            <a:spLocks noGrp="1"/>
+          </p:cNvSpPr>
+          <p:nvPr>
+            <p:ph type="title"/>
+          </p:nvPr>
+        </p:nvSpPr>
+        <p:spPr/>
+        <p:txBody>
+          <a:bodyPr/>
+          <a:lstStyle/>
+          <a:p>
+            <a:r>
+              <a:rPr lang="de-AT" dirty="0" smtClean="0"/>
+              <a:t>CSS Display</a:t>
+            </a:r>
+            <a:endParaRPr lang="en-US" dirty="0"/>
+          </a:p>
+        </p:txBody>
+      </p:sp>
+      <p:sp>
+        <p:nvSpPr>
+          <p:cNvPr id="3" name="Inhaltsplatzhalter 2"/>
+          <p:cNvSpPr>
+            <a:spLocks noGrp="1"/>
+          </p:cNvSpPr>
+          <p:nvPr>
+            <p:ph idx="1"/>
+          </p:nvPr>
+        </p:nvSpPr>
+        <p:spPr>
+          <a:xfrm>
+            <a:off x="1638300" y="2057400"/>
+            <a:ext cx="8915402" cy="4440115"/>
+          </a:xfrm>
+        </p:spPr>
+        <p:txBody>
+          <a:bodyPr>
+            <a:normAutofit lnSpcReduction="10000"/>
+          </a:bodyPr>
+          <a:lstStyle/>
+          <a:p>
+            <a:r>
+              <a:rPr lang="de-DE" dirty="0"/>
+              <a:t>Die Eigenschaft "</a:t>
+            </a:r>
+            <a:r>
+              <a:rPr lang="de-DE" dirty="0" err="1"/>
+              <a:t>display</a:t>
+            </a:r>
+            <a:r>
+              <a:rPr lang="de-DE" dirty="0"/>
+              <a:t>" legt fest, wie ein Element angezeigt wird bzw. ob es angezeigt wird</a:t>
+            </a:r>
+            <a:r>
+              <a:rPr lang="de-DE" dirty="0" smtClean="0"/>
+              <a:t>.</a:t>
+            </a:r>
+            <a:endParaRPr lang="de-DE" dirty="0"/>
+          </a:p>
+          <a:p>
+            <a:r>
+              <a:rPr lang="de-DE" dirty="0"/>
+              <a:t>Jedes HTML-Element hat einen standardmäßigen Anzeigewert, der von seinem Typ abhängt. Der Standard-Anzeigewert für die meisten Elemente ist "block" oder "inline</a:t>
+            </a:r>
+            <a:r>
+              <a:rPr lang="de-DE" dirty="0" smtClean="0"/>
+              <a:t>".</a:t>
+            </a:r>
+          </a:p>
+          <a:p>
+            <a:r>
+              <a:rPr lang="de-DE" dirty="0" smtClean="0"/>
+              <a:t>Häufig verwendete Werte:</a:t>
+            </a:r>
+          </a:p>
+          <a:p>
+            <a:pPr lvl="1"/>
+            <a:r>
+              <a:rPr lang="de-DE" dirty="0" err="1"/>
+              <a:t>n</a:t>
+            </a:r>
+            <a:r>
+              <a:rPr lang="de-DE" dirty="0" err="1" smtClean="0"/>
+              <a:t>one</a:t>
+            </a:r>
+            <a:r>
+              <a:rPr lang="de-DE" dirty="0" smtClean="0"/>
+              <a:t> (Element wird nicht angezeigt und nimmt keinen Platz ein)</a:t>
+            </a:r>
+          </a:p>
+          <a:p>
+            <a:pPr lvl="1"/>
+            <a:r>
+              <a:rPr lang="de-DE" dirty="0" smtClean="0"/>
+              <a:t>block (kennen wir bereits)</a:t>
+            </a:r>
+          </a:p>
+          <a:p>
+            <a:pPr lvl="1"/>
+            <a:r>
+              <a:rPr lang="de-DE" dirty="0"/>
+              <a:t>i</a:t>
+            </a:r>
+            <a:r>
+              <a:rPr lang="de-DE" dirty="0" smtClean="0"/>
+              <a:t>nline (kennen wir bereits)</a:t>
+            </a:r>
+          </a:p>
+          <a:p>
+            <a:pPr lvl="1"/>
+            <a:r>
+              <a:rPr lang="de-DE" dirty="0"/>
+              <a:t>i</a:t>
+            </a:r>
+            <a:r>
+              <a:rPr lang="de-DE" dirty="0" smtClean="0"/>
+              <a:t>nline-block</a:t>
+            </a:r>
+          </a:p>
+          <a:p>
+            <a:pPr lvl="1"/>
+            <a:r>
+              <a:rPr lang="de-DE" dirty="0" err="1" smtClean="0"/>
+              <a:t>flex</a:t>
+            </a:r>
+            <a:r>
+              <a:rPr lang="de-DE" dirty="0" smtClean="0"/>
+              <a:t>, </a:t>
+            </a:r>
+            <a:r>
+              <a:rPr lang="de-DE" dirty="0" err="1" smtClean="0"/>
+              <a:t>flexbox</a:t>
+            </a:r>
+            <a:r>
+              <a:rPr lang="de-DE" dirty="0" smtClean="0"/>
+              <a:t> (wird in kommenden Kapiteln behandelt)</a:t>
+            </a:r>
+          </a:p>
+          <a:p>
+            <a:pPr lvl="1"/>
+            <a:r>
+              <a:rPr lang="de-DE" dirty="0" err="1"/>
+              <a:t>g</a:t>
+            </a:r>
+            <a:r>
+              <a:rPr lang="de-DE" dirty="0" err="1" smtClean="0"/>
+              <a:t>rid</a:t>
+            </a:r>
+            <a:r>
+              <a:rPr lang="de-DE" dirty="0" smtClean="0"/>
+              <a:t> </a:t>
+            </a:r>
+            <a:r>
+              <a:rPr lang="de-DE" dirty="0"/>
+              <a:t>(wird in kommenden </a:t>
+            </a:r>
+            <a:r>
+              <a:rPr lang="de-DE" dirty="0" smtClean="0"/>
+              <a:t>Kapiteln </a:t>
+            </a:r>
+            <a:r>
+              <a:rPr lang="de-DE" dirty="0"/>
+              <a:t>behandelt)</a:t>
+            </a:r>
+          </a:p>
+          <a:p>
+            <a:pPr lvl="1"/>
+            <a:endParaRPr lang="de-DE" dirty="0" smtClean="0"/>
+          </a:p>
+          <a:p>
+            <a:pPr lvl="1"/>
+            <a:endParaRPr lang="de-DE" dirty="0" smtClean="0"/>
+          </a:p>
+        </p:txBody>
+      </p:sp>
+    </p:spTree>
+    <p:extLst>
+      <p:ext uri="{BB962C8B-B14F-4D97-AF65-F5344CB8AC3E}">
+        <p14:creationId xmlns:p14="http://schemas.microsoft.com/office/powerpoint/2010/main" val="4078928909"/>
+      </p:ext>
+    </p:extLst>
+  </p:cSld>
+  <p:clrMapOvr>
+    <a:masterClrMapping/>
+  </p:clrMapOvr>
+  <p:timing>
+    <p:tnLst>
+      <p:par>
+        <p:cTn id="1" dur="indefinite" restart="never" nodeType="tmRoot">
+          <p:childTnLst>
+            <p:seq concurrent="1" nextAc="seek">
+              <p:cTn id="2" dur="indefinite" nodeType="mainSeq">
+                <p:childTnLst>
+                  <p:par>
+                    <p:cTn id="3" fill="hold">
+                      <p:stCondLst>
+                        <p:cond delay="indefinite"/>
+                      </p:stCondLst>
+                      <p:childTnLst>
+                        <p:par>
+                          <p:cTn id="4" fill="hold">
+                            <p:stCondLst>
+                              <p:cond delay="0"/>
+                            </p:stCondLst>
+                            <p:childTnLst>
+                              <p:par>
+                                <p:cTn id="5" presetID="10" presetClass="entr" presetSubtype="0" fill="hold" grpId="0" nodeType="clickEffect">
+                                  <p:stCondLst>
+                                    <p:cond delay="0"/>
+                                  </p:stCondLst>
+                                  <p:childTnLst>
+                                    <p:set>
+                                      <p:cBhvr>
+                                        <p:cTn id="6" dur="1" fill="hold">
+                                          <p:stCondLst>
+                                            <p:cond delay="0"/>
+                                          </p:stCondLst>
+                                        </p:cTn>
+                                        <p:tgtEl>
+                                          <p:spTgt spid="3">
+                                            <p:txEl>
+                                              <p:pRg st="0" end="0"/>
+                                            </p:txEl>
+                                          </p:spTgt>
+                                        </p:tgtEl>
+                                        <p:attrNameLst>
+                                          <p:attrName>style.visibility</p:attrName>
+                                        </p:attrNameLst>
+                                      </p:cBhvr>
+                                      <p:to>
+                                        <p:strVal val="visible"/>
+                                      </p:to>
+                                    </p:set>
+                                    <p:animEffect transition="in" filter="fade">
+                                      <p:cBhvr>
+                                        <p:cTn id="7" dur="500"/>
+                                        <p:tgtEl>
+                                          <p:spTgt spid="3">
+                                            <p:txEl>
+                                              <p:pRg st="0" end="0"/>
+                                            </p:txEl>
+                                          </p:spTgt>
+                                        </p:tgtEl>
+                                      </p:cBhvr>
+                                    </p:animEffect>
+                                  </p:childTnLst>
+                                </p:cTn>
+                              </p:par>
+                            </p:childTnLst>
+                          </p:cTn>
+                        </p:par>
+                      </p:childTnLst>
+                    </p:cTn>
+                  </p:par>
+                  <p:par>
+                    <p:cTn id="8" fill="hold">
+                      <p:stCondLst>
+                        <p:cond delay="indefinite"/>
+                      </p:stCondLst>
+                      <p:childTnLst>
+                        <p:par>
+                          <p:cTn id="9" fill="hold">
+                            <p:stCondLst>
+                              <p:cond delay="0"/>
+                            </p:stCondLst>
+                            <p:childTnLst>
+                              <p:par>
+                                <p:cTn id="10" presetID="10" presetClass="entr" presetSubtype="0" fill="hold" grpId="0" nodeType="clickEffect">
+                                  <p:stCondLst>
+                                    <p:cond delay="0"/>
+                                  </p:stCondLst>
+                                  <p:childTnLst>
+                                    <p:set>
+                                      <p:cBhvr>
+                                        <p:cTn id="11" dur="1" fill="hold">
+                                          <p:stCondLst>
+                                            <p:cond delay="0"/>
+                                          </p:stCondLst>
+                                        </p:cTn>
+                                        <p:tgtEl>
+                                          <p:spTgt spid="3">
+                                            <p:txEl>
+                                              <p:pRg st="1" end="1"/>
+                                            </p:txEl>
+                                          </p:spTgt>
+                                        </p:tgtEl>
+                                        <p:attrNameLst>
+                                          <p:attrName>style.visibility</p:attrName>
+                                        </p:attrNameLst>
+                                      </p:cBhvr>
+                                      <p:to>
+                                        <p:strVal val="visible"/>
+                                      </p:to>
+                                    </p:set>
+                                    <p:animEffect transition="in" filter="fade">
+                                      <p:cBhvr>
+                                        <p:cTn id="12" dur="500"/>
+                                        <p:tgtEl>
+                                          <p:spTgt spid="3">
+                                            <p:txEl>
+                                              <p:pRg st="1" end="1"/>
+                                            </p:txEl>
+                                          </p:spTgt>
+                                        </p:tgtEl>
+                                      </p:cBhvr>
+                                    </p:animEffect>
+                                  </p:childTnLst>
+                                </p:cTn>
+                              </p:par>
+                            </p:childTnLst>
+                          </p:cTn>
+                        </p:par>
+                      </p:childTnLst>
+                    </p:cTn>
+                  </p:par>
+                  <p:par>
+                    <p:cTn id="13" fill="hold">
+                      <p:stCondLst>
+                        <p:cond delay="indefinite"/>
+                      </p:stCondLst>
+                      <p:childTnLst>
+                        <p:par>
+                          <p:cTn id="14" fill="hold">
+                            <p:stCondLst>
+                              <p:cond delay="0"/>
+                            </p:stCondLst>
+                            <p:childTnLst>
+                              <p:par>
+                                <p:cTn id="15" presetID="10" presetClass="entr" presetSubtype="0" fill="hold" grpId="0" nodeType="clickEffect">
+                                  <p:stCondLst>
+                                    <p:cond delay="0"/>
+                                  </p:stCondLst>
+                                  <p:childTnLst>
+                                    <p:set>
+                                      <p:cBhvr>
+                                        <p:cTn id="16" dur="1" fill="hold">
+                                          <p:stCondLst>
+                                            <p:cond delay="0"/>
+                                          </p:stCondLst>
+                                        </p:cTn>
+                                        <p:tgtEl>
+                                          <p:spTgt spid="3">
+                                            <p:txEl>
+                                              <p:pRg st="2" end="2"/>
+                                            </p:txEl>
+                                          </p:spTgt>
+                                        </p:tgtEl>
+                                        <p:attrNameLst>
+                                          <p:attrName>style.visibility</p:attrName>
+                                        </p:attrNameLst>
+                                      </p:cBhvr>
+                                      <p:to>
+                                        <p:strVal val="visible"/>
+                                      </p:to>
+                                    </p:set>
+                                    <p:animEffect transition="in" filter="fade">
+                                      <p:cBhvr>
+                                        <p:cTn id="17" dur="500"/>
+                                        <p:tgtEl>
+                                          <p:spTgt spid="3">
+                                            <p:txEl>
+                                              <p:pRg st="2" end="2"/>
+                                            </p:txEl>
+                                          </p:spTgt>
+                                        </p:tgtEl>
+                                      </p:cBhvr>
+                                    </p:animEffect>
+                                  </p:childTnLst>
+                                </p:cTn>
+                              </p:par>
+                              <p:par>
+                                <p:cTn id="18" presetID="10" presetClass="entr" presetSubtype="0" fill="hold" grpId="0" nodeType="withEffect">
+                                  <p:stCondLst>
+                                    <p:cond delay="0"/>
+                                  </p:stCondLst>
+                                  <p:childTnLst>
+                                    <p:set>
+                                      <p:cBhvr>
+                                        <p:cTn id="19" dur="1" fill="hold">
+                                          <p:stCondLst>
+                                            <p:cond delay="0"/>
+                                          </p:stCondLst>
+                                        </p:cTn>
+                                        <p:tgtEl>
+                                          <p:spTgt spid="3">
+                                            <p:txEl>
+                                              <p:pRg st="3" end="3"/>
+                                            </p:txEl>
+                                          </p:spTgt>
+                                        </p:tgtEl>
+                                        <p:attrNameLst>
+                                          <p:attrName>style.visibility</p:attrName>
+                                        </p:attrNameLst>
+                                      </p:cBhvr>
+                                      <p:to>
+                                        <p:strVal val="visible"/>
+                                      </p:to>
+                                    </p:set>
+                                    <p:animEffect transition="in" filter="fade">
+                                      <p:cBhvr>
+                                        <p:cTn id="20" dur="500"/>
+                                        <p:tgtEl>
+                                          <p:spTgt spid="3">
+                                            <p:txEl>
+                                              <p:pRg st="3" end="3"/>
+                                            </p:txEl>
+                                          </p:spTgt>
+                                        </p:tgtEl>
+                                      </p:cBhvr>
+                                    </p:animEffect>
+                                  </p:childTnLst>
+                                </p:cTn>
+                              </p:par>
+                              <p:par>
+                                <p:cTn id="21" presetID="10" presetClass="entr" presetSubtype="0" fill="hold" grpId="0" nodeType="withEffect">
+                                  <p:stCondLst>
+                                    <p:cond delay="0"/>
+                                  </p:stCondLst>
+                                  <p:childTnLst>
+                                    <p:set>
+                                      <p:cBhvr>
+                                        <p:cTn id="22" dur="1" fill="hold">
+                                          <p:stCondLst>
+                                            <p:cond delay="0"/>
+                                          </p:stCondLst>
+                                        </p:cTn>
+                                        <p:tgtEl>
+                                          <p:spTgt spid="3">
+                                            <p:txEl>
+                                              <p:pRg st="4" end="4"/>
+                                            </p:txEl>
+                                          </p:spTgt>
+                                        </p:tgtEl>
+                                        <p:attrNameLst>
+                                          <p:attrName>style.visibility</p:attrName>
+                                        </p:attrNameLst>
+                                      </p:cBhvr>
+                                      <p:to>
+                                        <p:strVal val="visible"/>
+                                      </p:to>
+                                    </p:set>
+                                    <p:animEffect transition="in" filter="fade">
+                                      <p:cBhvr>
+                                        <p:cTn id="23" dur="500"/>
+                                        <p:tgtEl>
+                                          <p:spTgt spid="3">
+                                            <p:txEl>
+                                              <p:pRg st="4" end="4"/>
+                                            </p:txEl>
+                                          </p:spTgt>
+                                        </p:tgtEl>
+                                      </p:cBhvr>
+                                    </p:animEffect>
+                                  </p:childTnLst>
+                                </p:cTn>
+                              </p:par>
+                              <p:par>
+                                <p:cTn id="24" presetID="10" presetClass="entr" presetSubtype="0" fill="hold" grpId="0" nodeType="withEffect">
+                                  <p:stCondLst>
+                                    <p:cond delay="0"/>
+                                  </p:stCondLst>
+                                  <p:childTnLst>
+                                    <p:set>
+                                      <p:cBhvr>
+                                        <p:cTn id="25" dur="1" fill="hold">
+                                          <p:stCondLst>
+                                            <p:cond delay="0"/>
+                                          </p:stCondLst>
+                                        </p:cTn>
+                                        <p:tgtEl>
+                                          <p:spTgt spid="3">
+                                            <p:txEl>
+                                              <p:pRg st="5" end="5"/>
+                                            </p:txEl>
+                                          </p:spTgt>
+                                        </p:tgtEl>
+                                        <p:attrNameLst>
+                                          <p:attrName>style.visibility</p:attrName>
+                                        </p:attrNameLst>
+                                      </p:cBhvr>
+                                      <p:to>
+                                        <p:strVal val="visible"/>
+                                      </p:to>
+                                    </p:set>
+                                    <p:animEffect transition="in" filter="fade">
+                                      <p:cBhvr>
+                                        <p:cTn id="26" dur="500"/>
+                                        <p:tgtEl>
+                                          <p:spTgt spid="3">
+                                            <p:txEl>
+                                              <p:pRg st="5" end="5"/>
+                                            </p:txEl>
+                                          </p:spTgt>
+                                        </p:tgtEl>
+                                      </p:cBhvr>
+                                    </p:animEffect>
+                                  </p:childTnLst>
+                                </p:cTn>
+                              </p:par>
+                              <p:par>
+                                <p:cTn id="27" presetID="10" presetClass="entr" presetSubtype="0" fill="hold" grpId="0" nodeType="withEffect">
+                                  <p:stCondLst>
+                                    <p:cond delay="0"/>
+                                  </p:stCondLst>
+                                  <p:childTnLst>
+                                    <p:set>
+                                      <p:cBhvr>
+                                        <p:cTn id="28" dur="1" fill="hold">
+                                          <p:stCondLst>
+                                            <p:cond delay="0"/>
+                                          </p:stCondLst>
+                                        </p:cTn>
+                                        <p:tgtEl>
+                                          <p:spTgt spid="3">
+                                            <p:txEl>
+                                              <p:pRg st="6" end="6"/>
+                                            </p:txEl>
+                                          </p:spTgt>
+                                        </p:tgtEl>
+                                        <p:attrNameLst>
+                                          <p:attrName>style.visibility</p:attrName>
+                                        </p:attrNameLst>
+                                      </p:cBhvr>
+                                      <p:to>
+                                        <p:strVal val="visible"/>
+                                      </p:to>
+                                    </p:set>
+                                    <p:animEffect transition="in" filter="fade">
+                                      <p:cBhvr>
+                                        <p:cTn id="29" dur="500"/>
+                                        <p:tgtEl>
+                                          <p:spTgt spid="3">
+                                            <p:txEl>
+                                              <p:pRg st="6" end="6"/>
+                                            </p:txEl>
+                                          </p:spTgt>
+                                        </p:tgtEl>
+                                      </p:cBhvr>
+                                    </p:animEffect>
+                                  </p:childTnLst>
+                                </p:cTn>
+                              </p:par>
+                              <p:par>
+                                <p:cTn id="30" presetID="10" presetClass="entr" presetSubtype="0" fill="hold" grpId="0" nodeType="withEffect">
+                                  <p:stCondLst>
+                                    <p:cond delay="0"/>
+                                  </p:stCondLst>
+                                  <p:childTnLst>
+                                    <p:set>
+                                      <p:cBhvr>
+                                        <p:cTn id="31" dur="1" fill="hold">
+                                          <p:stCondLst>
+                                            <p:cond delay="0"/>
+                                          </p:stCondLst>
+                                        </p:cTn>
+                                        <p:tgtEl>
+                                          <p:spTgt spid="3">
+                                            <p:txEl>
+                                              <p:pRg st="7" end="7"/>
+                                            </p:txEl>
+                                          </p:spTgt>
+                                        </p:tgtEl>
+                                        <p:attrNameLst>
+                                          <p:attrName>style.visibility</p:attrName>
+                                        </p:attrNameLst>
+                                      </p:cBhvr>
+                                      <p:to>
+                                        <p:strVal val="visible"/>
+                                      </p:to>
+                                    </p:set>
+                                    <p:animEffect transition="in" filter="fade">
+                                      <p:cBhvr>
+                                        <p:cTn id="32" dur="500"/>
+                                        <p:tgtEl>
+                                          <p:spTgt spid="3">
+                                            <p:txEl>
+                                              <p:pRg st="7" end="7"/>
+                                            </p:txEl>
+                                          </p:spTgt>
+                                        </p:tgtEl>
+                                      </p:cBhvr>
+                                    </p:animEffect>
+                                  </p:childTnLst>
+                                </p:cTn>
+                              </p:par>
+                              <p:par>
+                                <p:cTn id="33" presetID="10" presetClass="entr" presetSubtype="0" fill="hold" grpId="0" nodeType="withEffect">
+                                  <p:stCondLst>
+                                    <p:cond delay="0"/>
+                                  </p:stCondLst>
+                                  <p:childTnLst>
+                                    <p:set>
+                                      <p:cBhvr>
+                                        <p:cTn id="34" dur="1" fill="hold">
+                                          <p:stCondLst>
+                                            <p:cond delay="0"/>
+                                          </p:stCondLst>
+                                        </p:cTn>
+                                        <p:tgtEl>
+                                          <p:spTgt spid="3">
+                                            <p:txEl>
+                                              <p:pRg st="8" end="8"/>
+                                            </p:txEl>
+                                          </p:spTgt>
+                                        </p:tgtEl>
+                                        <p:attrNameLst>
+                                          <p:attrName>style.visibility</p:attrName>
+                                        </p:attrNameLst>
+                                      </p:cBhvr>
+                                      <p:to>
+                                        <p:strVal val="visible"/>
+                                      </p:to>
+                                    </p:set>
+                                    <p:animEffect transition="in" filter="fade">
+                                      <p:cBhvr>
+                                        <p:cTn id="35" dur="500"/>
+                                        <p:tgtEl>
+                                          <p:spTgt spid="3">
+                                            <p:txEl>
+                                              <p:pRg st="8" end="8"/>
+                                            </p:txEl>
+                                          </p:spTgt>
+                                        </p:tgtEl>
+                                      </p:cBhvr>
+                                    </p:animEffect>
+                                  </p:childTnLst>
+                                </p:cTn>
+                              </p:par>
+                            </p:childTnLst>
+                          </p:cTn>
+                        </p:par>
+                      </p:childTnLst>
+                    </p:cTn>
+                  </p:par>
+                </p:childTnLst>
+              </p:cTn>
+              <p:prevCondLst>
+                <p:cond evt="onPrev" delay="0">
+                  <p:tgtEl>
+                    <p:sldTgt/>
+                  </p:tgtEl>
+                </p:cond>
+              </p:prevCondLst>
+              <p:nextCondLst>
+                <p:cond evt="onNext" delay="0">
+                  <p:tgtEl>
+                    <p:sldTgt/>
+                  </p:tgtEl>
+                </p:cond>
+              </p:nextCondLst>
+            </p:seq>
+          </p:childTnLst>
+        </p:cTn>
+      </p:par>
+    </p:tnLst>
+    <p:bldLst>
+      <p:bldP spid="3" grpId="0" build="p"/>
+    </p:bldLst>
+  </p:timing>
+</p:sld>
+</file>
+
+<file path=ppt/slides/slide28.xml><?xml version="1.0" encoding="utf-8"?>
+<p:sld xmlns:a="http://schemas.openxmlformats.org/drawingml/2006/main" xmlns:r="http://schemas.openxmlformats.org/officeDocument/2006/relationships" xmlns:p="http://schemas.openxmlformats.org/presentationml/2006/main">
+  <p:cSld>
+    <p:spTree>
+      <p:nvGrpSpPr>
+        <p:cNvPr id="1" name=""/>
+        <p:cNvGrpSpPr/>
+        <p:nvPr/>
+      </p:nvGrpSpPr>
+      <p:grpSpPr>
+        <a:xfrm>
+          <a:off x="0" y="0"/>
+          <a:ext cx="0" cy="0"/>
+          <a:chOff x="0" y="0"/>
+          <a:chExt cx="0" cy="0"/>
+        </a:xfrm>
+      </p:grpSpPr>
+      <p:sp>
+        <p:nvSpPr>
+          <p:cNvPr id="2" name="Titel 1"/>
+          <p:cNvSpPr>
+            <a:spLocks noGrp="1"/>
+          </p:cNvSpPr>
+          <p:nvPr>
+            <p:ph type="title"/>
+          </p:nvPr>
+        </p:nvSpPr>
+        <p:spPr/>
+        <p:txBody>
+          <a:bodyPr/>
+          <a:lstStyle/>
+          <a:p>
+            <a:r>
+              <a:rPr lang="de-AT" dirty="0" smtClean="0"/>
+              <a:t>CSS Inline-block</a:t>
+            </a:r>
+            <a:endParaRPr lang="en-US" dirty="0"/>
+          </a:p>
+        </p:txBody>
+      </p:sp>
+      <p:sp>
+        <p:nvSpPr>
+          <p:cNvPr id="3" name="Inhaltsplatzhalter 2"/>
+          <p:cNvSpPr>
+            <a:spLocks noGrp="1"/>
+          </p:cNvSpPr>
+          <p:nvPr>
+            <p:ph idx="1"/>
+          </p:nvPr>
+        </p:nvSpPr>
+        <p:spPr>
+          <a:xfrm>
+            <a:off x="1638300" y="2057400"/>
+            <a:ext cx="6644054" cy="4137259"/>
+          </a:xfrm>
+        </p:spPr>
+        <p:txBody>
+          <a:bodyPr>
+            <a:normAutofit lnSpcReduction="10000"/>
+          </a:bodyPr>
+          <a:lstStyle/>
+          <a:p>
+            <a:r>
+              <a:rPr lang="de-DE" b="1" dirty="0"/>
+              <a:t>b</a:t>
+            </a:r>
+            <a:r>
+              <a:rPr lang="de-DE" b="1" dirty="0" smtClean="0"/>
+              <a:t>lock</a:t>
+            </a:r>
+            <a:r>
+              <a:rPr lang="de-DE" dirty="0" smtClean="0"/>
+              <a:t> Elemente nehmen die gesamte Breite des Parent Elements ein und erzeugen einen Zeilenumbruch. Zusätzlich können Breite und Höhe angegeben werden</a:t>
+            </a:r>
+          </a:p>
+          <a:p>
+            <a:r>
+              <a:rPr lang="de-DE" b="1" dirty="0"/>
+              <a:t>i</a:t>
+            </a:r>
+            <a:r>
+              <a:rPr lang="de-DE" b="1" dirty="0" smtClean="0"/>
+              <a:t>nline</a:t>
+            </a:r>
+            <a:r>
+              <a:rPr lang="de-DE" dirty="0" smtClean="0"/>
+              <a:t> Elemente nehmen immer nur so viel Platz ein wie sie benötigen. Angabe von Breite und Höhe haben keine Auswirkungen</a:t>
+            </a:r>
+          </a:p>
+          <a:p>
+            <a:r>
+              <a:rPr lang="de-DE" dirty="0" smtClean="0"/>
+              <a:t>"</a:t>
+            </a:r>
+            <a:r>
+              <a:rPr lang="de-DE" b="1" dirty="0" smtClean="0"/>
+              <a:t>inline-block</a:t>
+            </a:r>
+            <a:r>
+              <a:rPr lang="de-DE" dirty="0" smtClean="0"/>
+              <a:t>„ kombiniert die Eigenschaften von block und inline indem:</a:t>
+            </a:r>
+          </a:p>
+          <a:p>
+            <a:pPr lvl="1"/>
+            <a:r>
+              <a:rPr lang="de-DE" dirty="0" smtClean="0"/>
+              <a:t>…es </a:t>
+            </a:r>
+            <a:r>
+              <a:rPr lang="de-DE" dirty="0"/>
+              <a:t>ermöglicht, eine Breite und Höhe für das Element </a:t>
+            </a:r>
+            <a:r>
+              <a:rPr lang="de-DE" dirty="0" smtClean="0"/>
+              <a:t>festzulegen</a:t>
+            </a:r>
+          </a:p>
+          <a:p>
+            <a:pPr lvl="1"/>
+            <a:r>
+              <a:rPr lang="de-DE" dirty="0" smtClean="0"/>
+              <a:t>…keinen Zeilenumbruch erzeugt, Elemente können nebeneinander platziert werden</a:t>
+            </a:r>
+          </a:p>
+        </p:txBody>
+      </p:sp>
+      <p:pic>
+        <p:nvPicPr>
+          <p:cNvPr id="4" name="Grafik 3"/>
+          <p:cNvPicPr>
+            <a:picLocks noChangeAspect="1"/>
+          </p:cNvPicPr>
+          <p:nvPr/>
+        </p:nvPicPr>
+        <p:blipFill>
+          <a:blip r:embed="rId2"/>
+          <a:stretch>
+            <a:fillRect/>
+          </a:stretch>
+        </p:blipFill>
+        <p:spPr>
+          <a:xfrm>
+            <a:off x="8794831" y="1751814"/>
+            <a:ext cx="2644369" cy="4442845"/>
+          </a:xfrm>
+          <a:prstGeom prst="rect">
+            <a:avLst/>
+          </a:prstGeom>
+        </p:spPr>
+      </p:pic>
+    </p:spTree>
+    <p:extLst>
+      <p:ext uri="{BB962C8B-B14F-4D97-AF65-F5344CB8AC3E}">
+        <p14:creationId xmlns:p14="http://schemas.microsoft.com/office/powerpoint/2010/main" val="217042579"/>
+      </p:ext>
+    </p:extLst>
+  </p:cSld>
+  <p:clrMapOvr>
+    <a:masterClrMapping/>
+  </p:clrMapOvr>
+  <p:timing>
+    <p:tnLst>
+      <p:par>
+        <p:cTn id="1" dur="indefinite" restart="never" nodeType="tmRoot">
+          <p:childTnLst>
+            <p:seq concurrent="1" nextAc="seek">
+              <p:cTn id="2" dur="indefinite" nodeType="mainSeq">
+                <p:childTnLst>
+                  <p:par>
+                    <p:cTn id="3" fill="hold">
+                      <p:stCondLst>
+                        <p:cond delay="indefinite"/>
+                      </p:stCondLst>
+                      <p:childTnLst>
+                        <p:par>
+                          <p:cTn id="4" fill="hold">
+                            <p:stCondLst>
+                              <p:cond delay="0"/>
+                            </p:stCondLst>
+                            <p:childTnLst>
+                              <p:par>
+                                <p:cTn id="5" presetID="10" presetClass="entr" presetSubtype="0" fill="hold" grpId="0" nodeType="clickEffect">
+                                  <p:stCondLst>
+                                    <p:cond delay="0"/>
+                                  </p:stCondLst>
+                                  <p:childTnLst>
+                                    <p:set>
+                                      <p:cBhvr>
+                                        <p:cTn id="6" dur="1" fill="hold">
+                                          <p:stCondLst>
+                                            <p:cond delay="0"/>
+                                          </p:stCondLst>
+                                        </p:cTn>
+                                        <p:tgtEl>
+                                          <p:spTgt spid="3">
+                                            <p:txEl>
+                                              <p:pRg st="0" end="0"/>
+                                            </p:txEl>
+                                          </p:spTgt>
+                                        </p:tgtEl>
+                                        <p:attrNameLst>
+                                          <p:attrName>style.visibility</p:attrName>
+                                        </p:attrNameLst>
+                                      </p:cBhvr>
+                                      <p:to>
+                                        <p:strVal val="visible"/>
+                                      </p:to>
+                                    </p:set>
+                                    <p:animEffect transition="in" filter="fade">
+                                      <p:cBhvr>
+                                        <p:cTn id="7" dur="500"/>
+                                        <p:tgtEl>
+                                          <p:spTgt spid="3">
+                                            <p:txEl>
+                                              <p:pRg st="0" end="0"/>
+                                            </p:txEl>
+                                          </p:spTgt>
+                                        </p:tgtEl>
+                                      </p:cBhvr>
+                                    </p:animEffect>
+                                  </p:childTnLst>
+                                </p:cTn>
+                              </p:par>
+                            </p:childTnLst>
+                          </p:cTn>
+                        </p:par>
+                      </p:childTnLst>
+                    </p:cTn>
+                  </p:par>
+                  <p:par>
+                    <p:cTn id="8" fill="hold">
+                      <p:stCondLst>
+                        <p:cond delay="indefinite"/>
+                      </p:stCondLst>
+                      <p:childTnLst>
+                        <p:par>
+                          <p:cTn id="9" fill="hold">
+                            <p:stCondLst>
+                              <p:cond delay="0"/>
+                            </p:stCondLst>
+                            <p:childTnLst>
+                              <p:par>
+                                <p:cTn id="10" presetID="10" presetClass="entr" presetSubtype="0" fill="hold" grpId="0" nodeType="clickEffect">
+                                  <p:stCondLst>
+                                    <p:cond delay="0"/>
+                                  </p:stCondLst>
+                                  <p:childTnLst>
+                                    <p:set>
+                                      <p:cBhvr>
+                                        <p:cTn id="11" dur="1" fill="hold">
+                                          <p:stCondLst>
+                                            <p:cond delay="0"/>
+                                          </p:stCondLst>
+                                        </p:cTn>
+                                        <p:tgtEl>
+                                          <p:spTgt spid="3">
+                                            <p:txEl>
+                                              <p:pRg st="1" end="1"/>
+                                            </p:txEl>
+                                          </p:spTgt>
+                                        </p:tgtEl>
+                                        <p:attrNameLst>
+                                          <p:attrName>style.visibility</p:attrName>
+                                        </p:attrNameLst>
+                                      </p:cBhvr>
+                                      <p:to>
+                                        <p:strVal val="visible"/>
+                                      </p:to>
+                                    </p:set>
+                                    <p:animEffect transition="in" filter="fade">
+                                      <p:cBhvr>
+                                        <p:cTn id="12" dur="500"/>
+                                        <p:tgtEl>
+                                          <p:spTgt spid="3">
+                                            <p:txEl>
+                                              <p:pRg st="1" end="1"/>
+                                            </p:txEl>
+                                          </p:spTgt>
+                                        </p:tgtEl>
+                                      </p:cBhvr>
+                                    </p:animEffect>
+                                  </p:childTnLst>
+                                </p:cTn>
+                              </p:par>
+                            </p:childTnLst>
+                          </p:cTn>
+                        </p:par>
+                      </p:childTnLst>
+                    </p:cTn>
+                  </p:par>
+                  <p:par>
+                    <p:cTn id="13" fill="hold">
+                      <p:stCondLst>
+                        <p:cond delay="indefinite"/>
+                      </p:stCondLst>
+                      <p:childTnLst>
+                        <p:par>
+                          <p:cTn id="14" fill="hold">
+                            <p:stCondLst>
+                              <p:cond delay="0"/>
+                            </p:stCondLst>
+                            <p:childTnLst>
+                              <p:par>
+                                <p:cTn id="15" presetID="10" presetClass="entr" presetSubtype="0" fill="hold" grpId="0" nodeType="clickEffect">
+                                  <p:stCondLst>
+                                    <p:cond delay="0"/>
+                                  </p:stCondLst>
+                                  <p:childTnLst>
+                                    <p:set>
+                                      <p:cBhvr>
+                                        <p:cTn id="16" dur="1" fill="hold">
+                                          <p:stCondLst>
+                                            <p:cond delay="0"/>
+                                          </p:stCondLst>
+                                        </p:cTn>
+                                        <p:tgtEl>
+                                          <p:spTgt spid="3">
+                                            <p:txEl>
+                                              <p:pRg st="2" end="2"/>
+                                            </p:txEl>
+                                          </p:spTgt>
+                                        </p:tgtEl>
+                                        <p:attrNameLst>
+                                          <p:attrName>style.visibility</p:attrName>
+                                        </p:attrNameLst>
+                                      </p:cBhvr>
+                                      <p:to>
+                                        <p:strVal val="visible"/>
+                                      </p:to>
+                                    </p:set>
+                                    <p:animEffect transition="in" filter="fade">
+                                      <p:cBhvr>
+                                        <p:cTn id="17" dur="500"/>
+                                        <p:tgtEl>
+                                          <p:spTgt spid="3">
+                                            <p:txEl>
+                                              <p:pRg st="2" end="2"/>
+                                            </p:txEl>
+                                          </p:spTgt>
+                                        </p:tgtEl>
+                                      </p:cBhvr>
+                                    </p:animEffect>
+                                  </p:childTnLst>
+                                </p:cTn>
+                              </p:par>
+                              <p:par>
+                                <p:cTn id="18" presetID="10" presetClass="entr" presetSubtype="0" fill="hold" grpId="0" nodeType="withEffect">
+                                  <p:stCondLst>
+                                    <p:cond delay="0"/>
+                                  </p:stCondLst>
+                                  <p:childTnLst>
+                                    <p:set>
+                                      <p:cBhvr>
+                                        <p:cTn id="19" dur="1" fill="hold">
+                                          <p:stCondLst>
+                                            <p:cond delay="0"/>
+                                          </p:stCondLst>
+                                        </p:cTn>
+                                        <p:tgtEl>
+                                          <p:spTgt spid="3">
+                                            <p:txEl>
+                                              <p:pRg st="3" end="3"/>
+                                            </p:txEl>
+                                          </p:spTgt>
+                                        </p:tgtEl>
+                                        <p:attrNameLst>
+                                          <p:attrName>style.visibility</p:attrName>
+                                        </p:attrNameLst>
+                                      </p:cBhvr>
+                                      <p:to>
+                                        <p:strVal val="visible"/>
+                                      </p:to>
+                                    </p:set>
+                                    <p:animEffect transition="in" filter="fade">
+                                      <p:cBhvr>
+                                        <p:cTn id="20" dur="500"/>
+                                        <p:tgtEl>
+                                          <p:spTgt spid="3">
+                                            <p:txEl>
+                                              <p:pRg st="3" end="3"/>
+                                            </p:txEl>
+                                          </p:spTgt>
+                                        </p:tgtEl>
+                                      </p:cBhvr>
+                                    </p:animEffect>
+                                  </p:childTnLst>
+                                </p:cTn>
+                              </p:par>
+                              <p:par>
+                                <p:cTn id="21" presetID="10" presetClass="entr" presetSubtype="0" fill="hold" grpId="0" nodeType="withEffect">
+                                  <p:stCondLst>
+                                    <p:cond delay="0"/>
+                                  </p:stCondLst>
+                                  <p:childTnLst>
+                                    <p:set>
+                                      <p:cBhvr>
+                                        <p:cTn id="22" dur="1" fill="hold">
+                                          <p:stCondLst>
+                                            <p:cond delay="0"/>
+                                          </p:stCondLst>
+                                        </p:cTn>
+                                        <p:tgtEl>
+                                          <p:spTgt spid="3">
+                                            <p:txEl>
+                                              <p:pRg st="4" end="4"/>
+                                            </p:txEl>
+                                          </p:spTgt>
+                                        </p:tgtEl>
+                                        <p:attrNameLst>
+                                          <p:attrName>style.visibility</p:attrName>
+                                        </p:attrNameLst>
+                                      </p:cBhvr>
+                                      <p:to>
+                                        <p:strVal val="visible"/>
+                                      </p:to>
+                                    </p:set>
+                                    <p:animEffect transition="in" filter="fade">
+                                      <p:cBhvr>
+                                        <p:cTn id="23" dur="500"/>
+                                        <p:tgtEl>
+                                          <p:spTgt spid="3">
+                                            <p:txEl>
+                                              <p:pRg st="4" end="4"/>
+                                            </p:txEl>
+                                          </p:spTgt>
+                                        </p:tgtEl>
+                                      </p:cBhvr>
+                                    </p:animEffect>
+                                  </p:childTnLst>
+                                </p:cTn>
+                              </p:par>
+                            </p:childTnLst>
+                          </p:cTn>
+                        </p:par>
+                      </p:childTnLst>
+                    </p:cTn>
+                  </p:par>
+                </p:childTnLst>
+              </p:cTn>
+              <p:prevCondLst>
+                <p:cond evt="onPrev" delay="0">
+                  <p:tgtEl>
+                    <p:sldTgt/>
+                  </p:tgtEl>
+                </p:cond>
+              </p:prevCondLst>
+              <p:nextCondLst>
+                <p:cond evt="onNext" delay="0">
+                  <p:tgtEl>
+                    <p:sldTgt/>
+                  </p:tgtEl>
+                </p:cond>
+              </p:nextCondLst>
+            </p:seq>
+          </p:childTnLst>
+        </p:cTn>
+      </p:par>
+    </p:tnLst>
+    <p:bldLst>
+      <p:bldP spid="3" grpId="0" build="p"/>
+    </p:bldLst>
+  </p:timing>
+</p:sld>
+</file>
+
+<file path=ppt/slides/slide29.xml><?xml version="1.0" encoding="utf-8"?>
+<p:sld xmlns:a="http://schemas.openxmlformats.org/drawingml/2006/main" xmlns:r="http://schemas.openxmlformats.org/officeDocument/2006/relationships" xmlns:p="http://schemas.openxmlformats.org/presentationml/2006/main">
+  <p:cSld>
+    <p:spTree>
+      <p:nvGrpSpPr>
+        <p:cNvPr id="1" name=""/>
+        <p:cNvGrpSpPr/>
+        <p:nvPr/>
+      </p:nvGrpSpPr>
+      <p:grpSpPr>
+        <a:xfrm>
+          <a:off x="0" y="0"/>
+          <a:ext cx="0" cy="0"/>
+          <a:chOff x="0" y="0"/>
+          <a:chExt cx="0" cy="0"/>
+        </a:xfrm>
+      </p:grpSpPr>
+      <p:sp>
+        <p:nvSpPr>
+          <p:cNvPr id="2" name="Titel 1"/>
+          <p:cNvSpPr>
+            <a:spLocks noGrp="1"/>
+          </p:cNvSpPr>
+          <p:nvPr>
+            <p:ph type="title"/>
+          </p:nvPr>
+        </p:nvSpPr>
+        <p:spPr/>
+        <p:txBody>
+          <a:bodyPr/>
+          <a:lstStyle/>
+          <a:p>
+            <a:r>
+              <a:rPr lang="de-AT" dirty="0" smtClean="0"/>
+              <a:t>CSS </a:t>
+            </a:r>
+            <a:r>
+              <a:rPr lang="de-AT" dirty="0" err="1" smtClean="0"/>
+              <a:t>Float</a:t>
+            </a:r>
+            <a:r>
+              <a:rPr lang="de-AT" dirty="0" smtClean="0"/>
+              <a:t> &amp; Clear</a:t>
+            </a:r>
+            <a:endParaRPr lang="en-US" dirty="0"/>
+          </a:p>
+        </p:txBody>
+      </p:sp>
+      <p:sp>
+        <p:nvSpPr>
+          <p:cNvPr id="7" name="Inhaltsplatzhalter 6"/>
+          <p:cNvSpPr>
+            <a:spLocks noGrp="1"/>
+          </p:cNvSpPr>
+          <p:nvPr>
+            <p:ph idx="1"/>
+          </p:nvPr>
+        </p:nvSpPr>
+        <p:spPr>
+          <a:xfrm>
+            <a:off x="1638299" y="1890346"/>
+            <a:ext cx="8915402" cy="4137259"/>
+          </a:xfrm>
+        </p:spPr>
+        <p:txBody>
+          <a:bodyPr/>
+          <a:lstStyle/>
+          <a:p>
+            <a:r>
+              <a:rPr lang="de-DE" dirty="0"/>
+              <a:t>Die CSS-Eigenschaft "</a:t>
+            </a:r>
+            <a:r>
+              <a:rPr lang="de-DE" dirty="0" err="1"/>
+              <a:t>float</a:t>
+            </a:r>
+            <a:r>
+              <a:rPr lang="de-DE" dirty="0"/>
+              <a:t>" legt fest, wie ein Element </a:t>
+            </a:r>
+            <a:r>
+              <a:rPr lang="de-DE" dirty="0" smtClean="0"/>
+              <a:t>in das restliche HTML eingebettet (umfließend) werden soll </a:t>
+            </a:r>
+            <a:endParaRPr lang="de-DE" dirty="0"/>
+          </a:p>
+          <a:p>
+            <a:r>
+              <a:rPr lang="de-DE" dirty="0"/>
+              <a:t>Die CSS-Eigenschaft "</a:t>
+            </a:r>
+            <a:r>
+              <a:rPr lang="de-DE" dirty="0" err="1"/>
+              <a:t>clear</a:t>
+            </a:r>
+            <a:r>
+              <a:rPr lang="de-DE" dirty="0"/>
+              <a:t>" </a:t>
+            </a:r>
+            <a:r>
+              <a:rPr lang="de-DE" dirty="0" smtClean="0"/>
+              <a:t>gibt an, neben welchen Elementen das geklärte Element schweben kann und auf welcher Seite es dies tun sollte.</a:t>
+            </a:r>
+            <a:endParaRPr lang="en-US" dirty="0"/>
+          </a:p>
+        </p:txBody>
+      </p:sp>
+      <p:pic>
+        <p:nvPicPr>
+          <p:cNvPr id="4" name="Grafik 3"/>
+          <p:cNvPicPr>
+            <a:picLocks noChangeAspect="1"/>
+          </p:cNvPicPr>
+          <p:nvPr/>
+        </p:nvPicPr>
+        <p:blipFill rotWithShape="1">
+          <a:blip r:embed="rId2"/>
+          <a:srcRect r="56920"/>
+          <a:stretch/>
+        </p:blipFill>
+        <p:spPr>
+          <a:xfrm>
+            <a:off x="2553690" y="3710352"/>
+            <a:ext cx="2985461" cy="2576147"/>
+          </a:xfrm>
+          <a:prstGeom prst="rect">
+            <a:avLst/>
+          </a:prstGeom>
+        </p:spPr>
+      </p:pic>
+      <p:pic>
+        <p:nvPicPr>
+          <p:cNvPr id="5" name="Grafik 4"/>
+          <p:cNvPicPr>
+            <a:picLocks noChangeAspect="1"/>
+          </p:cNvPicPr>
+          <p:nvPr/>
+        </p:nvPicPr>
+        <p:blipFill rotWithShape="1">
+          <a:blip r:embed="rId2"/>
+          <a:srcRect l="43171"/>
+          <a:stretch/>
+        </p:blipFill>
+        <p:spPr>
+          <a:xfrm>
+            <a:off x="5539151" y="3710352"/>
+            <a:ext cx="3938311" cy="2576147"/>
+          </a:xfrm>
+          <a:prstGeom prst="rect">
+            <a:avLst/>
+          </a:prstGeom>
+        </p:spPr>
+      </p:pic>
+    </p:spTree>
+    <p:extLst>
+      <p:ext uri="{BB962C8B-B14F-4D97-AF65-F5344CB8AC3E}">
+        <p14:creationId xmlns:p14="http://schemas.microsoft.com/office/powerpoint/2010/main" val="3848218064"/>
+      </p:ext>
+    </p:extLst>
+  </p:cSld>
+  <p:clrMapOvr>
+    <a:masterClrMapping/>
+  </p:clrMapOvr>
+  <p:timing>
+    <p:tnLst>
+      <p:par>
+        <p:cTn id="1" dur="indefinite" restart="never" nodeType="tmRoot">
+          <p:childTnLst>
+            <p:seq concurrent="1" nextAc="seek">
+              <p:cTn id="2" dur="indefinite" nodeType="mainSeq">
+                <p:childTnLst>
+                  <p:par>
+                    <p:cTn id="3" fill="hold">
+                      <p:stCondLst>
+                        <p:cond delay="indefinite"/>
+                      </p:stCondLst>
+                      <p:childTnLst>
+                        <p:par>
+                          <p:cTn id="4" fill="hold">
+                            <p:stCondLst>
+                              <p:cond delay="0"/>
+                            </p:stCondLst>
+                            <p:childTnLst>
+                              <p:par>
+                                <p:cTn id="5" presetID="10" presetClass="entr" presetSubtype="0" fill="hold" grpId="0" nodeType="clickEffect">
+                                  <p:stCondLst>
+                                    <p:cond delay="0"/>
+                                  </p:stCondLst>
+                                  <p:childTnLst>
+                                    <p:set>
+                                      <p:cBhvr>
+                                        <p:cTn id="6" dur="1" fill="hold">
+                                          <p:stCondLst>
+                                            <p:cond delay="0"/>
+                                          </p:stCondLst>
+                                        </p:cTn>
+                                        <p:tgtEl>
+                                          <p:spTgt spid="7">
+                                            <p:txEl>
+                                              <p:pRg st="0" end="0"/>
+                                            </p:txEl>
+                                          </p:spTgt>
+                                        </p:tgtEl>
+                                        <p:attrNameLst>
+                                          <p:attrName>style.visibility</p:attrName>
+                                        </p:attrNameLst>
+                                      </p:cBhvr>
+                                      <p:to>
+                                        <p:strVal val="visible"/>
+                                      </p:to>
+                                    </p:set>
+                                    <p:animEffect transition="in" filter="fade">
+                                      <p:cBhvr>
+                                        <p:cTn id="7" dur="500"/>
+                                        <p:tgtEl>
+                                          <p:spTgt spid="7">
+                                            <p:txEl>
+                                              <p:pRg st="0" end="0"/>
+                                            </p:txEl>
+                                          </p:spTgt>
+                                        </p:tgtEl>
+                                      </p:cBhvr>
+                                    </p:animEffect>
+                                  </p:childTnLst>
+                                </p:cTn>
+                              </p:par>
+                            </p:childTnLst>
+                          </p:cTn>
+                        </p:par>
+                      </p:childTnLst>
+                    </p:cTn>
+                  </p:par>
+                  <p:par>
+                    <p:cTn id="8" fill="hold">
+                      <p:stCondLst>
+                        <p:cond delay="indefinite"/>
+                      </p:stCondLst>
+                      <p:childTnLst>
+                        <p:par>
+                          <p:cTn id="9" fill="hold">
+                            <p:stCondLst>
+                              <p:cond delay="0"/>
+                            </p:stCondLst>
+                            <p:childTnLst>
+                              <p:par>
+                                <p:cTn id="10" presetID="10" presetClass="entr" presetSubtype="0" fill="hold" grpId="0" nodeType="clickEffect">
+                                  <p:stCondLst>
+                                    <p:cond delay="0"/>
+                                  </p:stCondLst>
+                                  <p:childTnLst>
+                                    <p:set>
+                                      <p:cBhvr>
+                                        <p:cTn id="11" dur="1" fill="hold">
+                                          <p:stCondLst>
+                                            <p:cond delay="0"/>
+                                          </p:stCondLst>
+                                        </p:cTn>
+                                        <p:tgtEl>
+                                          <p:spTgt spid="7">
+                                            <p:txEl>
+                                              <p:pRg st="1" end="1"/>
+                                            </p:txEl>
+                                          </p:spTgt>
+                                        </p:tgtEl>
+                                        <p:attrNameLst>
+                                          <p:attrName>style.visibility</p:attrName>
+                                        </p:attrNameLst>
+                                      </p:cBhvr>
+                                      <p:to>
+                                        <p:strVal val="visible"/>
+                                      </p:to>
+                                    </p:set>
+                                    <p:animEffect transition="in" filter="fade">
+                                      <p:cBhvr>
+                                        <p:cTn id="12" dur="500"/>
+                                        <p:tgtEl>
+                                          <p:spTgt spid="7">
+                                            <p:txEl>
+                                              <p:pRg st="1" end="1"/>
+                                            </p:txEl>
+                                          </p:spTgt>
+                                        </p:tgtEl>
+                                      </p:cBhvr>
+                                    </p:animEffect>
+                                  </p:childTnLst>
+                                </p:cTn>
+                              </p:par>
+                            </p:childTnLst>
+                          </p:cTn>
+                        </p:par>
+                      </p:childTnLst>
+                    </p:cTn>
+                  </p:par>
+                  <p:par>
+                    <p:cTn id="13" fill="hold">
+                      <p:stCondLst>
+                        <p:cond delay="indefinite"/>
+                      </p:stCondLst>
+                      <p:childTnLst>
+                        <p:par>
+                          <p:cTn id="14" fill="hold">
+                            <p:stCondLst>
+                              <p:cond delay="0"/>
+                            </p:stCondLst>
+                            <p:childTnLst>
+                              <p:par>
+                                <p:cTn id="15" presetID="10" presetClass="entr" presetSubtype="0" fill="hold" nodeType="clickEffect">
+                                  <p:stCondLst>
+                                    <p:cond delay="0"/>
+                                  </p:stCondLst>
+                                  <p:childTnLst>
+                                    <p:set>
+                                      <p:cBhvr>
+                                        <p:cTn id="16" dur="1" fill="hold">
+                                          <p:stCondLst>
+                                            <p:cond delay="0"/>
+                                          </p:stCondLst>
+                                        </p:cTn>
+                                        <p:tgtEl>
+                                          <p:spTgt spid="4"/>
+                                        </p:tgtEl>
+                                        <p:attrNameLst>
+                                          <p:attrName>style.visibility</p:attrName>
+                                        </p:attrNameLst>
+                                      </p:cBhvr>
+                                      <p:to>
+                                        <p:strVal val="visible"/>
+                                      </p:to>
+                                    </p:set>
+                                    <p:animEffect transition="in" filter="fade">
+                                      <p:cBhvr>
+                                        <p:cTn id="17" dur="500"/>
+                                        <p:tgtEl>
+                                          <p:spTgt spid="4"/>
+                                        </p:tgtEl>
+                                      </p:cBhvr>
+                                    </p:animEffect>
+                                  </p:childTnLst>
+                                </p:cTn>
+                              </p:par>
+                            </p:childTnLst>
+                          </p:cTn>
+                        </p:par>
+                      </p:childTnLst>
+                    </p:cTn>
+                  </p:par>
+                  <p:par>
+                    <p:cTn id="18" fill="hold">
+                      <p:stCondLst>
+                        <p:cond delay="indefinite"/>
+                      </p:stCondLst>
+                      <p:childTnLst>
+                        <p:par>
+                          <p:cTn id="19" fill="hold">
+                            <p:stCondLst>
+                              <p:cond delay="0"/>
+                            </p:stCondLst>
+                            <p:childTnLst>
+                              <p:par>
+                                <p:cTn id="20" presetID="10" presetClass="entr" presetSubtype="0" fill="hold" nodeType="clickEffect">
+                                  <p:stCondLst>
+                                    <p:cond delay="0"/>
+                                  </p:stCondLst>
+                                  <p:childTnLst>
+                                    <p:set>
+                                      <p:cBhvr>
+                                        <p:cTn id="21" dur="1" fill="hold">
+                                          <p:stCondLst>
+                                            <p:cond delay="0"/>
+                                          </p:stCondLst>
+                                        </p:cTn>
+                                        <p:tgtEl>
+                                          <p:spTgt spid="5"/>
+                                        </p:tgtEl>
+                                        <p:attrNameLst>
+                                          <p:attrName>style.visibility</p:attrName>
+                                        </p:attrNameLst>
+                                      </p:cBhvr>
+                                      <p:to>
+                                        <p:strVal val="visible"/>
+                                      </p:to>
+                                    </p:set>
+                                    <p:animEffect transition="in" filter="fade">
+                                      <p:cBhvr>
+                                        <p:cTn id="22" dur="500"/>
+                                        <p:tgtEl>
+                                          <p:spTgt spid="5"/>
+                                        </p:tgtEl>
+                                      </p:cBhvr>
+                                    </p:animEffect>
+                                  </p:childTnLst>
+                                </p:cTn>
+                              </p:par>
+                            </p:childTnLst>
+                          </p:cTn>
+                        </p:par>
+                      </p:childTnLst>
+                    </p:cTn>
+                  </p:par>
+                </p:childTnLst>
+              </p:cTn>
+              <p:prevCondLst>
+                <p:cond evt="onPrev" delay="0">
+                  <p:tgtEl>
+                    <p:sldTgt/>
+                  </p:tgtEl>
+                </p:cond>
+              </p:prevCondLst>
+              <p:nextCondLst>
+                <p:cond evt="onNext" delay="0">
+                  <p:tgtEl>
+                    <p:sldTgt/>
+                  </p:tgtEl>
+                </p:cond>
+              </p:nextCondLst>
+            </p:seq>
+          </p:childTnLst>
+        </p:cTn>
+      </p:par>
+    </p:tnLst>
+    <p:bldLst>
+      <p:bldP spid="7" grpId="0" build="p"/>
+    </p:bldLst>
+  </p:timing>
+</p:sld>
+</file>
+
+<file path=ppt/slides/slide3.xml><?xml version="1.0" encoding="utf-8"?>
+<p:sld xmlns:a="http://schemas.openxmlformats.org/drawingml/2006/main" xmlns:r="http://schemas.openxmlformats.org/officeDocument/2006/relationships" xmlns:p="http://schemas.openxmlformats.org/presentationml/2006/main">
+  <p:cSld>
+    <p:bg>
+      <p:bgPr>
+        <a:solidFill>
+          <a:schemeClr val="bg1"/>
+        </a:solidFill>
+        <a:effectLst/>
+      </p:bgPr>
+    </p:bg>
+    <p:spTree>
+      <p:nvGrpSpPr>
+        <p:cNvPr id="1" name=""/>
+        <p:cNvGrpSpPr/>
+        <p:nvPr/>
+      </p:nvGrpSpPr>
+      <p:grpSpPr>
+        <a:xfrm>
+          <a:off x="0" y="0"/>
+          <a:ext cx="0" cy="0"/>
+          <a:chOff x="0" y="0"/>
+          <a:chExt cx="0" cy="0"/>
+        </a:xfrm>
+      </p:grpSpPr>
+      <p:sp>
+        <p:nvSpPr>
+          <p:cNvPr id="9" name="Rectangle 8">
+            <a:extLst>
+              <a:ext uri="{FF2B5EF4-FFF2-40B4-BE49-F238E27FC236}">
+                <a16:creationId xmlns:a16="http://schemas.microsoft.com/office/drawing/2014/main" id="{BE229233-9672-4675-99B7-6CBCEF1CD415}"/>
+              </a:ext>
+              <a:ext uri="{C183D7F6-B498-43B3-948B-1728B52AA6E4}">
+                <adec:decorative xmlns="" xmlns:adec="http://schemas.microsoft.com/office/drawing/2017/decorative" val="1"/>
+              </a:ext>
+            </a:extLst>
+          </p:cNvPr>
+          <p:cNvSpPr>
+            <a:spLocks noGrp="1" noRot="1" noChangeAspect="1" noMove="1" noResize="1" noEditPoints="1" noAdjustHandles="1" noChangeArrowheads="1" noChangeShapeType="1" noTextEdit="1"/>
+          </p:cNvSpPr>
+          <p:nvPr>
+            <p:extLst>
+              <p:ext uri="{386F3935-93C4-4BCD-93E2-E3B085C9AB24}">
+                <p16:designElem xmlns:p16="http://schemas.microsoft.com/office/powerpoint/2015/main" val="1"/>
+              </p:ext>
+            </p:extLst>
+          </p:nvPr>
+        </p:nvSpPr>
+        <p:spPr>
+          <a:xfrm>
+            <a:off x="0" y="0"/>
+            <a:ext cx="12192000" cy="6858000"/>
+          </a:xfrm>
+          <a:prstGeom prst="rect">
+            <a:avLst/>
+          </a:prstGeom>
+          <a:solidFill>
+            <a:schemeClr val="bg1"/>
+          </a:solidFill>
+          <a:ln w="12700" cap="flat" cmpd="sng" algn="ctr">
+            <a:noFill/>
+            <a:prstDash val="solid"/>
+            <a:miter lim="800000"/>
+          </a:ln>
+          <a:effectLst/>
+        </p:spPr>
+        <p:style>
+          <a:lnRef idx="2">
+            <a:schemeClr val="accent1">
+              <a:shade val="50000"/>
+            </a:schemeClr>
+          </a:lnRef>
+          <a:fillRef idx="1">
+            <a:schemeClr val="accent1"/>
+          </a:fillRef>
+          <a:effectRef idx="0">
+            <a:schemeClr val="accent1"/>
+          </a:effectRef>
+          <a:fontRef idx="minor">
+            <a:schemeClr val="lt1"/>
+          </a:fontRef>
+        </p:style>
+        <p:txBody>
+          <a:bodyPr rtlCol="0" anchor="ctr"/>
+          <a:lstStyle/>
+          <a:p>
+            <a:pPr algn="ctr"/>
+            <a:endParaRPr lang="en-US"/>
+          </a:p>
+        </p:txBody>
+      </p:sp>
+      <p:pic>
+        <p:nvPicPr>
+          <p:cNvPr id="4" name="Picture 3" descr="Ein Bild, das Screenshot, Wasser, Blau, unterwasser enthält.&#10;&#10;Automatisch generierte Beschreibung">
+            <a:extLst>
+              <a:ext uri="{FF2B5EF4-FFF2-40B4-BE49-F238E27FC236}">
+                <a16:creationId xmlns:a16="http://schemas.microsoft.com/office/drawing/2014/main" id="{8888D5D7-5569-BBD7-CF94-2A7F62111266}"/>
+              </a:ext>
+            </a:extLst>
+          </p:cNvPr>
+          <p:cNvPicPr>
+            <a:picLocks noChangeAspect="1"/>
+          </p:cNvPicPr>
+          <p:nvPr/>
+        </p:nvPicPr>
+        <p:blipFill rotWithShape="1">
+          <a:blip r:embed="rId2"/>
+          <a:srcRect l="154" r="33284"/>
+          <a:stretch/>
+        </p:blipFill>
+        <p:spPr>
+          <a:xfrm>
+            <a:off x="20" y="-2"/>
+            <a:ext cx="8115280" cy="6858001"/>
+          </a:xfrm>
+          <a:prstGeom prst="rect">
+            <a:avLst/>
+          </a:prstGeom>
+        </p:spPr>
+      </p:pic>
+      <p:sp>
+        <p:nvSpPr>
+          <p:cNvPr id="11" name="Rectangle 10">
+            <a:extLst>
+              <a:ext uri="{FF2B5EF4-FFF2-40B4-BE49-F238E27FC236}">
+                <a16:creationId xmlns:a16="http://schemas.microsoft.com/office/drawing/2014/main" id="{EC5FF010-B53C-46BE-BEEF-AF926A00F67F}"/>
+              </a:ext>
+              <a:ext uri="{C183D7F6-B498-43B3-948B-1728B52AA6E4}">
+                <adec:decorative xmlns="" xmlns:adec="http://schemas.microsoft.com/office/drawing/2017/decorative" val="1"/>
+              </a:ext>
+            </a:extLst>
+          </p:cNvPr>
+          <p:cNvSpPr>
+            <a:spLocks noGrp="1" noRot="1" noChangeAspect="1" noMove="1" noResize="1" noEditPoints="1" noAdjustHandles="1" noChangeArrowheads="1" noChangeShapeType="1" noTextEdit="1"/>
+          </p:cNvSpPr>
+          <p:nvPr>
+            <p:extLst>
+              <p:ext uri="{386F3935-93C4-4BCD-93E2-E3B085C9AB24}">
+                <p16:designElem xmlns:p16="http://schemas.microsoft.com/office/powerpoint/2015/main" val="1"/>
+              </p:ext>
+            </p:extLst>
+          </p:nvPr>
+        </p:nvSpPr>
+        <p:spPr>
+          <a:xfrm>
+            <a:off x="3238500" y="2057400"/>
+            <a:ext cx="4876800" cy="2743201"/>
+          </a:xfrm>
+          <a:prstGeom prst="rect">
+            <a:avLst/>
+          </a:prstGeom>
+          <a:solidFill>
+            <a:schemeClr val="bg1"/>
+          </a:solidFill>
+          <a:ln w="12700" cap="flat" cmpd="sng" algn="ctr">
+            <a:noFill/>
+            <a:prstDash val="solid"/>
+            <a:miter lim="800000"/>
+          </a:ln>
+          <a:effectLst/>
+        </p:spPr>
+        <p:style>
+          <a:lnRef idx="2">
+            <a:schemeClr val="accent1">
+              <a:shade val="50000"/>
+            </a:schemeClr>
+          </a:lnRef>
+          <a:fillRef idx="1">
+            <a:schemeClr val="accent1"/>
+          </a:fillRef>
+          <a:effectRef idx="0">
+            <a:schemeClr val="accent1"/>
+          </a:effectRef>
+          <a:fontRef idx="minor">
+            <a:schemeClr val="lt1"/>
+          </a:fontRef>
+        </p:style>
+        <p:txBody>
+          <a:bodyPr rtlCol="0" anchor="ctr"/>
+          <a:lstStyle/>
+          <a:p>
+            <a:pPr algn="ctr"/>
+            <a:endParaRPr lang="en-US"/>
+          </a:p>
+        </p:txBody>
+      </p:sp>
+      <p:sp>
+        <p:nvSpPr>
+          <p:cNvPr id="13" name="Rectangle 12">
+            <a:extLst>
+              <a:ext uri="{FF2B5EF4-FFF2-40B4-BE49-F238E27FC236}">
+                <a16:creationId xmlns:a16="http://schemas.microsoft.com/office/drawing/2014/main" id="{8509AD9C-1F43-4138-A72B-8CA988EDD475}"/>
+              </a:ext>
+              <a:ext uri="{C183D7F6-B498-43B3-948B-1728B52AA6E4}">
+                <adec:decorative xmlns="" xmlns:adec="http://schemas.microsoft.com/office/drawing/2017/decorative" val="1"/>
+              </a:ext>
+            </a:extLst>
+          </p:cNvPr>
+          <p:cNvSpPr>
+            <a:spLocks noGrp="1" noRot="1" noChangeAspect="1" noMove="1" noResize="1" noEditPoints="1" noAdjustHandles="1" noChangeArrowheads="1" noChangeShapeType="1" noTextEdit="1"/>
+          </p:cNvSpPr>
+          <p:nvPr>
+            <p:extLst>
+              <p:ext uri="{386F3935-93C4-4BCD-93E2-E3B085C9AB24}">
+                <p16:designElem xmlns:p16="http://schemas.microsoft.com/office/powerpoint/2015/main" val="1"/>
+              </p:ext>
+            </p:extLst>
+          </p:nvPr>
+        </p:nvSpPr>
+        <p:spPr>
+          <a:xfrm>
+            <a:off x="8115300" y="2057400"/>
+            <a:ext cx="3276600" cy="2743201"/>
+          </a:xfrm>
+          <a:prstGeom prst="rect">
+            <a:avLst/>
+          </a:prstGeom>
+          <a:solidFill>
+            <a:schemeClr val="bg2"/>
+          </a:solidFill>
+          <a:ln w="12700" cap="flat" cmpd="sng" algn="ctr">
+            <a:noFill/>
+            <a:prstDash val="solid"/>
+            <a:miter lim="800000"/>
+          </a:ln>
+          <a:effectLst/>
+        </p:spPr>
+        <p:style>
+          <a:lnRef idx="2">
+            <a:schemeClr val="accent1">
+              <a:shade val="50000"/>
+            </a:schemeClr>
+          </a:lnRef>
+          <a:fillRef idx="1">
+            <a:schemeClr val="accent1"/>
+          </a:fillRef>
+          <a:effectRef idx="0">
+            <a:schemeClr val="accent1"/>
+          </a:effectRef>
+          <a:fontRef idx="minor">
+            <a:schemeClr val="lt1"/>
+          </a:fontRef>
+        </p:style>
+        <p:txBody>
+          <a:bodyPr rtlCol="0" anchor="ctr"/>
+          <a:lstStyle/>
+          <a:p>
+            <a:pPr algn="ctr"/>
+            <a:endParaRPr lang="en-US"/>
+          </a:p>
+        </p:txBody>
+      </p:sp>
+      <p:sp>
+        <p:nvSpPr>
+          <p:cNvPr id="2" name="Titel 1">
+            <a:extLst>
+              <a:ext uri="{FF2B5EF4-FFF2-40B4-BE49-F238E27FC236}">
+                <a16:creationId xmlns:a16="http://schemas.microsoft.com/office/drawing/2014/main" id="{C116823A-F0C0-9F76-4B25-AE0CF378C7B1}"/>
+              </a:ext>
+            </a:extLst>
+          </p:cNvPr>
+          <p:cNvSpPr>
+            <a:spLocks noGrp="1"/>
+          </p:cNvSpPr>
+          <p:nvPr>
+            <p:ph type="ctrTitle"/>
+          </p:nvPr>
+        </p:nvSpPr>
+        <p:spPr>
+          <a:xfrm>
+            <a:off x="3415627" y="2505059"/>
+            <a:ext cx="4145758" cy="1853023"/>
+          </a:xfrm>
+        </p:spPr>
+        <p:txBody>
+          <a:bodyPr anchor="ctr">
+            <a:normAutofit/>
+          </a:bodyPr>
+          <a:lstStyle/>
+          <a:p>
+            <a:r>
+              <a:rPr lang="de-AT" sz="3200" dirty="0"/>
+              <a:t>CSS </a:t>
+            </a:r>
+            <a:r>
+              <a:rPr lang="de-AT" sz="3200" dirty="0" smtClean="0"/>
+              <a:t>– Kombination von </a:t>
+            </a:r>
+            <a:r>
+              <a:rPr lang="de-AT" sz="3200" dirty="0" err="1" smtClean="0"/>
+              <a:t>Selektoren</a:t>
+            </a:r>
+            <a:endParaRPr lang="de-AT" sz="3200" dirty="0"/>
+          </a:p>
+        </p:txBody>
+      </p:sp>
+      <p:pic>
+        <p:nvPicPr>
+          <p:cNvPr id="1026" name="Picture 2" descr="Cascading Style Sheets – Wikipedia">
+            <a:extLst>
+              <a:ext uri="{FF2B5EF4-FFF2-40B4-BE49-F238E27FC236}">
+                <a16:creationId xmlns:a16="http://schemas.microsoft.com/office/drawing/2014/main" id="{CAA3119D-4723-2DA8-23B0-07F0A44098C0}"/>
+              </a:ext>
+            </a:extLst>
+          </p:cNvPr>
+          <p:cNvPicPr>
+            <a:picLocks noChangeAspect="1" noChangeArrowheads="1"/>
+          </p:cNvPicPr>
+          <p:nvPr/>
+        </p:nvPicPr>
+        <p:blipFill>
+          <a:blip r:embed="rId3" cstate="hqprint">
+            <a:extLst>
+              <a:ext uri="{28A0092B-C50C-407E-A947-70E740481C1C}">
+                <a14:useLocalDpi xmlns:a14="http://schemas.microsoft.com/office/drawing/2010/main" val="0"/>
+              </a:ext>
+            </a:extLst>
+          </a:blip>
+          <a:srcRect/>
+          <a:stretch>
+            <a:fillRect/>
+          </a:stretch>
+        </p:blipFill>
+        <p:spPr bwMode="auto">
+          <a:xfrm>
+            <a:off x="9167682" y="2602360"/>
+            <a:ext cx="1171835" cy="1653275"/>
+          </a:xfrm>
+          <a:prstGeom prst="rect">
+            <a:avLst/>
+          </a:prstGeom>
+          <a:noFill/>
+          <a:extLst>
+            <a:ext uri="{909E8E84-426E-40DD-AFC4-6F175D3DCCD1}">
+              <a14:hiddenFill xmlns:a14="http://schemas.microsoft.com/office/drawing/2010/main">
+                <a:solidFill>
+                  <a:srgbClr val="FFFFFF"/>
+                </a:solidFill>
+              </a14:hiddenFill>
+            </a:ext>
+          </a:extLst>
+        </p:spPr>
+      </p:pic>
+    </p:spTree>
+    <p:extLst>
+      <p:ext uri="{BB962C8B-B14F-4D97-AF65-F5344CB8AC3E}">
+        <p14:creationId xmlns:p14="http://schemas.microsoft.com/office/powerpoint/2010/main" val="2094374127"/>
+      </p:ext>
+    </p:extLst>
+  </p:cSld>
+  <p:clrMapOvr>
+    <a:masterClrMapping/>
+  </p:clrMapOvr>
+  <p:timing>
+    <p:tnLst>
+      <p:par>
+        <p:cTn id="1" dur="indefinite" restart="never" nodeType="tmRoot"/>
+      </p:par>
+    </p:tnLst>
+  </p:timing>
+</p:sld>
+</file>
+
+<file path=ppt/slides/slide30.xml><?xml version="1.0" encoding="utf-8"?>
+<p:sld xmlns:a="http://schemas.openxmlformats.org/drawingml/2006/main" xmlns:r="http://schemas.openxmlformats.org/officeDocument/2006/relationships" xmlns:p="http://schemas.openxmlformats.org/presentationml/2006/main">
+  <p:cSld>
+    <p:spTree>
+      <p:nvGrpSpPr>
+        <p:cNvPr id="1" name=""/>
+        <p:cNvGrpSpPr/>
+        <p:nvPr/>
+      </p:nvGrpSpPr>
+      <p:grpSpPr>
+        <a:xfrm>
+          <a:off x="0" y="0"/>
+          <a:ext cx="0" cy="0"/>
+          <a:chOff x="0" y="0"/>
+          <a:chExt cx="0" cy="0"/>
+        </a:xfrm>
+      </p:grpSpPr>
+      <p:sp>
+        <p:nvSpPr>
+          <p:cNvPr id="2" name="Titel 1"/>
+          <p:cNvSpPr>
+            <a:spLocks noGrp="1"/>
+          </p:cNvSpPr>
+          <p:nvPr>
+            <p:ph type="title"/>
+          </p:nvPr>
+        </p:nvSpPr>
+        <p:spPr/>
+        <p:txBody>
+          <a:bodyPr/>
+          <a:lstStyle/>
+          <a:p>
+            <a:r>
+              <a:rPr lang="de-AT" dirty="0" smtClean="0"/>
+              <a:t>CSS Layout früher „Newspaper“ </a:t>
+            </a:r>
+            <a:endParaRPr lang="en-US" dirty="0"/>
+          </a:p>
+        </p:txBody>
+      </p:sp>
+      <p:pic>
+        <p:nvPicPr>
+          <p:cNvPr id="5" name="Inhaltsplatzhalter 4"/>
+          <p:cNvPicPr>
+            <a:picLocks noGrp="1" noChangeAspect="1"/>
+          </p:cNvPicPr>
+          <p:nvPr>
+            <p:ph idx="1"/>
+          </p:nvPr>
+        </p:nvPicPr>
+        <p:blipFill>
+          <a:blip r:embed="rId2">
+            <a:extLst>
+              <a:ext uri="{28A0092B-C50C-407E-A947-70E740481C1C}">
+                <a14:useLocalDpi xmlns:a14="http://schemas.microsoft.com/office/drawing/2010/main" val="0"/>
+              </a:ext>
+            </a:extLst>
+          </a:blip>
+          <a:stretch>
+            <a:fillRect/>
+          </a:stretch>
+        </p:blipFill>
+        <p:spPr>
+          <a:xfrm>
+            <a:off x="6964118" y="1890580"/>
+            <a:ext cx="4137025" cy="4137025"/>
+          </a:xfrm>
+        </p:spPr>
+      </p:pic>
+      <p:sp>
+        <p:nvSpPr>
+          <p:cNvPr id="8" name="Inhaltsplatzhalter 6"/>
+          <p:cNvSpPr txBox="1">
+            <a:spLocks/>
+          </p:cNvSpPr>
+          <p:nvPr/>
+        </p:nvSpPr>
+        <p:spPr>
+          <a:xfrm>
+            <a:off x="1398587" y="2075218"/>
+            <a:ext cx="5565531" cy="4137259"/>
+          </a:xfrm>
+          <a:prstGeom prst="rect">
+            <a:avLst/>
+          </a:prstGeom>
+        </p:spPr>
+        <p:txBody>
+          <a:bodyPr vert="horz" lIns="91440" tIns="45720" rIns="91440" bIns="45720" rtlCol="0">
+            <a:normAutofit/>
+          </a:bodyPr>
+          <a:lstStyle>
+            <a:lvl1pPr marL="228600" indent="-228600" algn="l" defTabSz="914400" rtl="0" eaLnBrk="1" latinLnBrk="0" hangingPunct="1">
+              <a:lnSpc>
+                <a:spcPct val="120000"/>
+              </a:lnSpc>
+              <a:spcBef>
+                <a:spcPts val="1000"/>
+              </a:spcBef>
+              <a:buFont typeface="Arial" panose="020B0604020202020204" pitchFamily="34" charset="0"/>
+              <a:buChar char="•"/>
+              <a:defRPr sz="1800" kern="1200">
+                <a:solidFill>
+                  <a:schemeClr val="tx1"/>
+                </a:solidFill>
+                <a:latin typeface="+mn-lt"/>
+                <a:ea typeface="+mn-ea"/>
+                <a:cs typeface="+mn-cs"/>
+              </a:defRPr>
+            </a:lvl1pPr>
+            <a:lvl2pPr marL="502920" indent="-228600" algn="l" defTabSz="914400" rtl="0" eaLnBrk="1" latinLnBrk="0" hangingPunct="1">
+              <a:lnSpc>
+                <a:spcPct val="120000"/>
+              </a:lnSpc>
+              <a:spcBef>
+                <a:spcPts val="500"/>
+              </a:spcBef>
+              <a:buFont typeface="Arial" panose="020B0604020202020204" pitchFamily="34" charset="0"/>
+              <a:buChar char="•"/>
+              <a:defRPr sz="1600" kern="1200">
+                <a:solidFill>
+                  <a:schemeClr val="tx1"/>
+                </a:solidFill>
+                <a:latin typeface="+mn-lt"/>
+                <a:ea typeface="+mn-ea"/>
+                <a:cs typeface="+mn-cs"/>
+              </a:defRPr>
+            </a:lvl2pPr>
+            <a:lvl3pPr marL="731520" indent="-228600" algn="l" defTabSz="914400" rtl="0" eaLnBrk="1" latinLnBrk="0" hangingPunct="1">
+              <a:lnSpc>
+                <a:spcPct val="120000"/>
+              </a:lnSpc>
+              <a:spcBef>
+                <a:spcPts val="500"/>
+              </a:spcBef>
+              <a:buFont typeface="Arial" panose="020B0604020202020204" pitchFamily="34" charset="0"/>
+              <a:buChar char="•"/>
+              <a:defRPr sz="1400" kern="1200">
+                <a:solidFill>
+                  <a:schemeClr val="tx1"/>
+                </a:solidFill>
+                <a:latin typeface="+mn-lt"/>
+                <a:ea typeface="+mn-ea"/>
+                <a:cs typeface="+mn-cs"/>
+              </a:defRPr>
+            </a:lvl3pPr>
+            <a:lvl4pPr marL="1005840" indent="-228600" algn="l" defTabSz="914400" rtl="0" eaLnBrk="1" latinLnBrk="0" hangingPunct="1">
+              <a:lnSpc>
+                <a:spcPct val="120000"/>
+              </a:lnSpc>
+              <a:spcBef>
+                <a:spcPts val="500"/>
+              </a:spcBef>
+              <a:buFont typeface="Arial" panose="020B0604020202020204" pitchFamily="34" charset="0"/>
+              <a:buChar char="•"/>
+              <a:defRPr sz="1400" kern="1200">
+                <a:solidFill>
+                  <a:schemeClr val="tx1"/>
+                </a:solidFill>
+                <a:latin typeface="+mn-lt"/>
+                <a:ea typeface="+mn-ea"/>
+                <a:cs typeface="+mn-cs"/>
+              </a:defRPr>
+            </a:lvl4pPr>
+            <a:lvl5pPr marL="1234440" indent="-228600" algn="l" defTabSz="914400" rtl="0" eaLnBrk="1" latinLnBrk="0" hangingPunct="1">
+              <a:lnSpc>
+                <a:spcPct val="120000"/>
+              </a:lnSpc>
+              <a:spcBef>
+                <a:spcPts val="500"/>
+              </a:spcBef>
+              <a:buFont typeface="Arial" panose="020B0604020202020204" pitchFamily="34" charset="0"/>
+              <a:buChar char="•"/>
+              <a:defRPr sz="1400" kern="1200">
+                <a:solidFill>
+                  <a:schemeClr val="tx1"/>
+                </a:solidFill>
+                <a:latin typeface="+mn-lt"/>
+                <a:ea typeface="+mn-ea"/>
+                <a:cs typeface="+mn-cs"/>
+              </a:defRPr>
+            </a:lvl5pPr>
+            <a:lvl6pPr marL="2514600" indent="-228600" algn="l" defTabSz="914400" rtl="0" eaLnBrk="1" latinLnBrk="0" hangingPunct="1">
+              <a:lnSpc>
+                <a:spcPct val="90000"/>
+              </a:lnSpc>
+              <a:spcBef>
+                <a:spcPts val="500"/>
+              </a:spcBef>
+              <a:buFont typeface="Arial" panose="020B0604020202020204" pitchFamily="34" charset="0"/>
+              <a:buChar char="•"/>
+              <a:defRPr sz="1800" kern="1200">
+                <a:solidFill>
+                  <a:schemeClr val="tx1"/>
+                </a:solidFill>
+                <a:latin typeface="+mn-lt"/>
+                <a:ea typeface="+mn-ea"/>
+                <a:cs typeface="+mn-cs"/>
+              </a:defRPr>
+            </a:lvl6pPr>
+            <a:lvl7pPr marL="2971800" indent="-228600" algn="l" defTabSz="914400" rtl="0" eaLnBrk="1" latinLnBrk="0" hangingPunct="1">
+              <a:lnSpc>
+                <a:spcPct val="90000"/>
+              </a:lnSpc>
+              <a:spcBef>
+                <a:spcPts val="500"/>
+              </a:spcBef>
+              <a:buFont typeface="Arial" panose="020B0604020202020204" pitchFamily="34" charset="0"/>
+              <a:buChar char="•"/>
+              <a:defRPr sz="1800" kern="1200">
+                <a:solidFill>
+                  <a:schemeClr val="tx1"/>
+                </a:solidFill>
+                <a:latin typeface="+mn-lt"/>
+                <a:ea typeface="+mn-ea"/>
+                <a:cs typeface="+mn-cs"/>
+              </a:defRPr>
+            </a:lvl7pPr>
+            <a:lvl8pPr marL="3429000" indent="-228600" algn="l" defTabSz="914400" rtl="0" eaLnBrk="1" latinLnBrk="0" hangingPunct="1">
+              <a:lnSpc>
+                <a:spcPct val="90000"/>
+              </a:lnSpc>
+              <a:spcBef>
+                <a:spcPts val="500"/>
+              </a:spcBef>
+              <a:buFont typeface="Arial" panose="020B0604020202020204" pitchFamily="34" charset="0"/>
+              <a:buChar char="•"/>
+              <a:defRPr sz="1800" kern="1200">
+                <a:solidFill>
+                  <a:schemeClr val="tx1"/>
+                </a:solidFill>
+                <a:latin typeface="+mn-lt"/>
+                <a:ea typeface="+mn-ea"/>
+                <a:cs typeface="+mn-cs"/>
+              </a:defRPr>
+            </a:lvl8pPr>
+            <a:lvl9pPr marL="3886200" indent="-228600" algn="l" defTabSz="914400" rtl="0" eaLnBrk="1" latinLnBrk="0" hangingPunct="1">
+              <a:lnSpc>
+                <a:spcPct val="90000"/>
+              </a:lnSpc>
+              <a:spcBef>
+                <a:spcPts val="500"/>
+              </a:spcBef>
+              <a:buFont typeface="Arial" panose="020B0604020202020204" pitchFamily="34" charset="0"/>
+              <a:buChar char="•"/>
+              <a:defRPr sz="1800" kern="1200">
+                <a:solidFill>
+                  <a:schemeClr val="tx1"/>
+                </a:solidFill>
+                <a:latin typeface="+mn-lt"/>
+                <a:ea typeface="+mn-ea"/>
+                <a:cs typeface="+mn-cs"/>
+              </a:defRPr>
+            </a:lvl9pPr>
+          </a:lstStyle>
+          <a:p>
+            <a:r>
+              <a:rPr lang="de-DE" dirty="0" smtClean="0"/>
+              <a:t>"</a:t>
+            </a:r>
+            <a:r>
+              <a:rPr lang="de-DE" dirty="0"/>
+              <a:t>Block" wird verwendet für Abschnitte auf einer Webseite</a:t>
+            </a:r>
+            <a:r>
+              <a:rPr lang="de-DE" dirty="0" smtClean="0"/>
+              <a:t>.</a:t>
+            </a:r>
+          </a:p>
+          <a:p>
+            <a:r>
+              <a:rPr lang="de-DE" dirty="0" smtClean="0"/>
+              <a:t>"</a:t>
+            </a:r>
+            <a:r>
+              <a:rPr lang="de-DE" dirty="0"/>
+              <a:t>Inline" wird für Text verwendet.</a:t>
+            </a:r>
+          </a:p>
+          <a:p>
+            <a:r>
+              <a:rPr lang="de-DE" dirty="0" smtClean="0"/>
+              <a:t>"</a:t>
+            </a:r>
+            <a:r>
+              <a:rPr lang="de-DE" dirty="0"/>
+              <a:t>Table" wird für zweidimensionale Tabellendaten verwendet</a:t>
+            </a:r>
+            <a:r>
+              <a:rPr lang="de-DE" dirty="0" smtClean="0"/>
+              <a:t>.</a:t>
+            </a:r>
+          </a:p>
+          <a:p>
+            <a:r>
+              <a:rPr lang="de-DE" dirty="0" smtClean="0"/>
+              <a:t>"</a:t>
+            </a:r>
+            <a:r>
+              <a:rPr lang="de-DE" dirty="0" err="1"/>
+              <a:t>Positioned</a:t>
+            </a:r>
+            <a:r>
+              <a:rPr lang="de-DE" dirty="0"/>
+              <a:t>" wird für die explizite Positionierung eines Elements verwendet</a:t>
+            </a:r>
+            <a:r>
+              <a:rPr lang="de-DE" dirty="0" smtClean="0"/>
+              <a:t>.</a:t>
+            </a:r>
+          </a:p>
+          <a:p>
+            <a:r>
+              <a:rPr lang="de-DE" dirty="0" smtClean="0"/>
+              <a:t>„</a:t>
+            </a:r>
+            <a:r>
+              <a:rPr lang="de-DE" dirty="0" err="1" smtClean="0"/>
+              <a:t>Float</a:t>
+            </a:r>
+            <a:r>
+              <a:rPr lang="de-DE" dirty="0" smtClean="0"/>
+              <a:t>" </a:t>
+            </a:r>
+            <a:r>
+              <a:rPr lang="de-DE" dirty="0"/>
+              <a:t>wird </a:t>
+            </a:r>
+            <a:r>
+              <a:rPr lang="de-DE" dirty="0" smtClean="0"/>
+              <a:t>für Umfließende Inhalte verwendet,</a:t>
+            </a:r>
+            <a:br>
+              <a:rPr lang="de-DE" dirty="0" smtClean="0"/>
+            </a:br>
+            <a:r>
+              <a:rPr lang="de-DE" dirty="0" smtClean="0"/>
+              <a:t>und für Ausrichtung von Elementen.</a:t>
+            </a:r>
+          </a:p>
+          <a:p>
+            <a:r>
+              <a:rPr lang="de-DE" dirty="0" smtClean="0"/>
+              <a:t>Wenig Bedarf nach </a:t>
+            </a:r>
+            <a:r>
+              <a:rPr lang="de-DE" dirty="0" err="1" smtClean="0"/>
+              <a:t>Responsive</a:t>
+            </a:r>
+            <a:r>
+              <a:rPr lang="de-DE" dirty="0" smtClean="0"/>
+              <a:t> Webdesign</a:t>
+            </a:r>
+            <a:endParaRPr lang="de-DE" dirty="0"/>
+          </a:p>
+          <a:p>
+            <a:endParaRPr lang="de-DE" dirty="0" smtClean="0"/>
+          </a:p>
+          <a:p>
+            <a:endParaRPr lang="en-US" dirty="0"/>
+          </a:p>
+        </p:txBody>
+      </p:sp>
+    </p:spTree>
+    <p:extLst>
+      <p:ext uri="{BB962C8B-B14F-4D97-AF65-F5344CB8AC3E}">
+        <p14:creationId xmlns:p14="http://schemas.microsoft.com/office/powerpoint/2010/main" val="3282124260"/>
+      </p:ext>
+    </p:extLst>
+  </p:cSld>
+  <p:clrMapOvr>
+    <a:masterClrMapping/>
+  </p:clrMapOvr>
+  <p:timing>
+    <p:tnLst>
+      <p:par>
+        <p:cTn id="1" dur="indefinite" restart="never" nodeType="tmRoot">
+          <p:childTnLst>
+            <p:seq concurrent="1" nextAc="seek">
+              <p:cTn id="2" dur="indefinite" nodeType="mainSeq">
+                <p:childTnLst>
+                  <p:par>
+                    <p:cTn id="3" fill="hold">
+                      <p:stCondLst>
+                        <p:cond delay="indefinite"/>
+                      </p:stCondLst>
+                      <p:childTnLst>
+                        <p:par>
+                          <p:cTn id="4" fill="hold">
+                            <p:stCondLst>
+                              <p:cond delay="0"/>
+                            </p:stCondLst>
+                            <p:childTnLst>
+                              <p:par>
+                                <p:cTn id="5" presetID="10" presetClass="entr" presetSubtype="0" fill="hold" grpId="0" nodeType="clickEffect">
+                                  <p:stCondLst>
+                                    <p:cond delay="0"/>
+                                  </p:stCondLst>
+                                  <p:childTnLst>
+                                    <p:set>
+                                      <p:cBhvr>
+                                        <p:cTn id="6" dur="1" fill="hold">
+                                          <p:stCondLst>
+                                            <p:cond delay="0"/>
+                                          </p:stCondLst>
+                                        </p:cTn>
+                                        <p:tgtEl>
+                                          <p:spTgt spid="8">
+                                            <p:txEl>
+                                              <p:pRg st="0" end="0"/>
+                                            </p:txEl>
+                                          </p:spTgt>
+                                        </p:tgtEl>
+                                        <p:attrNameLst>
+                                          <p:attrName>style.visibility</p:attrName>
+                                        </p:attrNameLst>
+                                      </p:cBhvr>
+                                      <p:to>
+                                        <p:strVal val="visible"/>
+                                      </p:to>
+                                    </p:set>
+                                    <p:animEffect transition="in" filter="fade">
+                                      <p:cBhvr>
+                                        <p:cTn id="7" dur="500"/>
+                                        <p:tgtEl>
+                                          <p:spTgt spid="8">
+                                            <p:txEl>
+                                              <p:pRg st="0" end="0"/>
+                                            </p:txEl>
+                                          </p:spTgt>
+                                        </p:tgtEl>
+                                      </p:cBhvr>
+                                    </p:animEffect>
+                                  </p:childTnLst>
+                                </p:cTn>
+                              </p:par>
+                            </p:childTnLst>
+                          </p:cTn>
+                        </p:par>
+                      </p:childTnLst>
+                    </p:cTn>
+                  </p:par>
+                  <p:par>
+                    <p:cTn id="8" fill="hold">
+                      <p:stCondLst>
+                        <p:cond delay="indefinite"/>
+                      </p:stCondLst>
+                      <p:childTnLst>
+                        <p:par>
+                          <p:cTn id="9" fill="hold">
+                            <p:stCondLst>
+                              <p:cond delay="0"/>
+                            </p:stCondLst>
+                            <p:childTnLst>
+                              <p:par>
+                                <p:cTn id="10" presetID="10" presetClass="entr" presetSubtype="0" fill="hold" grpId="0" nodeType="clickEffect">
+                                  <p:stCondLst>
+                                    <p:cond delay="0"/>
+                                  </p:stCondLst>
+                                  <p:childTnLst>
+                                    <p:set>
+                                      <p:cBhvr>
+                                        <p:cTn id="11" dur="1" fill="hold">
+                                          <p:stCondLst>
+                                            <p:cond delay="0"/>
+                                          </p:stCondLst>
+                                        </p:cTn>
+                                        <p:tgtEl>
+                                          <p:spTgt spid="8">
+                                            <p:txEl>
+                                              <p:pRg st="1" end="1"/>
+                                            </p:txEl>
+                                          </p:spTgt>
+                                        </p:tgtEl>
+                                        <p:attrNameLst>
+                                          <p:attrName>style.visibility</p:attrName>
+                                        </p:attrNameLst>
+                                      </p:cBhvr>
+                                      <p:to>
+                                        <p:strVal val="visible"/>
+                                      </p:to>
+                                    </p:set>
+                                    <p:animEffect transition="in" filter="fade">
+                                      <p:cBhvr>
+                                        <p:cTn id="12" dur="500"/>
+                                        <p:tgtEl>
+                                          <p:spTgt spid="8">
+                                            <p:txEl>
+                                              <p:pRg st="1" end="1"/>
+                                            </p:txEl>
+                                          </p:spTgt>
+                                        </p:tgtEl>
+                                      </p:cBhvr>
+                                    </p:animEffect>
+                                  </p:childTnLst>
+                                </p:cTn>
+                              </p:par>
+                            </p:childTnLst>
+                          </p:cTn>
+                        </p:par>
+                      </p:childTnLst>
+                    </p:cTn>
+                  </p:par>
+                  <p:par>
+                    <p:cTn id="13" fill="hold">
+                      <p:stCondLst>
+                        <p:cond delay="indefinite"/>
+                      </p:stCondLst>
+                      <p:childTnLst>
+                        <p:par>
+                          <p:cTn id="14" fill="hold">
+                            <p:stCondLst>
+                              <p:cond delay="0"/>
+                            </p:stCondLst>
+                            <p:childTnLst>
+                              <p:par>
+                                <p:cTn id="15" presetID="10" presetClass="entr" presetSubtype="0" fill="hold" grpId="0" nodeType="clickEffect">
+                                  <p:stCondLst>
+                                    <p:cond delay="0"/>
+                                  </p:stCondLst>
+                                  <p:childTnLst>
+                                    <p:set>
+                                      <p:cBhvr>
+                                        <p:cTn id="16" dur="1" fill="hold">
+                                          <p:stCondLst>
+                                            <p:cond delay="0"/>
+                                          </p:stCondLst>
+                                        </p:cTn>
+                                        <p:tgtEl>
+                                          <p:spTgt spid="8">
+                                            <p:txEl>
+                                              <p:pRg st="2" end="2"/>
+                                            </p:txEl>
+                                          </p:spTgt>
+                                        </p:tgtEl>
+                                        <p:attrNameLst>
+                                          <p:attrName>style.visibility</p:attrName>
+                                        </p:attrNameLst>
+                                      </p:cBhvr>
+                                      <p:to>
+                                        <p:strVal val="visible"/>
+                                      </p:to>
+                                    </p:set>
+                                    <p:animEffect transition="in" filter="fade">
+                                      <p:cBhvr>
+                                        <p:cTn id="17" dur="500"/>
+                                        <p:tgtEl>
+                                          <p:spTgt spid="8">
+                                            <p:txEl>
+                                              <p:pRg st="2" end="2"/>
+                                            </p:txEl>
+                                          </p:spTgt>
+                                        </p:tgtEl>
+                                      </p:cBhvr>
+                                    </p:animEffect>
+                                  </p:childTnLst>
+                                </p:cTn>
+                              </p:par>
+                            </p:childTnLst>
+                          </p:cTn>
+                        </p:par>
+                      </p:childTnLst>
+                    </p:cTn>
+                  </p:par>
+                  <p:par>
+                    <p:cTn id="18" fill="hold">
+                      <p:stCondLst>
+                        <p:cond delay="indefinite"/>
+                      </p:stCondLst>
+                      <p:childTnLst>
+                        <p:par>
+                          <p:cTn id="19" fill="hold">
+                            <p:stCondLst>
+                              <p:cond delay="0"/>
+                            </p:stCondLst>
+                            <p:childTnLst>
+                              <p:par>
+                                <p:cTn id="20" presetID="10" presetClass="entr" presetSubtype="0" fill="hold" grpId="0" nodeType="clickEffect">
+                                  <p:stCondLst>
+                                    <p:cond delay="0"/>
+                                  </p:stCondLst>
+                                  <p:childTnLst>
+                                    <p:set>
+                                      <p:cBhvr>
+                                        <p:cTn id="21" dur="1" fill="hold">
+                                          <p:stCondLst>
+                                            <p:cond delay="0"/>
+                                          </p:stCondLst>
+                                        </p:cTn>
+                                        <p:tgtEl>
+                                          <p:spTgt spid="8">
+                                            <p:txEl>
+                                              <p:pRg st="3" end="3"/>
+                                            </p:txEl>
+                                          </p:spTgt>
+                                        </p:tgtEl>
+                                        <p:attrNameLst>
+                                          <p:attrName>style.visibility</p:attrName>
+                                        </p:attrNameLst>
+                                      </p:cBhvr>
+                                      <p:to>
+                                        <p:strVal val="visible"/>
+                                      </p:to>
+                                    </p:set>
+                                    <p:animEffect transition="in" filter="fade">
+                                      <p:cBhvr>
+                                        <p:cTn id="22" dur="500"/>
+                                        <p:tgtEl>
+                                          <p:spTgt spid="8">
+                                            <p:txEl>
+                                              <p:pRg st="3" end="3"/>
+                                            </p:txEl>
+                                          </p:spTgt>
+                                        </p:tgtEl>
+                                      </p:cBhvr>
+                                    </p:animEffect>
+                                  </p:childTnLst>
+                                </p:cTn>
+                              </p:par>
+                            </p:childTnLst>
+                          </p:cTn>
+                        </p:par>
+                      </p:childTnLst>
+                    </p:cTn>
+                  </p:par>
+                  <p:par>
+                    <p:cTn id="23" fill="hold">
+                      <p:stCondLst>
+                        <p:cond delay="indefinite"/>
+                      </p:stCondLst>
+                      <p:childTnLst>
+                        <p:par>
+                          <p:cTn id="24" fill="hold">
+                            <p:stCondLst>
+                              <p:cond delay="0"/>
+                            </p:stCondLst>
+                            <p:childTnLst>
+                              <p:par>
+                                <p:cTn id="25" presetID="10" presetClass="entr" presetSubtype="0" fill="hold" grpId="0" nodeType="clickEffect">
+                                  <p:stCondLst>
+                                    <p:cond delay="0"/>
+                                  </p:stCondLst>
+                                  <p:childTnLst>
+                                    <p:set>
+                                      <p:cBhvr>
+                                        <p:cTn id="26" dur="1" fill="hold">
+                                          <p:stCondLst>
+                                            <p:cond delay="0"/>
+                                          </p:stCondLst>
+                                        </p:cTn>
+                                        <p:tgtEl>
+                                          <p:spTgt spid="8">
+                                            <p:txEl>
+                                              <p:pRg st="4" end="4"/>
+                                            </p:txEl>
+                                          </p:spTgt>
+                                        </p:tgtEl>
+                                        <p:attrNameLst>
+                                          <p:attrName>style.visibility</p:attrName>
+                                        </p:attrNameLst>
+                                      </p:cBhvr>
+                                      <p:to>
+                                        <p:strVal val="visible"/>
+                                      </p:to>
+                                    </p:set>
+                                    <p:animEffect transition="in" filter="fade">
+                                      <p:cBhvr>
+                                        <p:cTn id="27" dur="500"/>
+                                        <p:tgtEl>
+                                          <p:spTgt spid="8">
+                                            <p:txEl>
+                                              <p:pRg st="4" end="4"/>
+                                            </p:txEl>
+                                          </p:spTgt>
+                                        </p:tgtEl>
+                                      </p:cBhvr>
+                                    </p:animEffect>
+                                  </p:childTnLst>
+                                </p:cTn>
+                              </p:par>
+                            </p:childTnLst>
+                          </p:cTn>
+                        </p:par>
+                      </p:childTnLst>
+                    </p:cTn>
+                  </p:par>
+                  <p:par>
+                    <p:cTn id="28" fill="hold">
+                      <p:stCondLst>
+                        <p:cond delay="indefinite"/>
+                      </p:stCondLst>
+                      <p:childTnLst>
+                        <p:par>
+                          <p:cTn id="29" fill="hold">
+                            <p:stCondLst>
+                              <p:cond delay="0"/>
+                            </p:stCondLst>
+                            <p:childTnLst>
+                              <p:par>
+                                <p:cTn id="30" presetID="10" presetClass="entr" presetSubtype="0" fill="hold" grpId="0" nodeType="clickEffect">
+                                  <p:stCondLst>
+                                    <p:cond delay="0"/>
+                                  </p:stCondLst>
+                                  <p:childTnLst>
+                                    <p:set>
+                                      <p:cBhvr>
+                                        <p:cTn id="31" dur="1" fill="hold">
+                                          <p:stCondLst>
+                                            <p:cond delay="0"/>
+                                          </p:stCondLst>
+                                        </p:cTn>
+                                        <p:tgtEl>
+                                          <p:spTgt spid="8">
+                                            <p:txEl>
+                                              <p:pRg st="5" end="5"/>
+                                            </p:txEl>
+                                          </p:spTgt>
+                                        </p:tgtEl>
+                                        <p:attrNameLst>
+                                          <p:attrName>style.visibility</p:attrName>
+                                        </p:attrNameLst>
+                                      </p:cBhvr>
+                                      <p:to>
+                                        <p:strVal val="visible"/>
+                                      </p:to>
+                                    </p:set>
+                                    <p:animEffect transition="in" filter="fade">
+                                      <p:cBhvr>
+                                        <p:cTn id="32" dur="500"/>
+                                        <p:tgtEl>
+                                          <p:spTgt spid="8">
+                                            <p:txEl>
+                                              <p:pRg st="5" end="5"/>
+                                            </p:txEl>
+                                          </p:spTgt>
+                                        </p:tgtEl>
+                                      </p:cBhvr>
+                                    </p:animEffect>
+                                  </p:childTnLst>
+                                </p:cTn>
+                              </p:par>
+                            </p:childTnLst>
+                          </p:cTn>
+                        </p:par>
+                      </p:childTnLst>
+                    </p:cTn>
+                  </p:par>
+                </p:childTnLst>
+              </p:cTn>
+              <p:prevCondLst>
+                <p:cond evt="onPrev" delay="0">
+                  <p:tgtEl>
+                    <p:sldTgt/>
+                  </p:tgtEl>
+                </p:cond>
+              </p:prevCondLst>
+              <p:nextCondLst>
+                <p:cond evt="onNext" delay="0">
+                  <p:tgtEl>
+                    <p:sldTgt/>
+                  </p:tgtEl>
+                </p:cond>
+              </p:nextCondLst>
+            </p:seq>
+          </p:childTnLst>
+        </p:cTn>
+      </p:par>
+    </p:tnLst>
+    <p:bldLst>
+      <p:bldP spid="8" grpId="0" build="p"/>
+    </p:bldLst>
+  </p:timing>
+</p:sld>
+</file>
+
+<file path=ppt/slides/slide31.xml><?xml version="1.0" encoding="utf-8"?>
+<p:sld xmlns:a="http://schemas.openxmlformats.org/drawingml/2006/main" xmlns:r="http://schemas.openxmlformats.org/officeDocument/2006/relationships" xmlns:p="http://schemas.openxmlformats.org/presentationml/2006/main">
+  <p:cSld>
+    <p:spTree>
+      <p:nvGrpSpPr>
+        <p:cNvPr id="1" name=""/>
+        <p:cNvGrpSpPr/>
+        <p:nvPr/>
+      </p:nvGrpSpPr>
+      <p:grpSpPr>
+        <a:xfrm>
+          <a:off x="0" y="0"/>
+          <a:ext cx="0" cy="0"/>
+          <a:chOff x="0" y="0"/>
+          <a:chExt cx="0" cy="0"/>
+        </a:xfrm>
+      </p:grpSpPr>
+      <p:sp>
+        <p:nvSpPr>
+          <p:cNvPr id="2" name="Titel 1"/>
+          <p:cNvSpPr>
+            <a:spLocks noGrp="1"/>
+          </p:cNvSpPr>
+          <p:nvPr>
+            <p:ph type="title"/>
+          </p:nvPr>
+        </p:nvSpPr>
+        <p:spPr/>
+        <p:txBody>
+          <a:bodyPr/>
+          <a:lstStyle/>
+          <a:p>
+            <a:r>
+              <a:rPr lang="de-AT" dirty="0" smtClean="0"/>
+              <a:t>CSS Layout heute „</a:t>
+            </a:r>
+            <a:r>
+              <a:rPr lang="de-AT" dirty="0" err="1" smtClean="0"/>
+              <a:t>Responsive</a:t>
+            </a:r>
+            <a:r>
+              <a:rPr lang="de-AT" dirty="0" smtClean="0"/>
+              <a:t> Webdesign“</a:t>
+            </a:r>
+            <a:endParaRPr lang="en-US" dirty="0"/>
+          </a:p>
+        </p:txBody>
+      </p:sp>
+      <p:sp>
+        <p:nvSpPr>
+          <p:cNvPr id="3" name="Inhaltsplatzhalter 2"/>
+          <p:cNvSpPr>
+            <a:spLocks noGrp="1"/>
+          </p:cNvSpPr>
+          <p:nvPr>
+            <p:ph idx="1"/>
+          </p:nvPr>
+        </p:nvSpPr>
+        <p:spPr>
+          <a:xfrm>
+            <a:off x="1638299" y="2174197"/>
+            <a:ext cx="8915402" cy="4137259"/>
+          </a:xfrm>
+        </p:spPr>
+        <p:txBody>
+          <a:bodyPr>
+            <a:normAutofit/>
+          </a:bodyPr>
+          <a:lstStyle/>
+          <a:p>
+            <a:r>
+              <a:rPr lang="de-AT" sz="2000" dirty="0" smtClean="0"/>
+              <a:t>Media </a:t>
+            </a:r>
+            <a:r>
+              <a:rPr lang="de-AT" sz="2000" dirty="0" err="1" smtClean="0"/>
+              <a:t>Queries</a:t>
+            </a:r>
+            <a:endParaRPr lang="de-AT" sz="2000" dirty="0" smtClean="0"/>
+          </a:p>
+          <a:p>
+            <a:r>
+              <a:rPr lang="de-AT" sz="2000" dirty="0" err="1" smtClean="0"/>
+              <a:t>Flexbox</a:t>
+            </a:r>
+            <a:endParaRPr lang="de-AT" sz="2000" dirty="0" smtClean="0"/>
+          </a:p>
+          <a:p>
+            <a:r>
+              <a:rPr lang="de-AT" sz="2000" dirty="0" err="1" smtClean="0"/>
+              <a:t>Grid</a:t>
+            </a:r>
+            <a:endParaRPr lang="de-AT" sz="2000" dirty="0" smtClean="0"/>
+          </a:p>
+          <a:p>
+            <a:r>
+              <a:rPr lang="de-AT" sz="2000" dirty="0" smtClean="0"/>
+              <a:t>Frameworks</a:t>
+            </a:r>
+            <a:endParaRPr lang="en-US" sz="2000" dirty="0" smtClean="0"/>
+          </a:p>
+          <a:p>
+            <a:pPr lvl="1"/>
+            <a:r>
+              <a:rPr lang="de-AT" sz="1800" dirty="0" smtClean="0"/>
+              <a:t>Bootstrap</a:t>
+            </a:r>
+          </a:p>
+          <a:p>
+            <a:pPr lvl="1"/>
+            <a:r>
+              <a:rPr lang="de-AT" sz="1800" dirty="0" smtClean="0"/>
+              <a:t>Material UI</a:t>
+            </a:r>
+          </a:p>
+          <a:p>
+            <a:pPr lvl="1"/>
+            <a:r>
+              <a:rPr lang="de-AT" sz="1800" dirty="0" smtClean="0"/>
+              <a:t>…</a:t>
+            </a:r>
+          </a:p>
+        </p:txBody>
+      </p:sp>
+      <p:pic>
+        <p:nvPicPr>
+          <p:cNvPr id="1028" name="Picture 4" descr="https://webvisio.de/wp-content/uploads/2020/03/Responsive-Webdesign.jpg"/>
+          <p:cNvPicPr>
+            <a:picLocks noChangeAspect="1" noChangeArrowheads="1"/>
+          </p:cNvPicPr>
+          <p:nvPr/>
+        </p:nvPicPr>
+        <p:blipFill>
+          <a:blip r:embed="rId2">
+            <a:extLst>
+              <a:ext uri="{28A0092B-C50C-407E-A947-70E740481C1C}">
+                <a14:useLocalDpi xmlns:a14="http://schemas.microsoft.com/office/drawing/2010/main" val="0"/>
+              </a:ext>
+            </a:extLst>
+          </a:blip>
+          <a:srcRect/>
+          <a:stretch>
+            <a:fillRect/>
+          </a:stretch>
+        </p:blipFill>
+        <p:spPr bwMode="auto">
+          <a:xfrm>
+            <a:off x="4969565" y="2406603"/>
+            <a:ext cx="6685722" cy="3080943"/>
+          </a:xfrm>
+          <a:prstGeom prst="rect">
+            <a:avLst/>
+          </a:prstGeom>
+          <a:noFill/>
+          <a:extLst>
+            <a:ext uri="{909E8E84-426E-40DD-AFC4-6F175D3DCCD1}">
+              <a14:hiddenFill xmlns:a14="http://schemas.microsoft.com/office/drawing/2010/main">
+                <a:solidFill>
+                  <a:srgbClr val="FFFFFF"/>
+                </a:solidFill>
+              </a14:hiddenFill>
+            </a:ext>
+          </a:extLst>
+        </p:spPr>
+      </p:pic>
+    </p:spTree>
+    <p:extLst>
+      <p:ext uri="{BB962C8B-B14F-4D97-AF65-F5344CB8AC3E}">
+        <p14:creationId xmlns:p14="http://schemas.microsoft.com/office/powerpoint/2010/main" val="2750065972"/>
+      </p:ext>
+    </p:extLst>
+  </p:cSld>
+  <p:clrMapOvr>
+    <a:masterClrMapping/>
+  </p:clrMapOvr>
+  <p:timing>
+    <p:tnLst>
+      <p:par>
+        <p:cTn id="1" dur="indefinite" restart="never" nodeType="tmRoot"/>
+      </p:par>
+    </p:tnLst>
+  </p:timing>
+</p:sld>
+</file>
+
+<file path=ppt/slides/slide32.xml><?xml version="1.0" encoding="utf-8"?>
+<p:sld xmlns:a="http://schemas.openxmlformats.org/drawingml/2006/main" xmlns:r="http://schemas.openxmlformats.org/officeDocument/2006/relationships" xmlns:p="http://schemas.openxmlformats.org/presentationml/2006/main">
+  <p:cSld>
+    <p:spTree>
+      <p:nvGrpSpPr>
+        <p:cNvPr id="1" name=""/>
+        <p:cNvGrpSpPr/>
+        <p:nvPr/>
+      </p:nvGrpSpPr>
+      <p:grpSpPr>
+        <a:xfrm>
+          <a:off x="0" y="0"/>
+          <a:ext cx="0" cy="0"/>
+          <a:chOff x="0" y="0"/>
+          <a:chExt cx="0" cy="0"/>
+        </a:xfrm>
+      </p:grpSpPr>
+      <p:sp>
+        <p:nvSpPr>
+          <p:cNvPr id="2" name="Titel 1"/>
+          <p:cNvSpPr>
+            <a:spLocks noGrp="1"/>
+          </p:cNvSpPr>
+          <p:nvPr>
+            <p:ph type="title"/>
+          </p:nvPr>
+        </p:nvSpPr>
+        <p:spPr/>
+        <p:txBody>
+          <a:bodyPr/>
+          <a:lstStyle/>
+          <a:p>
+            <a:r>
+              <a:rPr lang="de-AT" dirty="0" smtClean="0"/>
+              <a:t>CSS Media </a:t>
+            </a:r>
+            <a:r>
+              <a:rPr lang="de-AT" dirty="0" err="1" smtClean="0"/>
+              <a:t>Queries</a:t>
+            </a:r>
+            <a:endParaRPr lang="en-US" dirty="0"/>
+          </a:p>
+        </p:txBody>
+      </p:sp>
+      <p:sp>
+        <p:nvSpPr>
+          <p:cNvPr id="3" name="Inhaltsplatzhalter 2"/>
+          <p:cNvSpPr>
+            <a:spLocks noGrp="1"/>
+          </p:cNvSpPr>
+          <p:nvPr>
+            <p:ph idx="1"/>
+          </p:nvPr>
+        </p:nvSpPr>
+        <p:spPr>
+          <a:xfrm>
+            <a:off x="863047" y="2057400"/>
+            <a:ext cx="5855805" cy="4137259"/>
+          </a:xfrm>
+        </p:spPr>
+        <p:txBody>
+          <a:bodyPr>
+            <a:normAutofit/>
+          </a:bodyPr>
+          <a:lstStyle/>
+          <a:p>
+            <a:r>
+              <a:rPr lang="de-DE" dirty="0" smtClean="0"/>
+              <a:t>Media </a:t>
+            </a:r>
+            <a:r>
+              <a:rPr lang="de-DE" dirty="0" err="1" smtClean="0"/>
+              <a:t>Queries</a:t>
+            </a:r>
+            <a:r>
+              <a:rPr lang="de-DE" dirty="0" smtClean="0"/>
+              <a:t> werden verwendet, </a:t>
+            </a:r>
+            <a:r>
+              <a:rPr lang="de-DE" dirty="0"/>
+              <a:t>um </a:t>
+            </a:r>
+            <a:r>
+              <a:rPr lang="de-DE" dirty="0" smtClean="0"/>
+              <a:t>auf Eigenschaften der Anzeige zu reagieren</a:t>
+            </a:r>
+            <a:endParaRPr lang="de-DE" dirty="0"/>
+          </a:p>
+          <a:p>
+            <a:pPr lvl="1"/>
+            <a:r>
+              <a:rPr lang="de-DE" dirty="0" smtClean="0"/>
+              <a:t>Breite </a:t>
+            </a:r>
+            <a:r>
+              <a:rPr lang="de-DE" dirty="0"/>
+              <a:t>und Höhe </a:t>
+            </a:r>
+            <a:r>
+              <a:rPr lang="de-DE" dirty="0" smtClean="0"/>
+              <a:t>der Anzeige</a:t>
+            </a:r>
+          </a:p>
+          <a:p>
+            <a:pPr lvl="1"/>
+            <a:r>
+              <a:rPr lang="de-DE" dirty="0" smtClean="0"/>
+              <a:t>Ausrichtung </a:t>
+            </a:r>
+            <a:r>
+              <a:rPr lang="de-DE" dirty="0"/>
+              <a:t>(befindet sich das Tablet/Handy im Quer- oder Hochformat?)</a:t>
+            </a:r>
+          </a:p>
+          <a:p>
+            <a:pPr lvl="1"/>
+            <a:r>
+              <a:rPr lang="de-DE" dirty="0" smtClean="0"/>
+              <a:t>Auflösung</a:t>
+            </a:r>
+          </a:p>
+          <a:p>
+            <a:r>
+              <a:rPr lang="de-DE" dirty="0" smtClean="0"/>
+              <a:t>Die </a:t>
+            </a:r>
+            <a:r>
+              <a:rPr lang="de-DE" dirty="0"/>
+              <a:t>Verwendung von Media </a:t>
+            </a:r>
+            <a:r>
+              <a:rPr lang="de-DE" dirty="0" err="1"/>
+              <a:t>Queries</a:t>
+            </a:r>
+            <a:r>
+              <a:rPr lang="de-DE" dirty="0"/>
+              <a:t> ist eine beliebte Technik, um ein maßgeschneidertes Stylesheet für Desktop-Computer, Laptops, Tablets und Mobiltelefone (wie iPhone und Android-Telefone) bereitzustellen.</a:t>
+            </a:r>
+            <a:endParaRPr lang="en-US" dirty="0"/>
+          </a:p>
+        </p:txBody>
+      </p:sp>
+      <p:pic>
+        <p:nvPicPr>
+          <p:cNvPr id="4" name="Grafik 3"/>
+          <p:cNvPicPr>
+            <a:picLocks noChangeAspect="1"/>
+          </p:cNvPicPr>
+          <p:nvPr/>
+        </p:nvPicPr>
+        <p:blipFill>
+          <a:blip r:embed="rId2"/>
+          <a:stretch>
+            <a:fillRect/>
+          </a:stretch>
+        </p:blipFill>
+        <p:spPr>
+          <a:xfrm>
+            <a:off x="6999018" y="2276061"/>
+            <a:ext cx="4942165" cy="1552512"/>
+          </a:xfrm>
+          <a:prstGeom prst="rect">
+            <a:avLst/>
+          </a:prstGeom>
+        </p:spPr>
+      </p:pic>
+    </p:spTree>
+    <p:extLst>
+      <p:ext uri="{BB962C8B-B14F-4D97-AF65-F5344CB8AC3E}">
+        <p14:creationId xmlns:p14="http://schemas.microsoft.com/office/powerpoint/2010/main" val="170143450"/>
+      </p:ext>
+    </p:extLst>
+  </p:cSld>
+  <p:clrMapOvr>
+    <a:masterClrMapping/>
+  </p:clrMapOvr>
+  <p:timing>
+    <p:tnLst>
+      <p:par>
+        <p:cTn id="1" dur="indefinite" restart="never" nodeType="tmRoot"/>
+      </p:par>
+    </p:tnLst>
+  </p:timing>
+</p:sld>
+</file>
+
+<file path=ppt/slides/slide33.xml><?xml version="1.0" encoding="utf-8"?>
+<p:sld xmlns:a="http://schemas.openxmlformats.org/drawingml/2006/main" xmlns:r="http://schemas.openxmlformats.org/officeDocument/2006/relationships" xmlns:p="http://schemas.openxmlformats.org/presentationml/2006/main">
+  <p:cSld>
+    <p:spTree>
+      <p:nvGrpSpPr>
+        <p:cNvPr id="1" name=""/>
+        <p:cNvGrpSpPr/>
+        <p:nvPr/>
+      </p:nvGrpSpPr>
+      <p:grpSpPr>
+        <a:xfrm>
+          <a:off x="0" y="0"/>
+          <a:ext cx="0" cy="0"/>
+          <a:chOff x="0" y="0"/>
+          <a:chExt cx="0" cy="0"/>
+        </a:xfrm>
+      </p:grpSpPr>
+      <p:sp>
+        <p:nvSpPr>
+          <p:cNvPr id="2" name="Titel 1"/>
+          <p:cNvSpPr>
+            <a:spLocks noGrp="1"/>
+          </p:cNvSpPr>
+          <p:nvPr>
+            <p:ph type="title"/>
+          </p:nvPr>
+        </p:nvSpPr>
+        <p:spPr/>
+        <p:txBody>
+          <a:bodyPr/>
+          <a:lstStyle/>
+          <a:p>
+            <a:r>
+              <a:rPr lang="de-AT" dirty="0" smtClean="0"/>
+              <a:t>CSS Übungsprojekt Webdesign</a:t>
+            </a:r>
+            <a:endParaRPr lang="en-US" dirty="0"/>
+          </a:p>
+        </p:txBody>
+      </p:sp>
+      <p:sp>
+        <p:nvSpPr>
+          <p:cNvPr id="3" name="Inhaltsplatzhalter 2"/>
+          <p:cNvSpPr>
+            <a:spLocks noGrp="1"/>
+          </p:cNvSpPr>
+          <p:nvPr>
+            <p:ph idx="1"/>
+          </p:nvPr>
+        </p:nvSpPr>
+        <p:spPr>
+          <a:xfrm>
+            <a:off x="863047" y="2057400"/>
+            <a:ext cx="5368788" cy="4137259"/>
+          </a:xfrm>
+        </p:spPr>
+        <p:txBody>
+          <a:bodyPr>
+            <a:normAutofit lnSpcReduction="10000"/>
+          </a:bodyPr>
+          <a:lstStyle/>
+          <a:p>
+            <a:r>
+              <a:rPr lang="de-DE" dirty="0" smtClean="0"/>
+              <a:t>Übungsbeispiel CSS/Web Design Agency Project</a:t>
+            </a:r>
+            <a:endParaRPr lang="de-DE" dirty="0"/>
+          </a:p>
+          <a:p>
+            <a:r>
+              <a:rPr lang="de-DE" dirty="0" smtClean="0"/>
+              <a:t>Schreibe CSS Code um ein Layout, ähnlich dem Layout in der Lösung zu erzielen.</a:t>
+            </a:r>
+          </a:p>
+          <a:p>
+            <a:r>
+              <a:rPr lang="de-DE" dirty="0" smtClean="0"/>
+              <a:t>Wichtige Layout Elemente:</a:t>
+            </a:r>
+          </a:p>
+          <a:p>
+            <a:pPr lvl="1"/>
+            <a:r>
+              <a:rPr lang="de-DE" dirty="0" smtClean="0"/>
+              <a:t>2 Blöcke nebeneinander</a:t>
+            </a:r>
+          </a:p>
+          <a:p>
+            <a:pPr lvl="1"/>
+            <a:r>
+              <a:rPr lang="de-DE" dirty="0" smtClean="0"/>
+              <a:t>Fließender Text um Bild</a:t>
+            </a:r>
+          </a:p>
+          <a:p>
+            <a:pPr lvl="1"/>
+            <a:r>
+              <a:rPr lang="de-DE" dirty="0" err="1" smtClean="0"/>
+              <a:t>Responsive</a:t>
+            </a:r>
+            <a:r>
+              <a:rPr lang="de-DE" dirty="0" smtClean="0"/>
+              <a:t> Design (</a:t>
+            </a:r>
+            <a:r>
+              <a:rPr lang="de-DE" dirty="0"/>
+              <a:t>B</a:t>
+            </a:r>
+            <a:r>
+              <a:rPr lang="de-DE" dirty="0" smtClean="0"/>
+              <a:t>löcke untereinander bei schmaler Bildschirm-Breite)</a:t>
+            </a:r>
+            <a:endParaRPr lang="en-US" dirty="0" smtClean="0"/>
+          </a:p>
+          <a:p>
+            <a:r>
+              <a:rPr lang="en-US" dirty="0" err="1" smtClean="0"/>
+              <a:t>Lösungsurl</a:t>
+            </a:r>
+            <a:r>
+              <a:rPr lang="en-US" dirty="0" smtClean="0"/>
+              <a:t>: </a:t>
+            </a:r>
+            <a:r>
+              <a:rPr lang="en-US" dirty="0" smtClean="0">
+                <a:hlinkClick r:id="rId2"/>
+              </a:rPr>
+              <a:t>https</a:t>
+            </a:r>
+            <a:r>
+              <a:rPr lang="en-US" dirty="0">
+                <a:hlinkClick r:id="rId2"/>
+              </a:rPr>
+              <a:t>://holdo89.github.io/Web-Design-Agency-Project</a:t>
+            </a:r>
+            <a:r>
+              <a:rPr lang="en-US" dirty="0" smtClean="0">
+                <a:hlinkClick r:id="rId2"/>
+              </a:rPr>
+              <a:t>/</a:t>
+            </a:r>
+            <a:r>
+              <a:rPr lang="en-US" dirty="0" smtClean="0"/>
+              <a:t> </a:t>
+            </a:r>
+            <a:endParaRPr lang="de-DE" dirty="0" smtClean="0"/>
+          </a:p>
+        </p:txBody>
+      </p:sp>
+      <p:pic>
+        <p:nvPicPr>
+          <p:cNvPr id="5" name="Grafik 4"/>
+          <p:cNvPicPr>
+            <a:picLocks noChangeAspect="1"/>
+          </p:cNvPicPr>
+          <p:nvPr/>
+        </p:nvPicPr>
+        <p:blipFill>
+          <a:blip r:embed="rId3"/>
+          <a:stretch>
+            <a:fillRect/>
+          </a:stretch>
+        </p:blipFill>
+        <p:spPr>
+          <a:xfrm>
+            <a:off x="6420677" y="2366718"/>
+            <a:ext cx="5692187" cy="2532339"/>
+          </a:xfrm>
+          <a:prstGeom prst="rect">
+            <a:avLst/>
+          </a:prstGeom>
+        </p:spPr>
+      </p:pic>
+    </p:spTree>
+    <p:extLst>
+      <p:ext uri="{BB962C8B-B14F-4D97-AF65-F5344CB8AC3E}">
+        <p14:creationId xmlns:p14="http://schemas.microsoft.com/office/powerpoint/2010/main" val="3453255797"/>
+      </p:ext>
+    </p:extLst>
+  </p:cSld>
+  <p:clrMapOvr>
+    <a:masterClrMapping/>
+  </p:clrMapOvr>
+  <p:timing>
+    <p:tnLst>
+      <p:par>
+        <p:cTn id="1" dur="indefinite" restart="never" nodeType="tmRoot"/>
+      </p:par>
+    </p:tnLst>
+  </p:timing>
+</p:sld>
+</file>
+
+<file path=ppt/slides/slide34.xml><?xml version="1.0" encoding="utf-8"?>
+<p:sld xmlns:a="http://schemas.openxmlformats.org/drawingml/2006/main" xmlns:r="http://schemas.openxmlformats.org/officeDocument/2006/relationships" xmlns:p="http://schemas.openxmlformats.org/presentationml/2006/main">
+  <p:cSld>
+    <p:spTree>
+      <p:nvGrpSpPr>
+        <p:cNvPr id="1" name=""/>
+        <p:cNvGrpSpPr/>
+        <p:nvPr/>
+      </p:nvGrpSpPr>
+      <p:grpSpPr>
+        <a:xfrm>
+          <a:off x="0" y="0"/>
+          <a:ext cx="0" cy="0"/>
+          <a:chOff x="0" y="0"/>
+          <a:chExt cx="0" cy="0"/>
+        </a:xfrm>
+      </p:grpSpPr>
+      <p:sp>
+        <p:nvSpPr>
+          <p:cNvPr id="2" name="Titel 1"/>
+          <p:cNvSpPr>
+            <a:spLocks noGrp="1"/>
+          </p:cNvSpPr>
+          <p:nvPr>
+            <p:ph type="title"/>
+          </p:nvPr>
+        </p:nvSpPr>
+        <p:spPr/>
+        <p:txBody>
+          <a:bodyPr/>
+          <a:lstStyle/>
+          <a:p>
+            <a:r>
+              <a:rPr lang="de-AT" dirty="0" smtClean="0"/>
+              <a:t>CSS </a:t>
+            </a:r>
+            <a:r>
+              <a:rPr lang="de-AT" dirty="0" err="1" smtClean="0"/>
+              <a:t>Flexbox</a:t>
+            </a:r>
+            <a:endParaRPr lang="en-US" dirty="0"/>
+          </a:p>
+        </p:txBody>
+      </p:sp>
+      <p:sp>
+        <p:nvSpPr>
+          <p:cNvPr id="3" name="Inhaltsplatzhalter 2"/>
+          <p:cNvSpPr>
+            <a:spLocks noGrp="1"/>
+          </p:cNvSpPr>
+          <p:nvPr>
+            <p:ph idx="1"/>
+          </p:nvPr>
+        </p:nvSpPr>
+        <p:spPr>
+          <a:xfrm>
+            <a:off x="1181100" y="1934308"/>
+            <a:ext cx="5729969" cy="4137259"/>
+          </a:xfrm>
+        </p:spPr>
+        <p:txBody>
+          <a:bodyPr>
+            <a:normAutofit fontScale="85000" lnSpcReduction="10000"/>
+          </a:bodyPr>
+          <a:lstStyle/>
+          <a:p>
+            <a:r>
+              <a:rPr lang="de-DE" dirty="0" smtClean="0"/>
+              <a:t>Das Modul für das flexible Box-Layout erleichtert die Gestaltung flexibler, reaktionsfähiger </a:t>
+            </a:r>
+            <a:r>
+              <a:rPr lang="de-DE" dirty="0" err="1" smtClean="0"/>
+              <a:t>Layoutstrukturen</a:t>
+            </a:r>
+            <a:r>
+              <a:rPr lang="de-DE" dirty="0" smtClean="0"/>
+              <a:t>.</a:t>
+            </a:r>
+          </a:p>
+          <a:p>
+            <a:r>
+              <a:rPr lang="de-DE" dirty="0" smtClean="0"/>
+              <a:t>Anwendungsbereich eher bei 1-dimensionale Strukturen</a:t>
+            </a:r>
+          </a:p>
+          <a:p>
+            <a:r>
+              <a:rPr lang="de-DE" dirty="0"/>
+              <a:t>Ein flexibles Layout muss ein übergeordnetes Element haben, bei dem die Eigenschaft "</a:t>
+            </a:r>
+            <a:r>
+              <a:rPr lang="de-DE" dirty="0" err="1"/>
+              <a:t>display</a:t>
+            </a:r>
+            <a:r>
+              <a:rPr lang="de-DE" dirty="0"/>
+              <a:t>" auf "</a:t>
+            </a:r>
+            <a:r>
+              <a:rPr lang="de-DE" dirty="0" err="1"/>
+              <a:t>flex</a:t>
+            </a:r>
+            <a:r>
+              <a:rPr lang="de-DE" dirty="0"/>
+              <a:t>" gesetzt ist</a:t>
+            </a:r>
+            <a:r>
+              <a:rPr lang="de-DE" dirty="0" smtClean="0"/>
+              <a:t>.</a:t>
+            </a:r>
+            <a:endParaRPr lang="de-DE" dirty="0"/>
+          </a:p>
+          <a:p>
+            <a:r>
+              <a:rPr lang="de-DE" dirty="0"/>
+              <a:t>Die direkten </a:t>
+            </a:r>
+            <a:r>
+              <a:rPr lang="de-DE" dirty="0" smtClean="0"/>
+              <a:t>Child-Elemente </a:t>
+            </a:r>
+            <a:r>
+              <a:rPr lang="de-DE" dirty="0"/>
+              <a:t>des flexiblen Containers werden automatisch zu flexiblen Elementen</a:t>
+            </a:r>
+            <a:r>
+              <a:rPr lang="de-DE" dirty="0" smtClean="0"/>
+              <a:t>.</a:t>
+            </a:r>
+          </a:p>
+          <a:p>
+            <a:r>
+              <a:rPr lang="de-DE" dirty="0" smtClean="0"/>
+              <a:t>Über weitere Flex-Eigenschaften kann das Layout genau definiert werden</a:t>
+            </a:r>
+          </a:p>
+          <a:p>
+            <a:pPr lvl="1"/>
+            <a:r>
+              <a:rPr lang="de-DE" dirty="0" smtClean="0"/>
+              <a:t>Flex-</a:t>
+            </a:r>
+            <a:r>
+              <a:rPr lang="de-DE" dirty="0" err="1" smtClean="0"/>
+              <a:t>direction</a:t>
+            </a:r>
+            <a:endParaRPr lang="de-DE" dirty="0" smtClean="0"/>
+          </a:p>
+          <a:p>
+            <a:pPr lvl="1"/>
+            <a:r>
+              <a:rPr lang="de-DE" dirty="0" err="1" smtClean="0"/>
+              <a:t>Align</a:t>
+            </a:r>
+            <a:r>
+              <a:rPr lang="de-DE" dirty="0" smtClean="0"/>
+              <a:t>-items</a:t>
+            </a:r>
+          </a:p>
+          <a:p>
+            <a:pPr lvl="1"/>
+            <a:r>
+              <a:rPr lang="de-DE" dirty="0" err="1" smtClean="0"/>
+              <a:t>Justify</a:t>
+            </a:r>
+            <a:r>
+              <a:rPr lang="de-DE" dirty="0" smtClean="0"/>
+              <a:t>-content</a:t>
+            </a:r>
+          </a:p>
+          <a:p>
+            <a:pPr lvl="1"/>
+            <a:r>
+              <a:rPr lang="de-DE" dirty="0" err="1" smtClean="0"/>
+              <a:t>Align</a:t>
+            </a:r>
+            <a:r>
+              <a:rPr lang="de-DE" dirty="0" smtClean="0"/>
+              <a:t>-content</a:t>
+            </a:r>
+            <a:endParaRPr lang="en-US" dirty="0"/>
+          </a:p>
+        </p:txBody>
+      </p:sp>
+      <p:pic>
+        <p:nvPicPr>
+          <p:cNvPr id="6" name="Grafik 5"/>
+          <p:cNvPicPr>
+            <a:picLocks noChangeAspect="1"/>
+          </p:cNvPicPr>
+          <p:nvPr/>
+        </p:nvPicPr>
+        <p:blipFill rotWithShape="1">
+          <a:blip r:embed="rId2"/>
+          <a:srcRect t="1450"/>
+          <a:stretch/>
+        </p:blipFill>
+        <p:spPr>
+          <a:xfrm>
+            <a:off x="7125684" y="2057400"/>
+            <a:ext cx="3642632" cy="2654706"/>
+          </a:xfrm>
+          <a:prstGeom prst="rect">
+            <a:avLst/>
+          </a:prstGeom>
+        </p:spPr>
+      </p:pic>
+      <p:pic>
+        <p:nvPicPr>
+          <p:cNvPr id="7" name="Grafik 6"/>
+          <p:cNvPicPr>
+            <a:picLocks noChangeAspect="1"/>
+          </p:cNvPicPr>
+          <p:nvPr/>
+        </p:nvPicPr>
+        <p:blipFill>
+          <a:blip r:embed="rId3"/>
+          <a:stretch>
+            <a:fillRect/>
+          </a:stretch>
+        </p:blipFill>
+        <p:spPr>
+          <a:xfrm>
+            <a:off x="7231516" y="5161085"/>
+            <a:ext cx="4289008" cy="1327335"/>
+          </a:xfrm>
+          <a:prstGeom prst="rect">
+            <a:avLst/>
+          </a:prstGeom>
+        </p:spPr>
+      </p:pic>
+    </p:spTree>
+    <p:extLst>
+      <p:ext uri="{BB962C8B-B14F-4D97-AF65-F5344CB8AC3E}">
+        <p14:creationId xmlns:p14="http://schemas.microsoft.com/office/powerpoint/2010/main" val="932580139"/>
+      </p:ext>
+    </p:extLst>
+  </p:cSld>
+  <p:clrMapOvr>
+    <a:masterClrMapping/>
+  </p:clrMapOvr>
+  <p:timing>
+    <p:tnLst>
+      <p:par>
+        <p:cTn id="1" dur="indefinite" restart="never" nodeType="tmRoot">
+          <p:childTnLst>
+            <p:seq concurrent="1" nextAc="seek">
+              <p:cTn id="2" dur="indefinite" nodeType="mainSeq">
+                <p:childTnLst>
+                  <p:par>
+                    <p:cTn id="3" fill="hold">
+                      <p:stCondLst>
+                        <p:cond delay="indefinite"/>
+                      </p:stCondLst>
+                      <p:childTnLst>
+                        <p:par>
+                          <p:cTn id="4" fill="hold">
+                            <p:stCondLst>
+                              <p:cond delay="0"/>
+                            </p:stCondLst>
+                            <p:childTnLst>
+                              <p:par>
+                                <p:cTn id="5" presetID="10" presetClass="entr" presetSubtype="0" fill="hold" grpId="0" nodeType="clickEffect">
+                                  <p:stCondLst>
+                                    <p:cond delay="0"/>
+                                  </p:stCondLst>
+                                  <p:childTnLst>
+                                    <p:set>
+                                      <p:cBhvr>
+                                        <p:cTn id="6" dur="1" fill="hold">
+                                          <p:stCondLst>
+                                            <p:cond delay="0"/>
+                                          </p:stCondLst>
+                                        </p:cTn>
+                                        <p:tgtEl>
+                                          <p:spTgt spid="3">
+                                            <p:txEl>
+                                              <p:pRg st="0" end="0"/>
+                                            </p:txEl>
+                                          </p:spTgt>
+                                        </p:tgtEl>
+                                        <p:attrNameLst>
+                                          <p:attrName>style.visibility</p:attrName>
+                                        </p:attrNameLst>
+                                      </p:cBhvr>
+                                      <p:to>
+                                        <p:strVal val="visible"/>
+                                      </p:to>
+                                    </p:set>
+                                    <p:animEffect transition="in" filter="fade">
+                                      <p:cBhvr>
+                                        <p:cTn id="7" dur="500"/>
+                                        <p:tgtEl>
+                                          <p:spTgt spid="3">
+                                            <p:txEl>
+                                              <p:pRg st="0" end="0"/>
+                                            </p:txEl>
+                                          </p:spTgt>
+                                        </p:tgtEl>
+                                      </p:cBhvr>
+                                    </p:animEffect>
+                                  </p:childTnLst>
+                                </p:cTn>
+                              </p:par>
+                            </p:childTnLst>
+                          </p:cTn>
+                        </p:par>
+                      </p:childTnLst>
+                    </p:cTn>
+                  </p:par>
+                  <p:par>
+                    <p:cTn id="8" fill="hold">
+                      <p:stCondLst>
+                        <p:cond delay="indefinite"/>
+                      </p:stCondLst>
+                      <p:childTnLst>
+                        <p:par>
+                          <p:cTn id="9" fill="hold">
+                            <p:stCondLst>
+                              <p:cond delay="0"/>
+                            </p:stCondLst>
+                            <p:childTnLst>
+                              <p:par>
+                                <p:cTn id="10" presetID="10" presetClass="entr" presetSubtype="0" fill="hold" grpId="0" nodeType="clickEffect">
+                                  <p:stCondLst>
+                                    <p:cond delay="0"/>
+                                  </p:stCondLst>
+                                  <p:childTnLst>
+                                    <p:set>
+                                      <p:cBhvr>
+                                        <p:cTn id="11" dur="1" fill="hold">
+                                          <p:stCondLst>
+                                            <p:cond delay="0"/>
+                                          </p:stCondLst>
+                                        </p:cTn>
+                                        <p:tgtEl>
+                                          <p:spTgt spid="3">
+                                            <p:txEl>
+                                              <p:pRg st="1" end="1"/>
+                                            </p:txEl>
+                                          </p:spTgt>
+                                        </p:tgtEl>
+                                        <p:attrNameLst>
+                                          <p:attrName>style.visibility</p:attrName>
+                                        </p:attrNameLst>
+                                      </p:cBhvr>
+                                      <p:to>
+                                        <p:strVal val="visible"/>
+                                      </p:to>
+                                    </p:set>
+                                    <p:animEffect transition="in" filter="fade">
+                                      <p:cBhvr>
+                                        <p:cTn id="12" dur="500"/>
+                                        <p:tgtEl>
+                                          <p:spTgt spid="3">
+                                            <p:txEl>
+                                              <p:pRg st="1" end="1"/>
+                                            </p:txEl>
+                                          </p:spTgt>
+                                        </p:tgtEl>
+                                      </p:cBhvr>
+                                    </p:animEffect>
+                                  </p:childTnLst>
+                                </p:cTn>
+                              </p:par>
+                            </p:childTnLst>
+                          </p:cTn>
+                        </p:par>
+                      </p:childTnLst>
+                    </p:cTn>
+                  </p:par>
+                  <p:par>
+                    <p:cTn id="13" fill="hold">
+                      <p:stCondLst>
+                        <p:cond delay="indefinite"/>
+                      </p:stCondLst>
+                      <p:childTnLst>
+                        <p:par>
+                          <p:cTn id="14" fill="hold">
+                            <p:stCondLst>
+                              <p:cond delay="0"/>
+                            </p:stCondLst>
+                            <p:childTnLst>
+                              <p:par>
+                                <p:cTn id="15" presetID="10" presetClass="entr" presetSubtype="0" fill="hold" grpId="0" nodeType="clickEffect">
+                                  <p:stCondLst>
+                                    <p:cond delay="0"/>
+                                  </p:stCondLst>
+                                  <p:childTnLst>
+                                    <p:set>
+                                      <p:cBhvr>
+                                        <p:cTn id="16" dur="1" fill="hold">
+                                          <p:stCondLst>
+                                            <p:cond delay="0"/>
+                                          </p:stCondLst>
+                                        </p:cTn>
+                                        <p:tgtEl>
+                                          <p:spTgt spid="3">
+                                            <p:txEl>
+                                              <p:pRg st="2" end="2"/>
+                                            </p:txEl>
+                                          </p:spTgt>
+                                        </p:tgtEl>
+                                        <p:attrNameLst>
+                                          <p:attrName>style.visibility</p:attrName>
+                                        </p:attrNameLst>
+                                      </p:cBhvr>
+                                      <p:to>
+                                        <p:strVal val="visible"/>
+                                      </p:to>
+                                    </p:set>
+                                    <p:animEffect transition="in" filter="fade">
+                                      <p:cBhvr>
+                                        <p:cTn id="17" dur="500"/>
+                                        <p:tgtEl>
+                                          <p:spTgt spid="3">
+                                            <p:txEl>
+                                              <p:pRg st="2" end="2"/>
+                                            </p:txEl>
+                                          </p:spTgt>
+                                        </p:tgtEl>
+                                      </p:cBhvr>
+                                    </p:animEffect>
+                                  </p:childTnLst>
+                                </p:cTn>
+                              </p:par>
+                            </p:childTnLst>
+                          </p:cTn>
+                        </p:par>
+                      </p:childTnLst>
+                    </p:cTn>
+                  </p:par>
+                  <p:par>
+                    <p:cTn id="18" fill="hold">
+                      <p:stCondLst>
+                        <p:cond delay="indefinite"/>
+                      </p:stCondLst>
+                      <p:childTnLst>
+                        <p:par>
+                          <p:cTn id="19" fill="hold">
+                            <p:stCondLst>
+                              <p:cond delay="0"/>
+                            </p:stCondLst>
+                            <p:childTnLst>
+                              <p:par>
+                                <p:cTn id="20" presetID="10" presetClass="entr" presetSubtype="0" fill="hold" grpId="0" nodeType="clickEffect">
+                                  <p:stCondLst>
+                                    <p:cond delay="0"/>
+                                  </p:stCondLst>
+                                  <p:childTnLst>
+                                    <p:set>
+                                      <p:cBhvr>
+                                        <p:cTn id="21" dur="1" fill="hold">
+                                          <p:stCondLst>
+                                            <p:cond delay="0"/>
+                                          </p:stCondLst>
+                                        </p:cTn>
+                                        <p:tgtEl>
+                                          <p:spTgt spid="3">
+                                            <p:txEl>
+                                              <p:pRg st="3" end="3"/>
+                                            </p:txEl>
+                                          </p:spTgt>
+                                        </p:tgtEl>
+                                        <p:attrNameLst>
+                                          <p:attrName>style.visibility</p:attrName>
+                                        </p:attrNameLst>
+                                      </p:cBhvr>
+                                      <p:to>
+                                        <p:strVal val="visible"/>
+                                      </p:to>
+                                    </p:set>
+                                    <p:animEffect transition="in" filter="fade">
+                                      <p:cBhvr>
+                                        <p:cTn id="22" dur="500"/>
+                                        <p:tgtEl>
+                                          <p:spTgt spid="3">
+                                            <p:txEl>
+                                              <p:pRg st="3" end="3"/>
+                                            </p:txEl>
+                                          </p:spTgt>
+                                        </p:tgtEl>
+                                      </p:cBhvr>
+                                    </p:animEffect>
+                                  </p:childTnLst>
+                                </p:cTn>
+                              </p:par>
+                            </p:childTnLst>
+                          </p:cTn>
+                        </p:par>
+                      </p:childTnLst>
+                    </p:cTn>
+                  </p:par>
+                  <p:par>
+                    <p:cTn id="23" fill="hold">
+                      <p:stCondLst>
+                        <p:cond delay="indefinite"/>
+                      </p:stCondLst>
+                      <p:childTnLst>
+                        <p:par>
+                          <p:cTn id="24" fill="hold">
+                            <p:stCondLst>
+                              <p:cond delay="0"/>
+                            </p:stCondLst>
+                            <p:childTnLst>
+                              <p:par>
+                                <p:cTn id="25" presetID="10" presetClass="entr" presetSubtype="0" fill="hold" grpId="0" nodeType="clickEffect">
+                                  <p:stCondLst>
+                                    <p:cond delay="0"/>
+                                  </p:stCondLst>
+                                  <p:childTnLst>
+                                    <p:set>
+                                      <p:cBhvr>
+                                        <p:cTn id="26" dur="1" fill="hold">
+                                          <p:stCondLst>
+                                            <p:cond delay="0"/>
+                                          </p:stCondLst>
+                                        </p:cTn>
+                                        <p:tgtEl>
+                                          <p:spTgt spid="3">
+                                            <p:txEl>
+                                              <p:pRg st="4" end="4"/>
+                                            </p:txEl>
+                                          </p:spTgt>
+                                        </p:tgtEl>
+                                        <p:attrNameLst>
+                                          <p:attrName>style.visibility</p:attrName>
+                                        </p:attrNameLst>
+                                      </p:cBhvr>
+                                      <p:to>
+                                        <p:strVal val="visible"/>
+                                      </p:to>
+                                    </p:set>
+                                    <p:animEffect transition="in" filter="fade">
+                                      <p:cBhvr>
+                                        <p:cTn id="27" dur="500"/>
+                                        <p:tgtEl>
+                                          <p:spTgt spid="3">
+                                            <p:txEl>
+                                              <p:pRg st="4" end="4"/>
+                                            </p:txEl>
+                                          </p:spTgt>
+                                        </p:tgtEl>
+                                      </p:cBhvr>
+                                    </p:animEffect>
+                                  </p:childTnLst>
+                                </p:cTn>
+                              </p:par>
+                              <p:par>
+                                <p:cTn id="28" presetID="10" presetClass="entr" presetSubtype="0" fill="hold" grpId="0" nodeType="withEffect">
+                                  <p:stCondLst>
+                                    <p:cond delay="0"/>
+                                  </p:stCondLst>
+                                  <p:childTnLst>
+                                    <p:set>
+                                      <p:cBhvr>
+                                        <p:cTn id="29" dur="1" fill="hold">
+                                          <p:stCondLst>
+                                            <p:cond delay="0"/>
+                                          </p:stCondLst>
+                                        </p:cTn>
+                                        <p:tgtEl>
+                                          <p:spTgt spid="3">
+                                            <p:txEl>
+                                              <p:pRg st="5" end="5"/>
+                                            </p:txEl>
+                                          </p:spTgt>
+                                        </p:tgtEl>
+                                        <p:attrNameLst>
+                                          <p:attrName>style.visibility</p:attrName>
+                                        </p:attrNameLst>
+                                      </p:cBhvr>
+                                      <p:to>
+                                        <p:strVal val="visible"/>
+                                      </p:to>
+                                    </p:set>
+                                    <p:animEffect transition="in" filter="fade">
+                                      <p:cBhvr>
+                                        <p:cTn id="30" dur="500"/>
+                                        <p:tgtEl>
+                                          <p:spTgt spid="3">
+                                            <p:txEl>
+                                              <p:pRg st="5" end="5"/>
+                                            </p:txEl>
+                                          </p:spTgt>
+                                        </p:tgtEl>
+                                      </p:cBhvr>
+                                    </p:animEffect>
+                                  </p:childTnLst>
+                                </p:cTn>
+                              </p:par>
+                              <p:par>
+                                <p:cTn id="31" presetID="10" presetClass="entr" presetSubtype="0" fill="hold" grpId="0" nodeType="withEffect">
+                                  <p:stCondLst>
+                                    <p:cond delay="0"/>
+                                  </p:stCondLst>
+                                  <p:childTnLst>
+                                    <p:set>
+                                      <p:cBhvr>
+                                        <p:cTn id="32" dur="1" fill="hold">
+                                          <p:stCondLst>
+                                            <p:cond delay="0"/>
+                                          </p:stCondLst>
+                                        </p:cTn>
+                                        <p:tgtEl>
+                                          <p:spTgt spid="3">
+                                            <p:txEl>
+                                              <p:pRg st="6" end="6"/>
+                                            </p:txEl>
+                                          </p:spTgt>
+                                        </p:tgtEl>
+                                        <p:attrNameLst>
+                                          <p:attrName>style.visibility</p:attrName>
+                                        </p:attrNameLst>
+                                      </p:cBhvr>
+                                      <p:to>
+                                        <p:strVal val="visible"/>
+                                      </p:to>
+                                    </p:set>
+                                    <p:animEffect transition="in" filter="fade">
+                                      <p:cBhvr>
+                                        <p:cTn id="33" dur="500"/>
+                                        <p:tgtEl>
+                                          <p:spTgt spid="3">
+                                            <p:txEl>
+                                              <p:pRg st="6" end="6"/>
+                                            </p:txEl>
+                                          </p:spTgt>
+                                        </p:tgtEl>
+                                      </p:cBhvr>
+                                    </p:animEffect>
+                                  </p:childTnLst>
+                                </p:cTn>
+                              </p:par>
+                              <p:par>
+                                <p:cTn id="34" presetID="10" presetClass="entr" presetSubtype="0" fill="hold" grpId="0" nodeType="withEffect">
+                                  <p:stCondLst>
+                                    <p:cond delay="0"/>
+                                  </p:stCondLst>
+                                  <p:childTnLst>
+                                    <p:set>
+                                      <p:cBhvr>
+                                        <p:cTn id="35" dur="1" fill="hold">
+                                          <p:stCondLst>
+                                            <p:cond delay="0"/>
+                                          </p:stCondLst>
+                                        </p:cTn>
+                                        <p:tgtEl>
+                                          <p:spTgt spid="3">
+                                            <p:txEl>
+                                              <p:pRg st="7" end="7"/>
+                                            </p:txEl>
+                                          </p:spTgt>
+                                        </p:tgtEl>
+                                        <p:attrNameLst>
+                                          <p:attrName>style.visibility</p:attrName>
+                                        </p:attrNameLst>
+                                      </p:cBhvr>
+                                      <p:to>
+                                        <p:strVal val="visible"/>
+                                      </p:to>
+                                    </p:set>
+                                    <p:animEffect transition="in" filter="fade">
+                                      <p:cBhvr>
+                                        <p:cTn id="36" dur="500"/>
+                                        <p:tgtEl>
+                                          <p:spTgt spid="3">
+                                            <p:txEl>
+                                              <p:pRg st="7" end="7"/>
+                                            </p:txEl>
+                                          </p:spTgt>
+                                        </p:tgtEl>
+                                      </p:cBhvr>
+                                    </p:animEffect>
+                                  </p:childTnLst>
+                                </p:cTn>
+                              </p:par>
+                              <p:par>
+                                <p:cTn id="37" presetID="10" presetClass="entr" presetSubtype="0" fill="hold" grpId="0" nodeType="withEffect">
+                                  <p:stCondLst>
+                                    <p:cond delay="0"/>
+                                  </p:stCondLst>
+                                  <p:childTnLst>
+                                    <p:set>
+                                      <p:cBhvr>
+                                        <p:cTn id="38" dur="1" fill="hold">
+                                          <p:stCondLst>
+                                            <p:cond delay="0"/>
+                                          </p:stCondLst>
+                                        </p:cTn>
+                                        <p:tgtEl>
+                                          <p:spTgt spid="3">
+                                            <p:txEl>
+                                              <p:pRg st="8" end="8"/>
+                                            </p:txEl>
+                                          </p:spTgt>
+                                        </p:tgtEl>
+                                        <p:attrNameLst>
+                                          <p:attrName>style.visibility</p:attrName>
+                                        </p:attrNameLst>
+                                      </p:cBhvr>
+                                      <p:to>
+                                        <p:strVal val="visible"/>
+                                      </p:to>
+                                    </p:set>
+                                    <p:animEffect transition="in" filter="fade">
+                                      <p:cBhvr>
+                                        <p:cTn id="39" dur="500"/>
+                                        <p:tgtEl>
+                                          <p:spTgt spid="3">
+                                            <p:txEl>
+                                              <p:pRg st="8" end="8"/>
+                                            </p:txEl>
+                                          </p:spTgt>
+                                        </p:tgtEl>
+                                      </p:cBhvr>
+                                    </p:animEffect>
+                                  </p:childTnLst>
+                                </p:cTn>
+                              </p:par>
+                            </p:childTnLst>
+                          </p:cTn>
+                        </p:par>
+                      </p:childTnLst>
+                    </p:cTn>
+                  </p:par>
+                </p:childTnLst>
+              </p:cTn>
+              <p:prevCondLst>
+                <p:cond evt="onPrev" delay="0">
+                  <p:tgtEl>
+                    <p:sldTgt/>
+                  </p:tgtEl>
+                </p:cond>
+              </p:prevCondLst>
+              <p:nextCondLst>
+                <p:cond evt="onNext" delay="0">
+                  <p:tgtEl>
+                    <p:sldTgt/>
+                  </p:tgtEl>
+                </p:cond>
+              </p:nextCondLst>
+            </p:seq>
+          </p:childTnLst>
+        </p:cTn>
+      </p:par>
+    </p:tnLst>
+    <p:bldLst>
+      <p:bldP spid="3" grpId="0" build="p"/>
+    </p:bldLst>
+  </p:timing>
+</p:sld>
+</file>
+
+<file path=ppt/slides/slide35.xml><?xml version="1.0" encoding="utf-8"?>
+<p:sld xmlns:a="http://schemas.openxmlformats.org/drawingml/2006/main" xmlns:r="http://schemas.openxmlformats.org/officeDocument/2006/relationships" xmlns:p="http://schemas.openxmlformats.org/presentationml/2006/main">
+  <p:cSld>
+    <p:spTree>
+      <p:nvGrpSpPr>
+        <p:cNvPr id="1" name=""/>
+        <p:cNvGrpSpPr/>
+        <p:nvPr/>
+      </p:nvGrpSpPr>
+      <p:grpSpPr>
+        <a:xfrm>
+          <a:off x="0" y="0"/>
+          <a:ext cx="0" cy="0"/>
+          <a:chOff x="0" y="0"/>
+          <a:chExt cx="0" cy="0"/>
+        </a:xfrm>
+      </p:grpSpPr>
+      <p:sp>
+        <p:nvSpPr>
+          <p:cNvPr id="2" name="Titel 1"/>
+          <p:cNvSpPr>
+            <a:spLocks noGrp="1"/>
+          </p:cNvSpPr>
+          <p:nvPr>
+            <p:ph type="title"/>
+          </p:nvPr>
+        </p:nvSpPr>
+        <p:spPr/>
+        <p:txBody>
+          <a:bodyPr/>
+          <a:lstStyle/>
+          <a:p>
+            <a:r>
+              <a:rPr lang="de-AT" dirty="0" smtClean="0"/>
+              <a:t>CSS </a:t>
+            </a:r>
+            <a:r>
+              <a:rPr lang="de-AT" dirty="0" err="1" smtClean="0"/>
+              <a:t>Grid</a:t>
+            </a:r>
+            <a:endParaRPr lang="en-US" dirty="0"/>
+          </a:p>
+        </p:txBody>
+      </p:sp>
+      <p:sp>
+        <p:nvSpPr>
+          <p:cNvPr id="3" name="Inhaltsplatzhalter 2"/>
+          <p:cNvSpPr>
+            <a:spLocks noGrp="1"/>
+          </p:cNvSpPr>
+          <p:nvPr>
+            <p:ph idx="1"/>
+          </p:nvPr>
+        </p:nvSpPr>
+        <p:spPr>
+          <a:xfrm>
+            <a:off x="855785" y="2057400"/>
+            <a:ext cx="6318738" cy="4137259"/>
+          </a:xfrm>
+        </p:spPr>
+        <p:txBody>
+          <a:bodyPr>
+            <a:normAutofit fontScale="92500" lnSpcReduction="20000"/>
+          </a:bodyPr>
+          <a:lstStyle/>
+          <a:p>
+            <a:r>
+              <a:rPr lang="de-DE" dirty="0"/>
+              <a:t>Das CSS </a:t>
+            </a:r>
+            <a:r>
+              <a:rPr lang="de-DE" dirty="0" err="1"/>
+              <a:t>Grid</a:t>
+            </a:r>
+            <a:r>
+              <a:rPr lang="de-DE" dirty="0"/>
+              <a:t> Layout-Modul bietet ein Rastersystem für das Layout, mit Zeilen und Spalten, </a:t>
+            </a:r>
+            <a:endParaRPr lang="de-DE" dirty="0" smtClean="0"/>
+          </a:p>
+          <a:p>
+            <a:r>
+              <a:rPr lang="de-DE" dirty="0" smtClean="0"/>
+              <a:t>Anwendung eher bei Layout-Strukturen in 2 Dimensionen.</a:t>
+            </a:r>
+          </a:p>
+          <a:p>
+            <a:r>
+              <a:rPr lang="de-DE" dirty="0"/>
+              <a:t>Die Eigenschaft "</a:t>
+            </a:r>
+            <a:r>
+              <a:rPr lang="de-DE" b="1" dirty="0" err="1"/>
+              <a:t>grid</a:t>
+            </a:r>
+            <a:r>
+              <a:rPr lang="de-DE" b="1" dirty="0"/>
+              <a:t>-template-</a:t>
+            </a:r>
+            <a:r>
+              <a:rPr lang="de-DE" b="1" dirty="0" err="1"/>
+              <a:t>columns</a:t>
+            </a:r>
+            <a:r>
+              <a:rPr lang="de-DE" dirty="0"/>
+              <a:t>" definiert die Anzahl der Spalten in Ihrem Rasterlayout und kann die Breite jeder Spalte festlegen</a:t>
+            </a:r>
+            <a:r>
+              <a:rPr lang="de-DE" dirty="0" smtClean="0"/>
+              <a:t>.</a:t>
+            </a:r>
+          </a:p>
+          <a:p>
+            <a:r>
+              <a:rPr lang="de-DE" dirty="0"/>
+              <a:t>Die Eigenschaft "</a:t>
+            </a:r>
+            <a:r>
+              <a:rPr lang="de-DE" dirty="0" err="1"/>
+              <a:t>grid</a:t>
+            </a:r>
+            <a:r>
+              <a:rPr lang="de-DE" dirty="0"/>
+              <a:t>-template-</a:t>
+            </a:r>
+            <a:r>
+              <a:rPr lang="de-DE" dirty="0" err="1"/>
+              <a:t>columns</a:t>
+            </a:r>
+            <a:r>
+              <a:rPr lang="de-DE" dirty="0"/>
+              <a:t>" kann auch verwendet werden, um die </a:t>
+            </a:r>
+            <a:r>
+              <a:rPr lang="de-DE" dirty="0" smtClean="0"/>
+              <a:t>Breite </a:t>
+            </a:r>
+            <a:r>
+              <a:rPr lang="de-DE" dirty="0"/>
+              <a:t>der Spalten festzulegen</a:t>
+            </a:r>
+            <a:r>
+              <a:rPr lang="de-DE" dirty="0" smtClean="0"/>
+              <a:t>.</a:t>
+            </a:r>
+          </a:p>
+          <a:p>
+            <a:r>
+              <a:rPr lang="de-DE" dirty="0"/>
+              <a:t>Die Eigenschaft "</a:t>
+            </a:r>
+            <a:r>
+              <a:rPr lang="de-DE" b="1" dirty="0" err="1"/>
+              <a:t>grid</a:t>
+            </a:r>
+            <a:r>
+              <a:rPr lang="de-DE" b="1" dirty="0"/>
+              <a:t>-template-</a:t>
+            </a:r>
+            <a:r>
+              <a:rPr lang="de-DE" b="1" dirty="0" err="1"/>
+              <a:t>rows</a:t>
+            </a:r>
+            <a:r>
+              <a:rPr lang="de-DE" dirty="0"/>
+              <a:t>" definiert die Höhe jeder Zeile</a:t>
+            </a:r>
+            <a:r>
+              <a:rPr lang="de-DE" dirty="0" smtClean="0"/>
+              <a:t>.</a:t>
+            </a:r>
+          </a:p>
+          <a:p>
+            <a:r>
+              <a:rPr lang="de-DE" dirty="0" smtClean="0"/>
+              <a:t>Mit der Eigenschaft „</a:t>
+            </a:r>
+            <a:r>
+              <a:rPr lang="de-DE" b="1" dirty="0" err="1" smtClean="0"/>
+              <a:t>gap</a:t>
+            </a:r>
+            <a:r>
+              <a:rPr lang="de-DE" dirty="0" smtClean="0"/>
+              <a:t>“ wird der Abstand zwischen Zeilen und Spalten definiert (erster Wert = Zeile, zweiter Wert = Spalte)</a:t>
+            </a:r>
+          </a:p>
+          <a:p>
+            <a:endParaRPr lang="de-DE" dirty="0"/>
+          </a:p>
+          <a:p>
+            <a:endParaRPr lang="en-US" dirty="0"/>
+          </a:p>
+        </p:txBody>
+      </p:sp>
+      <p:pic>
+        <p:nvPicPr>
+          <p:cNvPr id="4" name="Grafik 3"/>
+          <p:cNvPicPr>
+            <a:picLocks noChangeAspect="1"/>
+          </p:cNvPicPr>
+          <p:nvPr/>
+        </p:nvPicPr>
+        <p:blipFill>
+          <a:blip r:embed="rId2"/>
+          <a:stretch>
+            <a:fillRect/>
+          </a:stretch>
+        </p:blipFill>
+        <p:spPr>
+          <a:xfrm>
+            <a:off x="7306801" y="1685046"/>
+            <a:ext cx="4029414" cy="2894852"/>
+          </a:xfrm>
+          <a:prstGeom prst="rect">
+            <a:avLst/>
+          </a:prstGeom>
+        </p:spPr>
+      </p:pic>
+      <p:pic>
+        <p:nvPicPr>
+          <p:cNvPr id="5" name="Grafik 4"/>
+          <p:cNvPicPr>
+            <a:picLocks noChangeAspect="1"/>
+          </p:cNvPicPr>
+          <p:nvPr/>
+        </p:nvPicPr>
+        <p:blipFill>
+          <a:blip r:embed="rId3"/>
+          <a:stretch>
+            <a:fillRect/>
+          </a:stretch>
+        </p:blipFill>
+        <p:spPr>
+          <a:xfrm>
+            <a:off x="7306801" y="4699508"/>
+            <a:ext cx="4236736" cy="2020527"/>
+          </a:xfrm>
+          <a:prstGeom prst="rect">
+            <a:avLst/>
+          </a:prstGeom>
+        </p:spPr>
+      </p:pic>
+    </p:spTree>
+    <p:extLst>
+      <p:ext uri="{BB962C8B-B14F-4D97-AF65-F5344CB8AC3E}">
+        <p14:creationId xmlns:p14="http://schemas.microsoft.com/office/powerpoint/2010/main" val="1808474136"/>
+      </p:ext>
+    </p:extLst>
+  </p:cSld>
+  <p:clrMapOvr>
+    <a:masterClrMapping/>
+  </p:clrMapOvr>
+  <p:timing>
+    <p:tnLst>
+      <p:par>
+        <p:cTn id="1" dur="indefinite" restart="never" nodeType="tmRoot">
+          <p:childTnLst>
+            <p:seq concurrent="1" nextAc="seek">
+              <p:cTn id="2" dur="indefinite" nodeType="mainSeq">
+                <p:childTnLst>
+                  <p:par>
+                    <p:cTn id="3" fill="hold">
+                      <p:stCondLst>
+                        <p:cond delay="indefinite"/>
+                      </p:stCondLst>
+                      <p:childTnLst>
+                        <p:par>
+                          <p:cTn id="4" fill="hold">
+                            <p:stCondLst>
+                              <p:cond delay="0"/>
+                            </p:stCondLst>
+                            <p:childTnLst>
+                              <p:par>
+                                <p:cTn id="5" presetID="10" presetClass="entr" presetSubtype="0" fill="hold" grpId="0" nodeType="clickEffect">
+                                  <p:stCondLst>
+                                    <p:cond delay="0"/>
+                                  </p:stCondLst>
+                                  <p:childTnLst>
+                                    <p:set>
+                                      <p:cBhvr>
+                                        <p:cTn id="6" dur="1" fill="hold">
+                                          <p:stCondLst>
+                                            <p:cond delay="0"/>
+                                          </p:stCondLst>
+                                        </p:cTn>
+                                        <p:tgtEl>
+                                          <p:spTgt spid="3">
+                                            <p:txEl>
+                                              <p:pRg st="0" end="0"/>
+                                            </p:txEl>
+                                          </p:spTgt>
+                                        </p:tgtEl>
+                                        <p:attrNameLst>
+                                          <p:attrName>style.visibility</p:attrName>
+                                        </p:attrNameLst>
+                                      </p:cBhvr>
+                                      <p:to>
+                                        <p:strVal val="visible"/>
+                                      </p:to>
+                                    </p:set>
+                                    <p:animEffect transition="in" filter="fade">
+                                      <p:cBhvr>
+                                        <p:cTn id="7" dur="500"/>
+                                        <p:tgtEl>
+                                          <p:spTgt spid="3">
+                                            <p:txEl>
+                                              <p:pRg st="0" end="0"/>
+                                            </p:txEl>
+                                          </p:spTgt>
+                                        </p:tgtEl>
+                                      </p:cBhvr>
+                                    </p:animEffect>
+                                  </p:childTnLst>
+                                </p:cTn>
+                              </p:par>
+                            </p:childTnLst>
+                          </p:cTn>
+                        </p:par>
+                      </p:childTnLst>
+                    </p:cTn>
+                  </p:par>
+                  <p:par>
+                    <p:cTn id="8" fill="hold">
+                      <p:stCondLst>
+                        <p:cond delay="indefinite"/>
+                      </p:stCondLst>
+                      <p:childTnLst>
+                        <p:par>
+                          <p:cTn id="9" fill="hold">
+                            <p:stCondLst>
+                              <p:cond delay="0"/>
+                            </p:stCondLst>
+                            <p:childTnLst>
+                              <p:par>
+                                <p:cTn id="10" presetID="10" presetClass="entr" presetSubtype="0" fill="hold" grpId="0" nodeType="clickEffect">
+                                  <p:stCondLst>
+                                    <p:cond delay="0"/>
+                                  </p:stCondLst>
+                                  <p:childTnLst>
+                                    <p:set>
+                                      <p:cBhvr>
+                                        <p:cTn id="11" dur="1" fill="hold">
+                                          <p:stCondLst>
+                                            <p:cond delay="0"/>
+                                          </p:stCondLst>
+                                        </p:cTn>
+                                        <p:tgtEl>
+                                          <p:spTgt spid="3">
+                                            <p:txEl>
+                                              <p:pRg st="1" end="1"/>
+                                            </p:txEl>
+                                          </p:spTgt>
+                                        </p:tgtEl>
+                                        <p:attrNameLst>
+                                          <p:attrName>style.visibility</p:attrName>
+                                        </p:attrNameLst>
+                                      </p:cBhvr>
+                                      <p:to>
+                                        <p:strVal val="visible"/>
+                                      </p:to>
+                                    </p:set>
+                                    <p:animEffect transition="in" filter="fade">
+                                      <p:cBhvr>
+                                        <p:cTn id="12" dur="500"/>
+                                        <p:tgtEl>
+                                          <p:spTgt spid="3">
+                                            <p:txEl>
+                                              <p:pRg st="1" end="1"/>
+                                            </p:txEl>
+                                          </p:spTgt>
+                                        </p:tgtEl>
+                                      </p:cBhvr>
+                                    </p:animEffect>
+                                  </p:childTnLst>
+                                </p:cTn>
+                              </p:par>
+                            </p:childTnLst>
+                          </p:cTn>
+                        </p:par>
+                      </p:childTnLst>
+                    </p:cTn>
+                  </p:par>
+                  <p:par>
+                    <p:cTn id="13" fill="hold">
+                      <p:stCondLst>
+                        <p:cond delay="indefinite"/>
+                      </p:stCondLst>
+                      <p:childTnLst>
+                        <p:par>
+                          <p:cTn id="14" fill="hold">
+                            <p:stCondLst>
+                              <p:cond delay="0"/>
+                            </p:stCondLst>
+                            <p:childTnLst>
+                              <p:par>
+                                <p:cTn id="15" presetID="10" presetClass="entr" presetSubtype="0" fill="hold" grpId="0" nodeType="clickEffect">
+                                  <p:stCondLst>
+                                    <p:cond delay="0"/>
+                                  </p:stCondLst>
+                                  <p:childTnLst>
+                                    <p:set>
+                                      <p:cBhvr>
+                                        <p:cTn id="16" dur="1" fill="hold">
+                                          <p:stCondLst>
+                                            <p:cond delay="0"/>
+                                          </p:stCondLst>
+                                        </p:cTn>
+                                        <p:tgtEl>
+                                          <p:spTgt spid="3">
+                                            <p:txEl>
+                                              <p:pRg st="2" end="2"/>
+                                            </p:txEl>
+                                          </p:spTgt>
+                                        </p:tgtEl>
+                                        <p:attrNameLst>
+                                          <p:attrName>style.visibility</p:attrName>
+                                        </p:attrNameLst>
+                                      </p:cBhvr>
+                                      <p:to>
+                                        <p:strVal val="visible"/>
+                                      </p:to>
+                                    </p:set>
+                                    <p:animEffect transition="in" filter="fade">
+                                      <p:cBhvr>
+                                        <p:cTn id="17" dur="500"/>
+                                        <p:tgtEl>
+                                          <p:spTgt spid="3">
+                                            <p:txEl>
+                                              <p:pRg st="2" end="2"/>
+                                            </p:txEl>
+                                          </p:spTgt>
+                                        </p:tgtEl>
+                                      </p:cBhvr>
+                                    </p:animEffect>
+                                  </p:childTnLst>
+                                </p:cTn>
+                              </p:par>
+                            </p:childTnLst>
+                          </p:cTn>
+                        </p:par>
+                      </p:childTnLst>
+                    </p:cTn>
+                  </p:par>
+                  <p:par>
+                    <p:cTn id="18" fill="hold">
+                      <p:stCondLst>
+                        <p:cond delay="indefinite"/>
+                      </p:stCondLst>
+                      <p:childTnLst>
+                        <p:par>
+                          <p:cTn id="19" fill="hold">
+                            <p:stCondLst>
+                              <p:cond delay="0"/>
+                            </p:stCondLst>
+                            <p:childTnLst>
+                              <p:par>
+                                <p:cTn id="20" presetID="10" presetClass="entr" presetSubtype="0" fill="hold" grpId="0" nodeType="clickEffect">
+                                  <p:stCondLst>
+                                    <p:cond delay="0"/>
+                                  </p:stCondLst>
+                                  <p:childTnLst>
+                                    <p:set>
+                                      <p:cBhvr>
+                                        <p:cTn id="21" dur="1" fill="hold">
+                                          <p:stCondLst>
+                                            <p:cond delay="0"/>
+                                          </p:stCondLst>
+                                        </p:cTn>
+                                        <p:tgtEl>
+                                          <p:spTgt spid="3">
+                                            <p:txEl>
+                                              <p:pRg st="3" end="3"/>
+                                            </p:txEl>
+                                          </p:spTgt>
+                                        </p:tgtEl>
+                                        <p:attrNameLst>
+                                          <p:attrName>style.visibility</p:attrName>
+                                        </p:attrNameLst>
+                                      </p:cBhvr>
+                                      <p:to>
+                                        <p:strVal val="visible"/>
+                                      </p:to>
+                                    </p:set>
+                                    <p:animEffect transition="in" filter="fade">
+                                      <p:cBhvr>
+                                        <p:cTn id="22" dur="500"/>
+                                        <p:tgtEl>
+                                          <p:spTgt spid="3">
+                                            <p:txEl>
+                                              <p:pRg st="3" end="3"/>
+                                            </p:txEl>
+                                          </p:spTgt>
+                                        </p:tgtEl>
+                                      </p:cBhvr>
+                                    </p:animEffect>
+                                  </p:childTnLst>
+                                </p:cTn>
+                              </p:par>
+                            </p:childTnLst>
+                          </p:cTn>
+                        </p:par>
+                      </p:childTnLst>
+                    </p:cTn>
+                  </p:par>
+                  <p:par>
+                    <p:cTn id="23" fill="hold">
+                      <p:stCondLst>
+                        <p:cond delay="indefinite"/>
+                      </p:stCondLst>
+                      <p:childTnLst>
+                        <p:par>
+                          <p:cTn id="24" fill="hold">
+                            <p:stCondLst>
+                              <p:cond delay="0"/>
+                            </p:stCondLst>
+                            <p:childTnLst>
+                              <p:par>
+                                <p:cTn id="25" presetID="10" presetClass="entr" presetSubtype="0" fill="hold" grpId="0" nodeType="clickEffect">
+                                  <p:stCondLst>
+                                    <p:cond delay="0"/>
+                                  </p:stCondLst>
+                                  <p:childTnLst>
+                                    <p:set>
+                                      <p:cBhvr>
+                                        <p:cTn id="26" dur="1" fill="hold">
+                                          <p:stCondLst>
+                                            <p:cond delay="0"/>
+                                          </p:stCondLst>
+                                        </p:cTn>
+                                        <p:tgtEl>
+                                          <p:spTgt spid="3">
+                                            <p:txEl>
+                                              <p:pRg st="4" end="4"/>
+                                            </p:txEl>
+                                          </p:spTgt>
+                                        </p:tgtEl>
+                                        <p:attrNameLst>
+                                          <p:attrName>style.visibility</p:attrName>
+                                        </p:attrNameLst>
+                                      </p:cBhvr>
+                                      <p:to>
+                                        <p:strVal val="visible"/>
+                                      </p:to>
+                                    </p:set>
+                                    <p:animEffect transition="in" filter="fade">
+                                      <p:cBhvr>
+                                        <p:cTn id="27" dur="500"/>
+                                        <p:tgtEl>
+                                          <p:spTgt spid="3">
+                                            <p:txEl>
+                                              <p:pRg st="4" end="4"/>
+                                            </p:txEl>
+                                          </p:spTgt>
+                                        </p:tgtEl>
+                                      </p:cBhvr>
+                                    </p:animEffect>
+                                  </p:childTnLst>
+                                </p:cTn>
+                              </p:par>
+                            </p:childTnLst>
+                          </p:cTn>
+                        </p:par>
+                      </p:childTnLst>
+                    </p:cTn>
+                  </p:par>
+                  <p:par>
+                    <p:cTn id="28" fill="hold">
+                      <p:stCondLst>
+                        <p:cond delay="indefinite"/>
+                      </p:stCondLst>
+                      <p:childTnLst>
+                        <p:par>
+                          <p:cTn id="29" fill="hold">
+                            <p:stCondLst>
+                              <p:cond delay="0"/>
+                            </p:stCondLst>
+                            <p:childTnLst>
+                              <p:par>
+                                <p:cTn id="30" presetID="10" presetClass="entr" presetSubtype="0" fill="hold" grpId="0" nodeType="clickEffect">
+                                  <p:stCondLst>
+                                    <p:cond delay="0"/>
+                                  </p:stCondLst>
+                                  <p:childTnLst>
+                                    <p:set>
+                                      <p:cBhvr>
+                                        <p:cTn id="31" dur="1" fill="hold">
+                                          <p:stCondLst>
+                                            <p:cond delay="0"/>
+                                          </p:stCondLst>
+                                        </p:cTn>
+                                        <p:tgtEl>
+                                          <p:spTgt spid="3">
+                                            <p:txEl>
+                                              <p:pRg st="5" end="5"/>
+                                            </p:txEl>
+                                          </p:spTgt>
+                                        </p:tgtEl>
+                                        <p:attrNameLst>
+                                          <p:attrName>style.visibility</p:attrName>
+                                        </p:attrNameLst>
+                                      </p:cBhvr>
+                                      <p:to>
+                                        <p:strVal val="visible"/>
+                                      </p:to>
+                                    </p:set>
+                                    <p:animEffect transition="in" filter="fade">
+                                      <p:cBhvr>
+                                        <p:cTn id="32" dur="500"/>
+                                        <p:tgtEl>
+                                          <p:spTgt spid="3">
+                                            <p:txEl>
+                                              <p:pRg st="5" end="5"/>
+                                            </p:txEl>
+                                          </p:spTgt>
+                                        </p:tgtEl>
+                                      </p:cBhvr>
+                                    </p:animEffect>
+                                  </p:childTnLst>
+                                </p:cTn>
+                              </p:par>
+                            </p:childTnLst>
+                          </p:cTn>
+                        </p:par>
+                      </p:childTnLst>
+                    </p:cTn>
+                  </p:par>
+                </p:childTnLst>
+              </p:cTn>
+              <p:prevCondLst>
+                <p:cond evt="onPrev" delay="0">
+                  <p:tgtEl>
+                    <p:sldTgt/>
+                  </p:tgtEl>
+                </p:cond>
+              </p:prevCondLst>
+              <p:nextCondLst>
+                <p:cond evt="onNext" delay="0">
+                  <p:tgtEl>
+                    <p:sldTgt/>
+                  </p:tgtEl>
+                </p:cond>
+              </p:nextCondLst>
+            </p:seq>
+          </p:childTnLst>
+        </p:cTn>
+      </p:par>
+    </p:tnLst>
+    <p:bldLst>
+      <p:bldP spid="3" grpId="0" build="p"/>
+    </p:bldLst>
+  </p:timing>
+</p:sld>
+</file>
+
+<file path=ppt/slides/slide36.xml><?xml version="1.0" encoding="utf-8"?>
+<p:sld xmlns:a="http://schemas.openxmlformats.org/drawingml/2006/main" xmlns:r="http://schemas.openxmlformats.org/officeDocument/2006/relationships" xmlns:p="http://schemas.openxmlformats.org/presentationml/2006/main">
+  <p:cSld>
+    <p:spTree>
+      <p:nvGrpSpPr>
+        <p:cNvPr id="1" name=""/>
+        <p:cNvGrpSpPr/>
+        <p:nvPr/>
+      </p:nvGrpSpPr>
+      <p:grpSpPr>
+        <a:xfrm>
+          <a:off x="0" y="0"/>
+          <a:ext cx="0" cy="0"/>
+          <a:chOff x="0" y="0"/>
+          <a:chExt cx="0" cy="0"/>
+        </a:xfrm>
+      </p:grpSpPr>
+      <p:sp>
+        <p:nvSpPr>
+          <p:cNvPr id="2" name="Titel 1"/>
+          <p:cNvSpPr>
+            <a:spLocks noGrp="1"/>
+          </p:cNvSpPr>
+          <p:nvPr>
+            <p:ph type="title"/>
+          </p:nvPr>
+        </p:nvSpPr>
+        <p:spPr/>
+        <p:txBody>
+          <a:bodyPr/>
+          <a:lstStyle/>
+          <a:p>
+            <a:r>
+              <a:rPr lang="de-AT" dirty="0" smtClean="0"/>
+              <a:t>„Hausaufgabe“ </a:t>
+            </a:r>
+            <a:r>
+              <a:rPr lang="de-AT" dirty="0" err="1" smtClean="0"/>
+              <a:t>Flexbox</a:t>
+            </a:r>
+            <a:r>
+              <a:rPr lang="de-AT" dirty="0" smtClean="0"/>
+              <a:t> &amp; </a:t>
+            </a:r>
+            <a:r>
+              <a:rPr lang="de-AT" dirty="0" err="1" smtClean="0"/>
+              <a:t>Grid</a:t>
+            </a:r>
+            <a:endParaRPr lang="en-US" dirty="0"/>
+          </a:p>
+        </p:txBody>
+      </p:sp>
+      <p:sp>
+        <p:nvSpPr>
+          <p:cNvPr id="3" name="Inhaltsplatzhalter 2"/>
+          <p:cNvSpPr>
+            <a:spLocks noGrp="1"/>
+          </p:cNvSpPr>
+          <p:nvPr>
+            <p:ph idx="1"/>
+          </p:nvPr>
+        </p:nvSpPr>
+        <p:spPr>
+          <a:xfrm>
+            <a:off x="1638300" y="2057400"/>
+            <a:ext cx="5703277" cy="4137259"/>
+          </a:xfrm>
+        </p:spPr>
+        <p:txBody>
+          <a:bodyPr/>
+          <a:lstStyle/>
+          <a:p>
+            <a:r>
+              <a:rPr lang="de-AT" dirty="0" err="1" smtClean="0"/>
+              <a:t>Flexbox</a:t>
+            </a:r>
+            <a:r>
+              <a:rPr lang="de-AT" dirty="0" smtClean="0"/>
+              <a:t> und </a:t>
+            </a:r>
+            <a:r>
+              <a:rPr lang="de-AT" dirty="0" err="1" smtClean="0"/>
+              <a:t>Grid</a:t>
+            </a:r>
+            <a:r>
+              <a:rPr lang="de-AT" dirty="0" smtClean="0"/>
+              <a:t> bieten viele Eigenschaften mit denen man das Layout definieren kann. Versuche dir einen groben Überblick zu verschaffen, über die Möglichkeiten die sich mit diesen beiden Modulen ergeben. </a:t>
+            </a:r>
+            <a:br>
+              <a:rPr lang="de-AT" dirty="0" smtClean="0"/>
+            </a:br>
+            <a:r>
+              <a:rPr lang="de-AT" dirty="0" smtClean="0"/>
+              <a:t>In der kommenden Einheit werden wir die beiden Module im Detail gemeinsam besprechen.</a:t>
+            </a:r>
+          </a:p>
+          <a:p>
+            <a:r>
+              <a:rPr lang="de-AT" dirty="0" err="1" smtClean="0"/>
+              <a:t>Flexbox</a:t>
+            </a:r>
+            <a:r>
+              <a:rPr lang="de-AT" dirty="0" smtClean="0"/>
+              <a:t>:</a:t>
+            </a:r>
+            <a:br>
+              <a:rPr lang="de-AT" dirty="0" smtClean="0"/>
+            </a:br>
+            <a:r>
+              <a:rPr lang="de-AT" dirty="0" smtClean="0">
+                <a:hlinkClick r:id="rId2"/>
+              </a:rPr>
+              <a:t>https</a:t>
+            </a:r>
+            <a:r>
+              <a:rPr lang="de-AT" dirty="0">
+                <a:hlinkClick r:id="rId2"/>
+              </a:rPr>
+              <a:t>://</a:t>
+            </a:r>
+            <a:r>
+              <a:rPr lang="de-AT" dirty="0" smtClean="0">
+                <a:hlinkClick r:id="rId2"/>
+              </a:rPr>
+              <a:t>www.w3schools.com/css/css3_flexbox.asp</a:t>
+            </a:r>
+            <a:r>
+              <a:rPr lang="de-AT" dirty="0" smtClean="0"/>
+              <a:t>  </a:t>
+            </a:r>
+          </a:p>
+          <a:p>
+            <a:r>
+              <a:rPr lang="de-AT" dirty="0" err="1" smtClean="0"/>
+              <a:t>Grid</a:t>
+            </a:r>
+            <a:r>
+              <a:rPr lang="de-AT" dirty="0"/>
+              <a:t>: </a:t>
+            </a:r>
+            <a:r>
+              <a:rPr lang="de-AT" dirty="0" smtClean="0"/>
+              <a:t/>
+            </a:r>
+            <a:br>
+              <a:rPr lang="de-AT" dirty="0" smtClean="0"/>
+            </a:br>
+            <a:r>
+              <a:rPr lang="de-AT" dirty="0" smtClean="0">
+                <a:hlinkClick r:id="rId3"/>
+              </a:rPr>
+              <a:t>https</a:t>
+            </a:r>
+            <a:r>
+              <a:rPr lang="de-AT" dirty="0">
+                <a:hlinkClick r:id="rId3"/>
+              </a:rPr>
+              <a:t>://</a:t>
+            </a:r>
+            <a:r>
+              <a:rPr lang="de-AT" dirty="0" smtClean="0">
+                <a:hlinkClick r:id="rId3"/>
+              </a:rPr>
+              <a:t>www.w3schools.com/css/css_grid.asp</a:t>
+            </a:r>
+            <a:r>
+              <a:rPr lang="de-AT" dirty="0" smtClean="0"/>
+              <a:t> </a:t>
+            </a:r>
+            <a:endParaRPr lang="en-US" dirty="0"/>
+          </a:p>
+        </p:txBody>
+      </p:sp>
+      <p:pic>
+        <p:nvPicPr>
+          <p:cNvPr id="4" name="Grafik 3"/>
+          <p:cNvPicPr>
+            <a:picLocks noChangeAspect="1"/>
+          </p:cNvPicPr>
+          <p:nvPr/>
+        </p:nvPicPr>
+        <p:blipFill>
+          <a:blip r:embed="rId4"/>
+          <a:stretch>
+            <a:fillRect/>
+          </a:stretch>
+        </p:blipFill>
+        <p:spPr>
+          <a:xfrm>
+            <a:off x="7451324" y="2057400"/>
+            <a:ext cx="4289008" cy="1327335"/>
+          </a:xfrm>
+          <a:prstGeom prst="rect">
+            <a:avLst/>
+          </a:prstGeom>
+        </p:spPr>
+      </p:pic>
+      <p:pic>
+        <p:nvPicPr>
+          <p:cNvPr id="5" name="Grafik 4"/>
+          <p:cNvPicPr>
+            <a:picLocks noChangeAspect="1"/>
+          </p:cNvPicPr>
+          <p:nvPr/>
+        </p:nvPicPr>
+        <p:blipFill>
+          <a:blip r:embed="rId5"/>
+          <a:stretch>
+            <a:fillRect/>
+          </a:stretch>
+        </p:blipFill>
+        <p:spPr>
+          <a:xfrm>
+            <a:off x="7451324" y="3644431"/>
+            <a:ext cx="4289008" cy="2045456"/>
+          </a:xfrm>
+          <a:prstGeom prst="rect">
+            <a:avLst/>
+          </a:prstGeom>
+        </p:spPr>
+      </p:pic>
+    </p:spTree>
+    <p:extLst>
+      <p:ext uri="{BB962C8B-B14F-4D97-AF65-F5344CB8AC3E}">
+        <p14:creationId xmlns:p14="http://schemas.microsoft.com/office/powerpoint/2010/main" val="86529376"/>
+      </p:ext>
+    </p:extLst>
+  </p:cSld>
+  <p:clrMapOvr>
+    <a:masterClrMapping/>
+  </p:clrMapOvr>
+  <p:timing>
+    <p:tnLst>
+      <p:par>
+        <p:cTn id="1" dur="indefinite" restart="never" nodeType="tmRoot"/>
+      </p:par>
+    </p:tnLst>
+  </p:timing>
+</p:sld>
+</file>
+
+<file path=ppt/slides/slide37.xml><?xml version="1.0" encoding="utf-8"?>
 <p:sld xmlns:a="http://schemas.openxmlformats.org/drawingml/2006/main" xmlns:r="http://schemas.openxmlformats.org/officeDocument/2006/relationships" xmlns:p="http://schemas.openxmlformats.org/presentationml/2006/main">
   <p:cSld>
     <p:spTree>
@@ -7956,362 +15862,6 @@
     <p:extLst>
       <p:ext uri="{BB962C8B-B14F-4D97-AF65-F5344CB8AC3E}">
         <p14:creationId xmlns:p14="http://schemas.microsoft.com/office/powerpoint/2010/main" val="2872145444"/>
-      </p:ext>
-    </p:extLst>
-  </p:cSld>
-  <p:clrMapOvr>
-    <a:masterClrMapping/>
-  </p:clrMapOvr>
-</p:sld>
-</file>
-
-<file path=ppt/slides/slide3.xml><?xml version="1.0" encoding="utf-8"?>
-<p:sld xmlns:a="http://schemas.openxmlformats.org/drawingml/2006/main" xmlns:r="http://schemas.openxmlformats.org/officeDocument/2006/relationships" xmlns:p="http://schemas.openxmlformats.org/presentationml/2006/main">
-  <p:cSld>
-    <p:bg>
-      <p:bgPr>
-        <a:solidFill>
-          <a:schemeClr val="bg1"/>
-        </a:solidFill>
-        <a:effectLst/>
-      </p:bgPr>
-    </p:bg>
-    <p:spTree>
-      <p:nvGrpSpPr>
-        <p:cNvPr id="1" name=""/>
-        <p:cNvGrpSpPr/>
-        <p:nvPr/>
-      </p:nvGrpSpPr>
-      <p:grpSpPr>
-        <a:xfrm>
-          <a:off x="0" y="0"/>
-          <a:ext cx="0" cy="0"/>
-          <a:chOff x="0" y="0"/>
-          <a:chExt cx="0" cy="0"/>
-        </a:xfrm>
-      </p:grpSpPr>
-      <p:sp>
-        <p:nvSpPr>
-          <p:cNvPr id="9" name="Rectangle 8">
-            <a:extLst>
-              <a:ext uri="{FF2B5EF4-FFF2-40B4-BE49-F238E27FC236}">
-                <a16:creationId xmlns:a16="http://schemas.microsoft.com/office/drawing/2014/main" id="{BE229233-9672-4675-99B7-6CBCEF1CD415}"/>
-              </a:ext>
-              <a:ext uri="{C183D7F6-B498-43B3-948B-1728B52AA6E4}">
-                <adec:decorative xmlns:adec="http://schemas.microsoft.com/office/drawing/2017/decorative" xmlns="" val="1"/>
-              </a:ext>
-            </a:extLst>
-          </p:cNvPr>
-          <p:cNvSpPr>
-            <a:spLocks noGrp="1" noRot="1" noChangeAspect="1" noMove="1" noResize="1" noEditPoints="1" noAdjustHandles="1" noChangeArrowheads="1" noChangeShapeType="1" noTextEdit="1"/>
-          </p:cNvSpPr>
-          <p:nvPr>
-            <p:extLst>
-              <p:ext uri="{386F3935-93C4-4BCD-93E2-E3B085C9AB24}">
-                <p16:designElem xmlns:p16="http://schemas.microsoft.com/office/powerpoint/2015/main" val="1"/>
-              </p:ext>
-            </p:extLst>
-          </p:nvPr>
-        </p:nvSpPr>
-        <p:spPr>
-          <a:xfrm>
-            <a:off x="0" y="0"/>
-            <a:ext cx="12192000" cy="6858000"/>
-          </a:xfrm>
-          <a:prstGeom prst="rect">
-            <a:avLst/>
-          </a:prstGeom>
-          <a:solidFill>
-            <a:schemeClr val="bg1"/>
-          </a:solidFill>
-          <a:ln w="12700" cap="flat" cmpd="sng" algn="ctr">
-            <a:noFill/>
-            <a:prstDash val="solid"/>
-            <a:miter lim="800000"/>
-          </a:ln>
-          <a:effectLst/>
-        </p:spPr>
-        <p:style>
-          <a:lnRef idx="2">
-            <a:schemeClr val="accent1">
-              <a:shade val="50000"/>
-            </a:schemeClr>
-          </a:lnRef>
-          <a:fillRef idx="1">
-            <a:schemeClr val="accent1"/>
-          </a:fillRef>
-          <a:effectRef idx="0">
-            <a:schemeClr val="accent1"/>
-          </a:effectRef>
-          <a:fontRef idx="minor">
-            <a:schemeClr val="lt1"/>
-          </a:fontRef>
-        </p:style>
-        <p:txBody>
-          <a:bodyPr rtlCol="0" anchor="ctr"/>
-          <a:lstStyle/>
-          <a:p>
-            <a:pPr algn="ctr"/>
-            <a:endParaRPr lang="en-US"/>
-          </a:p>
-        </p:txBody>
-      </p:sp>
-      <p:pic>
-        <p:nvPicPr>
-          <p:cNvPr id="4" name="Picture 3" descr="Ein Bild, das Screenshot, Wasser, Blau, unterwasser enthält.&#10;&#10;Automatisch generierte Beschreibung">
-            <a:extLst>
-              <a:ext uri="{FF2B5EF4-FFF2-40B4-BE49-F238E27FC236}">
-                <a16:creationId xmlns:a16="http://schemas.microsoft.com/office/drawing/2014/main" id="{8888D5D7-5569-BBD7-CF94-2A7F62111266}"/>
-              </a:ext>
-            </a:extLst>
-          </p:cNvPr>
-          <p:cNvPicPr>
-            <a:picLocks noChangeAspect="1"/>
-          </p:cNvPicPr>
-          <p:nvPr/>
-        </p:nvPicPr>
-        <p:blipFill rotWithShape="1">
-          <a:blip r:embed="rId2"/>
-          <a:srcRect l="154" r="33284"/>
-          <a:stretch/>
-        </p:blipFill>
-        <p:spPr>
-          <a:xfrm>
-            <a:off x="20" y="-2"/>
-            <a:ext cx="8115280" cy="6858001"/>
-          </a:xfrm>
-          <a:prstGeom prst="rect">
-            <a:avLst/>
-          </a:prstGeom>
-        </p:spPr>
-      </p:pic>
-      <p:sp>
-        <p:nvSpPr>
-          <p:cNvPr id="11" name="Rectangle 10">
-            <a:extLst>
-              <a:ext uri="{FF2B5EF4-FFF2-40B4-BE49-F238E27FC236}">
-                <a16:creationId xmlns:a16="http://schemas.microsoft.com/office/drawing/2014/main" id="{EC5FF010-B53C-46BE-BEEF-AF926A00F67F}"/>
-              </a:ext>
-              <a:ext uri="{C183D7F6-B498-43B3-948B-1728B52AA6E4}">
-                <adec:decorative xmlns:adec="http://schemas.microsoft.com/office/drawing/2017/decorative" xmlns="" val="1"/>
-              </a:ext>
-            </a:extLst>
-          </p:cNvPr>
-          <p:cNvSpPr>
-            <a:spLocks noGrp="1" noRot="1" noChangeAspect="1" noMove="1" noResize="1" noEditPoints="1" noAdjustHandles="1" noChangeArrowheads="1" noChangeShapeType="1" noTextEdit="1"/>
-          </p:cNvSpPr>
-          <p:nvPr>
-            <p:extLst>
-              <p:ext uri="{386F3935-93C4-4BCD-93E2-E3B085C9AB24}">
-                <p16:designElem xmlns:p16="http://schemas.microsoft.com/office/powerpoint/2015/main" val="1"/>
-              </p:ext>
-            </p:extLst>
-          </p:nvPr>
-        </p:nvSpPr>
-        <p:spPr>
-          <a:xfrm>
-            <a:off x="3238500" y="2057400"/>
-            <a:ext cx="4876800" cy="2743201"/>
-          </a:xfrm>
-          <a:prstGeom prst="rect">
-            <a:avLst/>
-          </a:prstGeom>
-          <a:solidFill>
-            <a:schemeClr val="bg1"/>
-          </a:solidFill>
-          <a:ln w="12700" cap="flat" cmpd="sng" algn="ctr">
-            <a:noFill/>
-            <a:prstDash val="solid"/>
-            <a:miter lim="800000"/>
-          </a:ln>
-          <a:effectLst/>
-        </p:spPr>
-        <p:style>
-          <a:lnRef idx="2">
-            <a:schemeClr val="accent1">
-              <a:shade val="50000"/>
-            </a:schemeClr>
-          </a:lnRef>
-          <a:fillRef idx="1">
-            <a:schemeClr val="accent1"/>
-          </a:fillRef>
-          <a:effectRef idx="0">
-            <a:schemeClr val="accent1"/>
-          </a:effectRef>
-          <a:fontRef idx="minor">
-            <a:schemeClr val="lt1"/>
-          </a:fontRef>
-        </p:style>
-        <p:txBody>
-          <a:bodyPr rtlCol="0" anchor="ctr"/>
-          <a:lstStyle/>
-          <a:p>
-            <a:pPr algn="ctr"/>
-            <a:endParaRPr lang="en-US"/>
-          </a:p>
-        </p:txBody>
-      </p:sp>
-      <p:sp>
-        <p:nvSpPr>
-          <p:cNvPr id="13" name="Rectangle 12">
-            <a:extLst>
-              <a:ext uri="{FF2B5EF4-FFF2-40B4-BE49-F238E27FC236}">
-                <a16:creationId xmlns:a16="http://schemas.microsoft.com/office/drawing/2014/main" id="{8509AD9C-1F43-4138-A72B-8CA988EDD475}"/>
-              </a:ext>
-              <a:ext uri="{C183D7F6-B498-43B3-948B-1728B52AA6E4}">
-                <adec:decorative xmlns:adec="http://schemas.microsoft.com/office/drawing/2017/decorative" xmlns="" val="1"/>
-              </a:ext>
-            </a:extLst>
-          </p:cNvPr>
-          <p:cNvSpPr>
-            <a:spLocks noGrp="1" noRot="1" noChangeAspect="1" noMove="1" noResize="1" noEditPoints="1" noAdjustHandles="1" noChangeArrowheads="1" noChangeShapeType="1" noTextEdit="1"/>
-          </p:cNvSpPr>
-          <p:nvPr>
-            <p:extLst>
-              <p:ext uri="{386F3935-93C4-4BCD-93E2-E3B085C9AB24}">
-                <p16:designElem xmlns:p16="http://schemas.microsoft.com/office/powerpoint/2015/main" val="1"/>
-              </p:ext>
-            </p:extLst>
-          </p:nvPr>
-        </p:nvSpPr>
-        <p:spPr>
-          <a:xfrm>
-            <a:off x="8115300" y="2057400"/>
-            <a:ext cx="3276600" cy="2743201"/>
-          </a:xfrm>
-          <a:prstGeom prst="rect">
-            <a:avLst/>
-          </a:prstGeom>
-          <a:solidFill>
-            <a:schemeClr val="bg2"/>
-          </a:solidFill>
-          <a:ln w="12700" cap="flat" cmpd="sng" algn="ctr">
-            <a:noFill/>
-            <a:prstDash val="solid"/>
-            <a:miter lim="800000"/>
-          </a:ln>
-          <a:effectLst/>
-        </p:spPr>
-        <p:style>
-          <a:lnRef idx="2">
-            <a:schemeClr val="accent1">
-              <a:shade val="50000"/>
-            </a:schemeClr>
-          </a:lnRef>
-          <a:fillRef idx="1">
-            <a:schemeClr val="accent1"/>
-          </a:fillRef>
-          <a:effectRef idx="0">
-            <a:schemeClr val="accent1"/>
-          </a:effectRef>
-          <a:fontRef idx="minor">
-            <a:schemeClr val="lt1"/>
-          </a:fontRef>
-        </p:style>
-        <p:txBody>
-          <a:bodyPr rtlCol="0" anchor="ctr"/>
-          <a:lstStyle/>
-          <a:p>
-            <a:pPr algn="ctr"/>
-            <a:endParaRPr lang="en-US"/>
-          </a:p>
-        </p:txBody>
-      </p:sp>
-      <p:sp>
-        <p:nvSpPr>
-          <p:cNvPr id="2" name="Titel 1">
-            <a:extLst>
-              <a:ext uri="{FF2B5EF4-FFF2-40B4-BE49-F238E27FC236}">
-                <a16:creationId xmlns:a16="http://schemas.microsoft.com/office/drawing/2014/main" id="{C116823A-F0C0-9F76-4B25-AE0CF378C7B1}"/>
-              </a:ext>
-            </a:extLst>
-          </p:cNvPr>
-          <p:cNvSpPr>
-            <a:spLocks noGrp="1"/>
-          </p:cNvSpPr>
-          <p:nvPr>
-            <p:ph type="ctrTitle"/>
-          </p:nvPr>
-        </p:nvSpPr>
-        <p:spPr>
-          <a:xfrm>
-            <a:off x="3415627" y="2505059"/>
-            <a:ext cx="4145758" cy="1853023"/>
-          </a:xfrm>
-        </p:spPr>
-        <p:txBody>
-          <a:bodyPr anchor="ctr">
-            <a:normAutofit/>
-          </a:bodyPr>
-          <a:lstStyle/>
-          <a:p>
-            <a:r>
-              <a:rPr lang="de-AT" sz="3200" dirty="0"/>
-              <a:t>CSS </a:t>
-            </a:r>
-            <a:r>
-              <a:rPr lang="de-AT" sz="3200" dirty="0" smtClean="0"/>
-              <a:t>– Kombination von </a:t>
-            </a:r>
-            <a:r>
-              <a:rPr lang="de-AT" sz="3200" dirty="0" err="1" smtClean="0"/>
-              <a:t>Selektoren</a:t>
-            </a:r>
-            <a:endParaRPr lang="de-AT" sz="3200" dirty="0"/>
-          </a:p>
-        </p:txBody>
-      </p:sp>
-      <p:pic>
-        <p:nvPicPr>
-          <p:cNvPr id="1026" name="Picture 2" descr="Cascading Style Sheets – Wikipedia">
-            <a:extLst>
-              <a:ext uri="{FF2B5EF4-FFF2-40B4-BE49-F238E27FC236}">
-                <a16:creationId xmlns:a16="http://schemas.microsoft.com/office/drawing/2014/main" id="{CAA3119D-4723-2DA8-23B0-07F0A44098C0}"/>
-              </a:ext>
-            </a:extLst>
-          </p:cNvPr>
-          <p:cNvPicPr>
-            <a:picLocks noChangeAspect="1" noChangeArrowheads="1"/>
-          </p:cNvPicPr>
-          <p:nvPr/>
-        </p:nvPicPr>
-        <p:blipFill>
-          <a:blip r:embed="rId3" cstate="hqprint">
-            <a:extLst>
-              <a:ext uri="{28A0092B-C50C-407E-A947-70E740481C1C}">
-                <a14:useLocalDpi xmlns:a14="http://schemas.microsoft.com/office/drawing/2010/main" val="0"/>
-              </a:ext>
-            </a:extLst>
-          </a:blip>
-          <a:srcRect/>
-          <a:stretch>
-            <a:fillRect/>
-          </a:stretch>
-        </p:blipFill>
-        <p:spPr bwMode="auto">
-          <a:xfrm>
-            <a:off x="9167682" y="2602360"/>
-            <a:ext cx="1171835" cy="1653275"/>
-          </a:xfrm>
-          <a:prstGeom prst="rect">
-            <a:avLst/>
-          </a:prstGeom>
-          <a:noFill/>
-          <a:extLst>
-            <a:ext uri="{909E8E84-426E-40DD-AFC4-6F175D3DCCD1}">
-              <a14:hiddenFill xmlns:a14="http://schemas.microsoft.com/office/drawing/2010/main">
-                <a:solidFill>
-                  <a:srgbClr val="FFFFFF"/>
-                </a:solidFill>
-              </a14:hiddenFill>
-            </a:ext>
-          </a:extLst>
-        </p:spPr>
-      </p:pic>
-    </p:spTree>
-    <p:extLst>
-      <p:ext uri="{BB962C8B-B14F-4D97-AF65-F5344CB8AC3E}">
-        <p14:creationId xmlns:p14="http://schemas.microsoft.com/office/powerpoint/2010/main" val="2094374127"/>
       </p:ext>
     </p:extLst>
   </p:cSld>

--- a/3. CSS/Slides/CSS Grundlagen 2.pptx
+++ b/3. CSS/Slides/CSS Grundlagen 2.pptx
@@ -3508,7 +3508,7 @@
                 <a16:creationId xmlns:a16="http://schemas.microsoft.com/office/drawing/2014/main" id="{BE229233-9672-4675-99B7-6CBCEF1CD415}"/>
               </a:ext>
               <a:ext uri="{C183D7F6-B498-43B3-948B-1728B52AA6E4}">
-                <adec:decorative xmlns="" xmlns:adec="http://schemas.microsoft.com/office/drawing/2017/decorative" val="1"/>
+                <adec:decorative xmlns:adec="http://schemas.microsoft.com/office/drawing/2017/decorative" xmlns="" val="1"/>
               </a:ext>
             </a:extLst>
           </p:cNvPr>
@@ -3603,7 +3603,7 @@
                 <a16:creationId xmlns:a16="http://schemas.microsoft.com/office/drawing/2014/main" id="{EC5FF010-B53C-46BE-BEEF-AF926A00F67F}"/>
               </a:ext>
               <a:ext uri="{C183D7F6-B498-43B3-948B-1728B52AA6E4}">
-                <adec:decorative xmlns="" xmlns:adec="http://schemas.microsoft.com/office/drawing/2017/decorative" val="1"/>
+                <adec:decorative xmlns:adec="http://schemas.microsoft.com/office/drawing/2017/decorative" xmlns="" val="1"/>
               </a:ext>
             </a:extLst>
           </p:cNvPr>
@@ -3669,7 +3669,7 @@
                 <a16:creationId xmlns:a16="http://schemas.microsoft.com/office/drawing/2014/main" id="{8509AD9C-1F43-4138-A72B-8CA988EDD475}"/>
               </a:ext>
               <a:ext uri="{C183D7F6-B498-43B3-948B-1728B52AA6E4}">
-                <adec:decorative xmlns="" xmlns:adec="http://schemas.microsoft.com/office/drawing/2017/decorative" val="1"/>
+                <adec:decorative xmlns:adec="http://schemas.microsoft.com/office/drawing/2017/decorative" xmlns="" val="1"/>
               </a:ext>
             </a:extLst>
           </p:cNvPr>
@@ -4018,7 +4018,7 @@
                 <a16:creationId xmlns:a16="http://schemas.microsoft.com/office/drawing/2014/main" id="{BE229233-9672-4675-99B7-6CBCEF1CD415}"/>
               </a:ext>
               <a:ext uri="{C183D7F6-B498-43B3-948B-1728B52AA6E4}">
-                <adec:decorative xmlns="" xmlns:adec="http://schemas.microsoft.com/office/drawing/2017/decorative" val="1"/>
+                <adec:decorative xmlns:adec="http://schemas.microsoft.com/office/drawing/2017/decorative" xmlns="" val="1"/>
               </a:ext>
             </a:extLst>
           </p:cNvPr>
@@ -4113,7 +4113,7 @@
                 <a16:creationId xmlns:a16="http://schemas.microsoft.com/office/drawing/2014/main" id="{EC5FF010-B53C-46BE-BEEF-AF926A00F67F}"/>
               </a:ext>
               <a:ext uri="{C183D7F6-B498-43B3-948B-1728B52AA6E4}">
-                <adec:decorative xmlns="" xmlns:adec="http://schemas.microsoft.com/office/drawing/2017/decorative" val="1"/>
+                <adec:decorative xmlns:adec="http://schemas.microsoft.com/office/drawing/2017/decorative" xmlns="" val="1"/>
               </a:ext>
             </a:extLst>
           </p:cNvPr>
@@ -4179,7 +4179,7 @@
                 <a16:creationId xmlns:a16="http://schemas.microsoft.com/office/drawing/2014/main" id="{8509AD9C-1F43-4138-A72B-8CA988EDD475}"/>
               </a:ext>
               <a:ext uri="{C183D7F6-B498-43B3-948B-1728B52AA6E4}">
-                <adec:decorative xmlns="" xmlns:adec="http://schemas.microsoft.com/office/drawing/2017/decorative" val="1"/>
+                <adec:decorative xmlns:adec="http://schemas.microsoft.com/office/drawing/2017/decorative" xmlns="" val="1"/>
               </a:ext>
             </a:extLst>
           </p:cNvPr>
@@ -4860,7 +4860,7 @@
                 <a16:creationId xmlns:a16="http://schemas.microsoft.com/office/drawing/2014/main" id="{BE229233-9672-4675-99B7-6CBCEF1CD415}"/>
               </a:ext>
               <a:ext uri="{C183D7F6-B498-43B3-948B-1728B52AA6E4}">
-                <adec:decorative xmlns="" xmlns:adec="http://schemas.microsoft.com/office/drawing/2017/decorative" val="1"/>
+                <adec:decorative xmlns:adec="http://schemas.microsoft.com/office/drawing/2017/decorative" xmlns="" val="1"/>
               </a:ext>
             </a:extLst>
           </p:cNvPr>
@@ -4955,7 +4955,7 @@
                 <a16:creationId xmlns:a16="http://schemas.microsoft.com/office/drawing/2014/main" id="{EC5FF010-B53C-46BE-BEEF-AF926A00F67F}"/>
               </a:ext>
               <a:ext uri="{C183D7F6-B498-43B3-948B-1728B52AA6E4}">
-                <adec:decorative xmlns="" xmlns:adec="http://schemas.microsoft.com/office/drawing/2017/decorative" val="1"/>
+                <adec:decorative xmlns:adec="http://schemas.microsoft.com/office/drawing/2017/decorative" xmlns="" val="1"/>
               </a:ext>
             </a:extLst>
           </p:cNvPr>
@@ -5021,7 +5021,7 @@
                 <a16:creationId xmlns:a16="http://schemas.microsoft.com/office/drawing/2014/main" id="{8509AD9C-1F43-4138-A72B-8CA988EDD475}"/>
               </a:ext>
               <a:ext uri="{C183D7F6-B498-43B3-948B-1728B52AA6E4}">
-                <adec:decorative xmlns="" xmlns:adec="http://schemas.microsoft.com/office/drawing/2017/decorative" val="1"/>
+                <adec:decorative xmlns:adec="http://schemas.microsoft.com/office/drawing/2017/decorative" xmlns="" val="1"/>
               </a:ext>
             </a:extLst>
           </p:cNvPr>
@@ -10264,7 +10264,45 @@
           <a:p>
             <a:r>
               <a:rPr lang="de-AT" dirty="0" smtClean="0"/>
-              <a:t>Schreibe CSS Code um das Bild unterhalb zu erzielen</a:t>
+              <a:t>Schreibe CSS Code um das Bild unterhalb zu </a:t>
+            </a:r>
+            <a:r>
+              <a:rPr lang="de-AT" dirty="0" smtClean="0"/>
+              <a:t>erzielen</a:t>
+            </a:r>
+          </a:p>
+          <a:p>
+            <a:r>
+              <a:rPr lang="de-AT" dirty="0" smtClean="0"/>
+              <a:t>Tipp: Um einen Kreis zu erzielen nutze die</a:t>
+            </a:r>
+            <a:br>
+              <a:rPr lang="de-AT" dirty="0" smtClean="0"/>
+            </a:br>
+            <a:r>
+              <a:rPr lang="de-AT" dirty="0" smtClean="0"/>
+              <a:t>Eigenschaft </a:t>
+            </a:r>
+            <a:r>
+              <a:rPr lang="de-AT" dirty="0" err="1" smtClean="0"/>
+              <a:t>border</a:t>
+            </a:r>
+            <a:r>
+              <a:rPr lang="de-AT" dirty="0" smtClean="0"/>
+              <a:t>-radius: 50%</a:t>
+            </a:r>
+          </a:p>
+          <a:p>
+            <a:r>
+              <a:rPr lang="de-AT" dirty="0" smtClean="0"/>
+              <a:t>Zusatz: Lass den Kreis hinter dem blauen </a:t>
+            </a:r>
+            <a:br>
+              <a:rPr lang="de-AT" dirty="0" smtClean="0"/>
+            </a:br>
+            <a:r>
+              <a:rPr lang="de-AT" dirty="0" smtClean="0"/>
+              <a:t>Element verschwinden</a:t>
             </a:r>
           </a:p>
         </p:txBody>
@@ -10284,7 +10322,7 @@
         </p:blipFill>
         <p:spPr>
           <a:xfrm>
-            <a:off x="3249331" y="3156796"/>
+            <a:off x="6361808" y="2998534"/>
             <a:ext cx="5143500" cy="3701204"/>
           </a:xfrm>
           <a:prstGeom prst="rect">
@@ -10509,7 +10547,7 @@
                 <a16:creationId xmlns:a16="http://schemas.microsoft.com/office/drawing/2014/main" id="{BE229233-9672-4675-99B7-6CBCEF1CD415}"/>
               </a:ext>
               <a:ext uri="{C183D7F6-B498-43B3-948B-1728B52AA6E4}">
-                <adec:decorative xmlns="" xmlns:adec="http://schemas.microsoft.com/office/drawing/2017/decorative" val="1"/>
+                <adec:decorative xmlns:adec="http://schemas.microsoft.com/office/drawing/2017/decorative" xmlns="" val="1"/>
               </a:ext>
             </a:extLst>
           </p:cNvPr>
@@ -10604,7 +10642,7 @@
                 <a16:creationId xmlns:a16="http://schemas.microsoft.com/office/drawing/2014/main" id="{EC5FF010-B53C-46BE-BEEF-AF926A00F67F}"/>
               </a:ext>
               <a:ext uri="{C183D7F6-B498-43B3-948B-1728B52AA6E4}">
-                <adec:decorative xmlns="" xmlns:adec="http://schemas.microsoft.com/office/drawing/2017/decorative" val="1"/>
+                <adec:decorative xmlns:adec="http://schemas.microsoft.com/office/drawing/2017/decorative" xmlns="" val="1"/>
               </a:ext>
             </a:extLst>
           </p:cNvPr>
@@ -10670,7 +10708,7 @@
                 <a16:creationId xmlns:a16="http://schemas.microsoft.com/office/drawing/2014/main" id="{8509AD9C-1F43-4138-A72B-8CA988EDD475}"/>
               </a:ext>
               <a:ext uri="{C183D7F6-B498-43B3-948B-1728B52AA6E4}">
-                <adec:decorative xmlns="" xmlns:adec="http://schemas.microsoft.com/office/drawing/2017/decorative" val="1"/>
+                <adec:decorative xmlns:adec="http://schemas.microsoft.com/office/drawing/2017/decorative" xmlns="" val="1"/>
               </a:ext>
             </a:extLst>
           </p:cNvPr>
@@ -12444,7 +12482,7 @@
                 <a16:creationId xmlns:a16="http://schemas.microsoft.com/office/drawing/2014/main" id="{BE229233-9672-4675-99B7-6CBCEF1CD415}"/>
               </a:ext>
               <a:ext uri="{C183D7F6-B498-43B3-948B-1728B52AA6E4}">
-                <adec:decorative xmlns="" xmlns:adec="http://schemas.microsoft.com/office/drawing/2017/decorative" val="1"/>
+                <adec:decorative xmlns:adec="http://schemas.microsoft.com/office/drawing/2017/decorative" xmlns="" val="1"/>
               </a:ext>
             </a:extLst>
           </p:cNvPr>
@@ -12539,7 +12577,7 @@
                 <a16:creationId xmlns:a16="http://schemas.microsoft.com/office/drawing/2014/main" id="{EC5FF010-B53C-46BE-BEEF-AF926A00F67F}"/>
               </a:ext>
               <a:ext uri="{C183D7F6-B498-43B3-948B-1728B52AA6E4}">
-                <adec:decorative xmlns="" xmlns:adec="http://schemas.microsoft.com/office/drawing/2017/decorative" val="1"/>
+                <adec:decorative xmlns:adec="http://schemas.microsoft.com/office/drawing/2017/decorative" xmlns="" val="1"/>
               </a:ext>
             </a:extLst>
           </p:cNvPr>
@@ -12605,7 +12643,7 @@
                 <a16:creationId xmlns:a16="http://schemas.microsoft.com/office/drawing/2014/main" id="{8509AD9C-1F43-4138-A72B-8CA988EDD475}"/>
               </a:ext>
               <a:ext uri="{C183D7F6-B498-43B3-948B-1728B52AA6E4}">
-                <adec:decorative xmlns="" xmlns:adec="http://schemas.microsoft.com/office/drawing/2017/decorative" val="1"/>
+                <adec:decorative xmlns:adec="http://schemas.microsoft.com/office/drawing/2017/decorative" xmlns="" val="1"/>
               </a:ext>
             </a:extLst>
           </p:cNvPr>
